--- a/ExercicioHeranca.pptx
+++ b/ExercicioHeranca.pptx
@@ -1,22 +1,48 @@
 
 <file path=ppt/presentation.xml><?xml version="1.0" encoding="utf-8"?>
-<p:presentation xmlns:a="http://schemas.openxmlformats.org/drawingml/2006/main" xmlns:r="http://schemas.openxmlformats.org/officeDocument/2006/relationships" xmlns:p="http://schemas.openxmlformats.org/presentationml/2006/main" saveSubsetFonts="1" autoCompressPictures="0">
+<p:presentation xmlns:a="http://schemas.openxmlformats.org/drawingml/2006/main" xmlns:r="http://schemas.openxmlformats.org/officeDocument/2006/relationships" xmlns:p="http://schemas.openxmlformats.org/presentationml/2006/main" embedTrueTypeFonts="1" autoCompressPictures="0">
   <p:sldMasterIdLst>
     <p:sldMasterId id="2147483673" r:id="rId1"/>
     <p:sldMasterId id="2147483661" r:id="rId2"/>
-    <p:sldMasterId id="2147483698" r:id="rId3"/>
   </p:sldMasterIdLst>
   <p:notesMasterIdLst>
-    <p:notesMasterId r:id="rId8"/>
+    <p:notesMasterId r:id="rId6"/>
   </p:notesMasterIdLst>
   <p:sldIdLst>
-    <p:sldId id="754" r:id="rId4"/>
-    <p:sldId id="755" r:id="rId5"/>
-    <p:sldId id="756" r:id="rId6"/>
-    <p:sldId id="758" r:id="rId7"/>
+    <p:sldId id="670" r:id="rId3"/>
+    <p:sldId id="671" r:id="rId4"/>
+    <p:sldId id="672" r:id="rId5"/>
   </p:sldIdLst>
-  <p:sldSz cx="9144000" cy="5143500" type="screen16x9"/>
+  <p:sldSz cx="9144000" cy="5148263"/>
   <p:notesSz cx="6858000" cy="9144000"/>
+  <p:embeddedFontLst>
+    <p:embeddedFont>
+      <p:font typeface="Calibri" panose="020F0502020204030204" pitchFamily="34" charset="0"/>
+      <p:regular r:id="rId7"/>
+      <p:bold r:id="rId8"/>
+      <p:italic r:id="rId9"/>
+      <p:boldItalic r:id="rId10"/>
+    </p:embeddedFont>
+    <p:embeddedFont>
+      <p:font typeface="Calibri Light" panose="020F0302020204030204" pitchFamily="34" charset="0"/>
+      <p:regular r:id="rId11"/>
+      <p:italic r:id="rId12"/>
+    </p:embeddedFont>
+    <p:embeddedFont>
+      <p:font typeface="Gotham HTF" charset="0"/>
+      <p:bold r:id="rId13"/>
+      <p:boldItalic r:id="rId14"/>
+    </p:embeddedFont>
+    <p:embeddedFont>
+      <p:font typeface="Gotham HTF Light" charset="0"/>
+      <p:regular r:id="rId15"/>
+      <p:italic r:id="rId16"/>
+    </p:embeddedFont>
+    <p:embeddedFont>
+      <p:font typeface="Gotham HTF Medium" charset="0"/>
+      <p:regular r:id="rId17"/>
+    </p:embeddedFont>
+  </p:embeddedFontLst>
   <p:defaultTextStyle>
     <a:defPPr>
       <a:defRPr lang="en-US"/>
@@ -115,7 +141,7 @@
   <p:extLst>
     <p:ext uri="{EFAFB233-063F-42B5-8137-9DF3F51BA10A}">
       <p15:sldGuideLst xmlns:p15="http://schemas.microsoft.com/office/powerpoint/2012/main">
-        <p15:guide id="2" pos="2880" userDrawn="1">
+        <p15:guide id="2" pos="2880">
           <p15:clr>
             <a:srgbClr val="A4A3A4"/>
           </p15:clr>
@@ -125,7 +151,42 @@
             <a:srgbClr val="A4A3A4"/>
           </p15:clr>
         </p15:guide>
-        <p15:guide id="4" orient="horz" pos="2866" userDrawn="1">
+        <p15:guide id="4" orient="horz" pos="2869" userDrawn="1">
+          <p15:clr>
+            <a:srgbClr val="A4A3A4"/>
+          </p15:clr>
+        </p15:guide>
+        <p15:guide id="5" pos="2971" userDrawn="1">
+          <p15:clr>
+            <a:srgbClr val="A4A3A4"/>
+          </p15:clr>
+        </p15:guide>
+        <p15:guide id="6" pos="2767" userDrawn="1">
+          <p15:clr>
+            <a:srgbClr val="A4A3A4"/>
+          </p15:clr>
+        </p15:guide>
+        <p15:guide id="7" orient="horz" pos="1622" userDrawn="1">
+          <p15:clr>
+            <a:srgbClr val="A4A3A4"/>
+          </p15:clr>
+        </p15:guide>
+        <p15:guide id="8" pos="589" userDrawn="1">
+          <p15:clr>
+            <a:srgbClr val="A4A3A4"/>
+          </p15:clr>
+        </p15:guide>
+        <p15:guide id="9" pos="5171" userDrawn="1">
+          <p15:clr>
+            <a:srgbClr val="A4A3A4"/>
+          </p15:clr>
+        </p15:guide>
+        <p15:guide id="10" orient="horz" pos="692" userDrawn="1">
+          <p15:clr>
+            <a:srgbClr val="A4A3A4"/>
+          </p15:clr>
+        </p15:guide>
+        <p15:guide id="11" orient="horz" pos="896" userDrawn="1">
           <p15:clr>
             <a:srgbClr val="A4A3A4"/>
           </p15:clr>
@@ -134,18 +195,6 @@
     </p:ext>
   </p:extLst>
 </p:presentation>
-</file>
-
-<file path=ppt/commentAuthors.xml><?xml version="1.0" encoding="utf-8"?>
-<p:cmAuthorLst xmlns:a="http://schemas.openxmlformats.org/drawingml/2006/main" xmlns:r="http://schemas.openxmlformats.org/officeDocument/2006/relationships" xmlns:p="http://schemas.openxmlformats.org/presentationml/2006/main">
-  <p:cmAuthor id="1" name="Bruno Melniski" initials="BM" lastIdx="6" clrIdx="0">
-    <p:extLst>
-      <p:ext uri="{19B8F6BF-5375-455C-9EA6-DF929625EA0E}">
-        <p15:presenceInfo xmlns:p15="http://schemas.microsoft.com/office/powerpoint/2012/main" userId="70c2c6b818223245" providerId="Windows Live"/>
-      </p:ext>
-    </p:extLst>
-  </p:cmAuthor>
-</p:cmAuthorLst>
 </file>
 
 <file path=ppt/notesMasters/notesMaster1.xml><?xml version="1.0" encoding="utf-8"?>
@@ -230,7 +279,7 @@
           <a:p>
             <a:fld id="{FA3A3B6B-DA47-6145-A916-4C71632D9FE2}" type="datetimeFigureOut">
               <a:rPr lang="en-US" smtClean="0"/>
-              <a:t>1/11/2021</a:t>
+              <a:t>2/1/2021</a:t>
             </a:fld>
             <a:endParaRPr lang="en-US"/>
           </a:p>
@@ -248,8 +297,8 @@
         </p:nvSpPr>
         <p:spPr>
           <a:xfrm>
-            <a:off x="381000" y="685800"/>
-            <a:ext cx="6096000" cy="3429000"/>
+            <a:off x="384175" y="685800"/>
+            <a:ext cx="6089650" cy="3429000"/>
           </a:xfrm>
           <a:prstGeom prst="rect">
             <a:avLst/>
@@ -532,8 +581,8 @@
         </p:nvSpPr>
         <p:spPr>
           <a:xfrm>
-            <a:off x="1143000" y="842184"/>
-            <a:ext cx="6858000" cy="1790629"/>
+            <a:off x="1143000" y="842963"/>
+            <a:ext cx="6858000" cy="1792287"/>
           </a:xfrm>
           <a:prstGeom prst="rect">
             <a:avLst/>
@@ -572,8 +621,8 @@
         </p:nvSpPr>
         <p:spPr>
           <a:xfrm>
-            <a:off x="1143000" y="2701012"/>
-            <a:ext cx="6858000" cy="1241862"/>
+            <a:off x="1143000" y="2703513"/>
+            <a:ext cx="6858000" cy="1243012"/>
           </a:xfrm>
           <a:prstGeom prst="rect">
             <a:avLst/>
@@ -645,8 +694,8 @@
         </p:nvSpPr>
         <p:spPr>
           <a:xfrm>
-            <a:off x="628650" y="4767610"/>
-            <a:ext cx="2057400" cy="272797"/>
+            <a:off x="628650" y="4772025"/>
+            <a:ext cx="2057400" cy="273050"/>
           </a:xfrm>
           <a:prstGeom prst="rect">
             <a:avLst/>
@@ -658,7 +707,7 @@
           <a:p>
             <a:fld id="{24CD72EA-1FC8-401B-9C9F-E0FC948B9893}" type="datetimeFigureOut">
               <a:rPr lang="pt-BR" smtClean="0"/>
-              <a:t>11/01/2021</a:t>
+              <a:t>01/02/2021</a:t>
             </a:fld>
             <a:endParaRPr lang="pt-BR"/>
           </a:p>
@@ -682,8 +731,8 @@
         </p:nvSpPr>
         <p:spPr>
           <a:xfrm>
-            <a:off x="3028950" y="4767610"/>
-            <a:ext cx="3086100" cy="272797"/>
+            <a:off x="3028950" y="4772025"/>
+            <a:ext cx="3086100" cy="273050"/>
           </a:xfrm>
           <a:prstGeom prst="rect">
             <a:avLst/>
@@ -715,8 +764,8 @@
         </p:nvSpPr>
         <p:spPr>
           <a:xfrm>
-            <a:off x="6457950" y="4767610"/>
-            <a:ext cx="2057400" cy="272797"/>
+            <a:off x="6457950" y="4772025"/>
+            <a:ext cx="2057400" cy="273050"/>
           </a:xfrm>
           <a:prstGeom prst="rect">
             <a:avLst/>
@@ -782,8 +831,8 @@
         </p:nvSpPr>
         <p:spPr>
           <a:xfrm>
-            <a:off x="628650" y="274384"/>
-            <a:ext cx="7886700" cy="992856"/>
+            <a:off x="628650" y="274638"/>
+            <a:ext cx="7886700" cy="993775"/>
           </a:xfrm>
           <a:prstGeom prst="rect">
             <a:avLst/>
@@ -818,8 +867,8 @@
         </p:nvSpPr>
         <p:spPr>
           <a:xfrm>
-            <a:off x="628650" y="1368746"/>
-            <a:ext cx="7886700" cy="3264052"/>
+            <a:off x="628650" y="1370013"/>
+            <a:ext cx="7886700" cy="3267075"/>
           </a:xfrm>
           <a:prstGeom prst="rect">
             <a:avLst/>
@@ -883,8 +932,8 @@
         </p:nvSpPr>
         <p:spPr>
           <a:xfrm>
-            <a:off x="628650" y="4767610"/>
-            <a:ext cx="2057400" cy="272797"/>
+            <a:off x="628650" y="4772025"/>
+            <a:ext cx="2057400" cy="273050"/>
           </a:xfrm>
           <a:prstGeom prst="rect">
             <a:avLst/>
@@ -896,7 +945,7 @@
           <a:p>
             <a:fld id="{24CD72EA-1FC8-401B-9C9F-E0FC948B9893}" type="datetimeFigureOut">
               <a:rPr lang="pt-BR" smtClean="0"/>
-              <a:t>11/01/2021</a:t>
+              <a:t>01/02/2021</a:t>
             </a:fld>
             <a:endParaRPr lang="pt-BR"/>
           </a:p>
@@ -920,8 +969,8 @@
         </p:nvSpPr>
         <p:spPr>
           <a:xfrm>
-            <a:off x="3028950" y="4767610"/>
-            <a:ext cx="3086100" cy="272797"/>
+            <a:off x="3028950" y="4772025"/>
+            <a:ext cx="3086100" cy="273050"/>
           </a:xfrm>
           <a:prstGeom prst="rect">
             <a:avLst/>
@@ -953,8 +1002,8 @@
         </p:nvSpPr>
         <p:spPr>
           <a:xfrm>
-            <a:off x="6457950" y="4767610"/>
-            <a:ext cx="2057400" cy="272797"/>
+            <a:off x="6457950" y="4772025"/>
+            <a:ext cx="2057400" cy="273050"/>
           </a:xfrm>
           <a:prstGeom prst="rect">
             <a:avLst/>
@@ -1020,8 +1069,8 @@
         </p:nvSpPr>
         <p:spPr>
           <a:xfrm>
-            <a:off x="6543676" y="274384"/>
-            <a:ext cx="1971675" cy="4358414"/>
+            <a:off x="6543675" y="274638"/>
+            <a:ext cx="1971675" cy="4362450"/>
           </a:xfrm>
           <a:prstGeom prst="rect">
             <a:avLst/>
@@ -1056,8 +1105,8 @@
         </p:nvSpPr>
         <p:spPr>
           <a:xfrm>
-            <a:off x="628651" y="274384"/>
-            <a:ext cx="5762625" cy="4358414"/>
+            <a:off x="628650" y="274638"/>
+            <a:ext cx="5762625" cy="4362450"/>
           </a:xfrm>
           <a:prstGeom prst="rect">
             <a:avLst/>
@@ -1121,8 +1170,8 @@
         </p:nvSpPr>
         <p:spPr>
           <a:xfrm>
-            <a:off x="628650" y="4767610"/>
-            <a:ext cx="2057400" cy="272797"/>
+            <a:off x="628650" y="4772025"/>
+            <a:ext cx="2057400" cy="273050"/>
           </a:xfrm>
           <a:prstGeom prst="rect">
             <a:avLst/>
@@ -1134,7 +1183,7 @@
           <a:p>
             <a:fld id="{24CD72EA-1FC8-401B-9C9F-E0FC948B9893}" type="datetimeFigureOut">
               <a:rPr lang="pt-BR" smtClean="0"/>
-              <a:t>11/01/2021</a:t>
+              <a:t>01/02/2021</a:t>
             </a:fld>
             <a:endParaRPr lang="pt-BR"/>
           </a:p>
@@ -1158,8 +1207,8 @@
         </p:nvSpPr>
         <p:spPr>
           <a:xfrm>
-            <a:off x="3028950" y="4767610"/>
-            <a:ext cx="3086100" cy="272797"/>
+            <a:off x="3028950" y="4772025"/>
+            <a:ext cx="3086100" cy="273050"/>
           </a:xfrm>
           <a:prstGeom prst="rect">
             <a:avLst/>
@@ -1191,8 +1240,8 @@
         </p:nvSpPr>
         <p:spPr>
           <a:xfrm>
-            <a:off x="6457950" y="4767610"/>
-            <a:ext cx="2057400" cy="272797"/>
+            <a:off x="6457950" y="4772025"/>
+            <a:ext cx="2057400" cy="273050"/>
           </a:xfrm>
           <a:prstGeom prst="rect">
             <a:avLst/>
@@ -1258,8 +1307,8 @@
         </p:nvSpPr>
         <p:spPr>
           <a:xfrm>
-            <a:off x="1143000" y="842184"/>
-            <a:ext cx="6858000" cy="1790629"/>
+            <a:off x="1143000" y="842963"/>
+            <a:ext cx="6858000" cy="1792287"/>
           </a:xfrm>
           <a:prstGeom prst="rect">
             <a:avLst/>
@@ -1298,8 +1347,8 @@
         </p:nvSpPr>
         <p:spPr>
           <a:xfrm>
-            <a:off x="1143000" y="2701012"/>
-            <a:ext cx="6858000" cy="1241862"/>
+            <a:off x="1143000" y="2703513"/>
+            <a:ext cx="6858000" cy="1243012"/>
           </a:xfrm>
           <a:prstGeom prst="rect">
             <a:avLst/>
@@ -1371,8 +1420,8 @@
         </p:nvSpPr>
         <p:spPr>
           <a:xfrm>
-            <a:off x="628650" y="4767610"/>
-            <a:ext cx="2057400" cy="272797"/>
+            <a:off x="628650" y="4772025"/>
+            <a:ext cx="2057400" cy="273050"/>
           </a:xfrm>
           <a:prstGeom prst="rect">
             <a:avLst/>
@@ -1384,7 +1433,7 @@
           <a:p>
             <a:fld id="{B202C260-D3E2-4951-BA2B-0D76A0BE8693}" type="datetimeFigureOut">
               <a:rPr lang="pt-BR" smtClean="0"/>
-              <a:t>11/01/2021</a:t>
+              <a:t>01/02/2021</a:t>
             </a:fld>
             <a:endParaRPr lang="pt-BR"/>
           </a:p>
@@ -1408,8 +1457,8 @@
         </p:nvSpPr>
         <p:spPr>
           <a:xfrm>
-            <a:off x="3028950" y="4767610"/>
-            <a:ext cx="3086100" cy="272797"/>
+            <a:off x="3028950" y="4772025"/>
+            <a:ext cx="3086100" cy="273050"/>
           </a:xfrm>
           <a:prstGeom prst="rect">
             <a:avLst/>
@@ -1441,8 +1490,8 @@
         </p:nvSpPr>
         <p:spPr>
           <a:xfrm>
-            <a:off x="6457950" y="4767610"/>
-            <a:ext cx="2057400" cy="272797"/>
+            <a:off x="6457950" y="4772025"/>
+            <a:ext cx="2057400" cy="273050"/>
           </a:xfrm>
           <a:prstGeom prst="rect">
             <a:avLst/>
@@ -1508,8 +1557,8 @@
         </p:nvSpPr>
         <p:spPr>
           <a:xfrm>
-            <a:off x="628650" y="274384"/>
-            <a:ext cx="7886700" cy="992856"/>
+            <a:off x="628650" y="274638"/>
+            <a:ext cx="7886700" cy="993775"/>
           </a:xfrm>
           <a:prstGeom prst="rect">
             <a:avLst/>
@@ -1544,8 +1593,8 @@
         </p:nvSpPr>
         <p:spPr>
           <a:xfrm>
-            <a:off x="628650" y="1368746"/>
-            <a:ext cx="7886700" cy="3264052"/>
+            <a:off x="628650" y="1370013"/>
+            <a:ext cx="7886700" cy="3267075"/>
           </a:xfrm>
           <a:prstGeom prst="rect">
             <a:avLst/>
@@ -1609,8 +1658,8 @@
         </p:nvSpPr>
         <p:spPr>
           <a:xfrm>
-            <a:off x="628650" y="4767610"/>
-            <a:ext cx="2057400" cy="272797"/>
+            <a:off x="628650" y="4772025"/>
+            <a:ext cx="2057400" cy="273050"/>
           </a:xfrm>
           <a:prstGeom prst="rect">
             <a:avLst/>
@@ -1622,7 +1671,7 @@
           <a:p>
             <a:fld id="{B202C260-D3E2-4951-BA2B-0D76A0BE8693}" type="datetimeFigureOut">
               <a:rPr lang="pt-BR" smtClean="0"/>
-              <a:t>11/01/2021</a:t>
+              <a:t>01/02/2021</a:t>
             </a:fld>
             <a:endParaRPr lang="pt-BR"/>
           </a:p>
@@ -1646,8 +1695,8 @@
         </p:nvSpPr>
         <p:spPr>
           <a:xfrm>
-            <a:off x="3028950" y="4767610"/>
-            <a:ext cx="3086100" cy="272797"/>
+            <a:off x="3028950" y="4772025"/>
+            <a:ext cx="3086100" cy="273050"/>
           </a:xfrm>
           <a:prstGeom prst="rect">
             <a:avLst/>
@@ -1679,8 +1728,8 @@
         </p:nvSpPr>
         <p:spPr>
           <a:xfrm>
-            <a:off x="6457950" y="4767610"/>
-            <a:ext cx="2057400" cy="272797"/>
+            <a:off x="6457950" y="4772025"/>
+            <a:ext cx="2057400" cy="273050"/>
           </a:xfrm>
           <a:prstGeom prst="rect">
             <a:avLst/>
@@ -1746,8 +1795,8 @@
         </p:nvSpPr>
         <p:spPr>
           <a:xfrm>
-            <a:off x="623888" y="1281513"/>
-            <a:ext cx="7886700" cy="2139557"/>
+            <a:off x="623888" y="1282700"/>
+            <a:ext cx="7886700" cy="2141538"/>
           </a:xfrm>
           <a:prstGeom prst="rect">
             <a:avLst/>
@@ -1786,8 +1835,8 @@
         </p:nvSpPr>
         <p:spPr>
           <a:xfrm>
-            <a:off x="623888" y="3441689"/>
-            <a:ext cx="7886700" cy="1126082"/>
+            <a:off x="623888" y="3444875"/>
+            <a:ext cx="7886700" cy="1127125"/>
           </a:xfrm>
           <a:prstGeom prst="rect">
             <a:avLst/>
@@ -1914,8 +1963,8 @@
         </p:nvSpPr>
         <p:spPr>
           <a:xfrm>
-            <a:off x="628650" y="4767610"/>
-            <a:ext cx="2057400" cy="272797"/>
+            <a:off x="628650" y="4772025"/>
+            <a:ext cx="2057400" cy="273050"/>
           </a:xfrm>
           <a:prstGeom prst="rect">
             <a:avLst/>
@@ -1927,7 +1976,7 @@
           <a:p>
             <a:fld id="{B202C260-D3E2-4951-BA2B-0D76A0BE8693}" type="datetimeFigureOut">
               <a:rPr lang="pt-BR" smtClean="0"/>
-              <a:t>11/01/2021</a:t>
+              <a:t>01/02/2021</a:t>
             </a:fld>
             <a:endParaRPr lang="pt-BR"/>
           </a:p>
@@ -1951,8 +2000,8 @@
         </p:nvSpPr>
         <p:spPr>
           <a:xfrm>
-            <a:off x="3028950" y="4767610"/>
-            <a:ext cx="3086100" cy="272797"/>
+            <a:off x="3028950" y="4772025"/>
+            <a:ext cx="3086100" cy="273050"/>
           </a:xfrm>
           <a:prstGeom prst="rect">
             <a:avLst/>
@@ -1984,8 +2033,8 @@
         </p:nvSpPr>
         <p:spPr>
           <a:xfrm>
-            <a:off x="6457950" y="4767610"/>
-            <a:ext cx="2057400" cy="272797"/>
+            <a:off x="6457950" y="4772025"/>
+            <a:ext cx="2057400" cy="273050"/>
           </a:xfrm>
           <a:prstGeom prst="rect">
             <a:avLst/>
@@ -2051,8 +2100,8 @@
         </p:nvSpPr>
         <p:spPr>
           <a:xfrm>
-            <a:off x="628650" y="274384"/>
-            <a:ext cx="7886700" cy="992856"/>
+            <a:off x="628650" y="274638"/>
+            <a:ext cx="7886700" cy="993775"/>
           </a:xfrm>
           <a:prstGeom prst="rect">
             <a:avLst/>
@@ -2087,8 +2136,8 @@
         </p:nvSpPr>
         <p:spPr>
           <a:xfrm>
-            <a:off x="628650" y="1368746"/>
-            <a:ext cx="3867150" cy="3264052"/>
+            <a:off x="628650" y="1370013"/>
+            <a:ext cx="3867150" cy="3267075"/>
           </a:xfrm>
           <a:prstGeom prst="rect">
             <a:avLst/>
@@ -2152,8 +2201,8 @@
         </p:nvSpPr>
         <p:spPr>
           <a:xfrm>
-            <a:off x="4648200" y="1368746"/>
-            <a:ext cx="3867150" cy="3264052"/>
+            <a:off x="4648200" y="1370013"/>
+            <a:ext cx="3867150" cy="3267075"/>
           </a:xfrm>
           <a:prstGeom prst="rect">
             <a:avLst/>
@@ -2217,8 +2266,8 @@
         </p:nvSpPr>
         <p:spPr>
           <a:xfrm>
-            <a:off x="628650" y="4767610"/>
-            <a:ext cx="2057400" cy="272797"/>
+            <a:off x="628650" y="4772025"/>
+            <a:ext cx="2057400" cy="273050"/>
           </a:xfrm>
           <a:prstGeom prst="rect">
             <a:avLst/>
@@ -2230,7 +2279,7 @@
           <a:p>
             <a:fld id="{B202C260-D3E2-4951-BA2B-0D76A0BE8693}" type="datetimeFigureOut">
               <a:rPr lang="pt-BR" smtClean="0"/>
-              <a:t>11/01/2021</a:t>
+              <a:t>01/02/2021</a:t>
             </a:fld>
             <a:endParaRPr lang="pt-BR"/>
           </a:p>
@@ -2254,8 +2303,8 @@
         </p:nvSpPr>
         <p:spPr>
           <a:xfrm>
-            <a:off x="3028950" y="4767610"/>
-            <a:ext cx="3086100" cy="272797"/>
+            <a:off x="3028950" y="4772025"/>
+            <a:ext cx="3086100" cy="273050"/>
           </a:xfrm>
           <a:prstGeom prst="rect">
             <a:avLst/>
@@ -2287,8 +2336,8 @@
         </p:nvSpPr>
         <p:spPr>
           <a:xfrm>
-            <a:off x="6457950" y="4767610"/>
-            <a:ext cx="2057400" cy="272797"/>
+            <a:off x="6457950" y="4772025"/>
+            <a:ext cx="2057400" cy="273050"/>
           </a:xfrm>
           <a:prstGeom prst="rect">
             <a:avLst/>
@@ -2354,8 +2403,8 @@
         </p:nvSpPr>
         <p:spPr>
           <a:xfrm>
-            <a:off x="630238" y="274384"/>
-            <a:ext cx="7886700" cy="992856"/>
+            <a:off x="630238" y="274638"/>
+            <a:ext cx="7886700" cy="993775"/>
           </a:xfrm>
           <a:prstGeom prst="rect">
             <a:avLst/>
@@ -2390,8 +2439,8 @@
         </p:nvSpPr>
         <p:spPr>
           <a:xfrm>
-            <a:off x="630239" y="1260896"/>
-            <a:ext cx="3868737" cy="618552"/>
+            <a:off x="630238" y="1262063"/>
+            <a:ext cx="3868737" cy="619125"/>
           </a:xfrm>
           <a:prstGeom prst="rect">
             <a:avLst/>
@@ -2464,8 +2513,8 @@
         </p:nvSpPr>
         <p:spPr>
           <a:xfrm>
-            <a:off x="630239" y="1879448"/>
-            <a:ext cx="3868737" cy="2762867"/>
+            <a:off x="630238" y="1881188"/>
+            <a:ext cx="3868737" cy="2765425"/>
           </a:xfrm>
           <a:prstGeom prst="rect">
             <a:avLst/>
@@ -2529,8 +2578,8 @@
         </p:nvSpPr>
         <p:spPr>
           <a:xfrm>
-            <a:off x="4629150" y="1260896"/>
-            <a:ext cx="3887788" cy="618552"/>
+            <a:off x="4629150" y="1262063"/>
+            <a:ext cx="3887788" cy="619125"/>
           </a:xfrm>
           <a:prstGeom prst="rect">
             <a:avLst/>
@@ -2603,8 +2652,8 @@
         </p:nvSpPr>
         <p:spPr>
           <a:xfrm>
-            <a:off x="4629150" y="1879448"/>
-            <a:ext cx="3887788" cy="2762867"/>
+            <a:off x="4629150" y="1881188"/>
+            <a:ext cx="3887788" cy="2765425"/>
           </a:xfrm>
           <a:prstGeom prst="rect">
             <a:avLst/>
@@ -2668,8 +2717,8 @@
         </p:nvSpPr>
         <p:spPr>
           <a:xfrm>
-            <a:off x="628650" y="4767610"/>
-            <a:ext cx="2057400" cy="272797"/>
+            <a:off x="628650" y="4772025"/>
+            <a:ext cx="2057400" cy="273050"/>
           </a:xfrm>
           <a:prstGeom prst="rect">
             <a:avLst/>
@@ -2681,7 +2730,7 @@
           <a:p>
             <a:fld id="{B202C260-D3E2-4951-BA2B-0D76A0BE8693}" type="datetimeFigureOut">
               <a:rPr lang="pt-BR" smtClean="0"/>
-              <a:t>11/01/2021</a:t>
+              <a:t>01/02/2021</a:t>
             </a:fld>
             <a:endParaRPr lang="pt-BR"/>
           </a:p>
@@ -2705,8 +2754,8 @@
         </p:nvSpPr>
         <p:spPr>
           <a:xfrm>
-            <a:off x="3028950" y="4767610"/>
-            <a:ext cx="3086100" cy="272797"/>
+            <a:off x="3028950" y="4772025"/>
+            <a:ext cx="3086100" cy="273050"/>
           </a:xfrm>
           <a:prstGeom prst="rect">
             <a:avLst/>
@@ -2738,8 +2787,8 @@
         </p:nvSpPr>
         <p:spPr>
           <a:xfrm>
-            <a:off x="6457950" y="4767610"/>
-            <a:ext cx="2057400" cy="272797"/>
+            <a:off x="6457950" y="4772025"/>
+            <a:ext cx="2057400" cy="273050"/>
           </a:xfrm>
           <a:prstGeom prst="rect">
             <a:avLst/>
@@ -2805,8 +2854,8 @@
         </p:nvSpPr>
         <p:spPr>
           <a:xfrm>
-            <a:off x="628650" y="274384"/>
-            <a:ext cx="7886700" cy="992856"/>
+            <a:off x="628650" y="274638"/>
+            <a:ext cx="7886700" cy="993775"/>
           </a:xfrm>
           <a:prstGeom prst="rect">
             <a:avLst/>
@@ -2841,8 +2890,8 @@
         </p:nvSpPr>
         <p:spPr>
           <a:xfrm>
-            <a:off x="628650" y="4767610"/>
-            <a:ext cx="2057400" cy="272797"/>
+            <a:off x="628650" y="4772025"/>
+            <a:ext cx="2057400" cy="273050"/>
           </a:xfrm>
           <a:prstGeom prst="rect">
             <a:avLst/>
@@ -2854,7 +2903,7 @@
           <a:p>
             <a:fld id="{B202C260-D3E2-4951-BA2B-0D76A0BE8693}" type="datetimeFigureOut">
               <a:rPr lang="pt-BR" smtClean="0"/>
-              <a:t>11/01/2021</a:t>
+              <a:t>01/02/2021</a:t>
             </a:fld>
             <a:endParaRPr lang="pt-BR"/>
           </a:p>
@@ -2878,8 +2927,8 @@
         </p:nvSpPr>
         <p:spPr>
           <a:xfrm>
-            <a:off x="3028950" y="4767610"/>
-            <a:ext cx="3086100" cy="272797"/>
+            <a:off x="3028950" y="4772025"/>
+            <a:ext cx="3086100" cy="273050"/>
           </a:xfrm>
           <a:prstGeom prst="rect">
             <a:avLst/>
@@ -2911,8 +2960,8 @@
         </p:nvSpPr>
         <p:spPr>
           <a:xfrm>
-            <a:off x="6457950" y="4767610"/>
-            <a:ext cx="2057400" cy="272797"/>
+            <a:off x="6457950" y="4772025"/>
+            <a:ext cx="2057400" cy="273050"/>
           </a:xfrm>
           <a:prstGeom prst="rect">
             <a:avLst/>
@@ -2978,8 +3027,8 @@
         </p:nvSpPr>
         <p:spPr>
           <a:xfrm>
-            <a:off x="628650" y="4767610"/>
-            <a:ext cx="2057400" cy="272797"/>
+            <a:off x="628650" y="4772025"/>
+            <a:ext cx="2057400" cy="273050"/>
           </a:xfrm>
           <a:prstGeom prst="rect">
             <a:avLst/>
@@ -2991,7 +3040,7 @@
           <a:p>
             <a:fld id="{B202C260-D3E2-4951-BA2B-0D76A0BE8693}" type="datetimeFigureOut">
               <a:rPr lang="pt-BR" smtClean="0"/>
-              <a:t>11/01/2021</a:t>
+              <a:t>01/02/2021</a:t>
             </a:fld>
             <a:endParaRPr lang="pt-BR"/>
           </a:p>
@@ -3015,8 +3064,8 @@
         </p:nvSpPr>
         <p:spPr>
           <a:xfrm>
-            <a:off x="3028950" y="4767610"/>
-            <a:ext cx="3086100" cy="272797"/>
+            <a:off x="3028950" y="4772025"/>
+            <a:ext cx="3086100" cy="273050"/>
           </a:xfrm>
           <a:prstGeom prst="rect">
             <a:avLst/>
@@ -3048,8 +3097,8 @@
         </p:nvSpPr>
         <p:spPr>
           <a:xfrm>
-            <a:off x="6457950" y="4767610"/>
-            <a:ext cx="2057400" cy="272797"/>
+            <a:off x="6457950" y="4772025"/>
+            <a:ext cx="2057400" cy="273050"/>
           </a:xfrm>
           <a:prstGeom prst="rect">
             <a:avLst/>
@@ -3115,8 +3164,8 @@
         </p:nvSpPr>
         <p:spPr>
           <a:xfrm>
-            <a:off x="630239" y="342583"/>
-            <a:ext cx="2949575" cy="1200626"/>
+            <a:off x="630238" y="342900"/>
+            <a:ext cx="2949575" cy="1201738"/>
           </a:xfrm>
           <a:prstGeom prst="rect">
             <a:avLst/>
@@ -3155,8 +3204,8 @@
         </p:nvSpPr>
         <p:spPr>
           <a:xfrm>
-            <a:off x="3887788" y="740677"/>
-            <a:ext cx="4629150" cy="3655802"/>
+            <a:off x="3887788" y="741363"/>
+            <a:ext cx="4629150" cy="3659187"/>
           </a:xfrm>
           <a:prstGeom prst="rect">
             <a:avLst/>
@@ -3248,8 +3297,8 @@
         </p:nvSpPr>
         <p:spPr>
           <a:xfrm>
-            <a:off x="630239" y="1543210"/>
-            <a:ext cx="2949575" cy="2858028"/>
+            <a:off x="630238" y="1544638"/>
+            <a:ext cx="2949575" cy="2860675"/>
           </a:xfrm>
           <a:prstGeom prst="rect">
             <a:avLst/>
@@ -3322,8 +3371,8 @@
         </p:nvSpPr>
         <p:spPr>
           <a:xfrm>
-            <a:off x="628650" y="4767610"/>
-            <a:ext cx="2057400" cy="272797"/>
+            <a:off x="628650" y="4772025"/>
+            <a:ext cx="2057400" cy="273050"/>
           </a:xfrm>
           <a:prstGeom prst="rect">
             <a:avLst/>
@@ -3335,7 +3384,7 @@
           <a:p>
             <a:fld id="{B202C260-D3E2-4951-BA2B-0D76A0BE8693}" type="datetimeFigureOut">
               <a:rPr lang="pt-BR" smtClean="0"/>
-              <a:t>11/01/2021</a:t>
+              <a:t>01/02/2021</a:t>
             </a:fld>
             <a:endParaRPr lang="pt-BR"/>
           </a:p>
@@ -3359,8 +3408,8 @@
         </p:nvSpPr>
         <p:spPr>
           <a:xfrm>
-            <a:off x="3028950" y="4767610"/>
-            <a:ext cx="3086100" cy="272797"/>
+            <a:off x="3028950" y="4772025"/>
+            <a:ext cx="3086100" cy="273050"/>
           </a:xfrm>
           <a:prstGeom prst="rect">
             <a:avLst/>
@@ -3392,8 +3441,8 @@
         </p:nvSpPr>
         <p:spPr>
           <a:xfrm>
-            <a:off x="6457950" y="4767610"/>
-            <a:ext cx="2057400" cy="272797"/>
+            <a:off x="6457950" y="4772025"/>
+            <a:ext cx="2057400" cy="273050"/>
           </a:xfrm>
           <a:prstGeom prst="rect">
             <a:avLst/>
@@ -3459,8 +3508,8 @@
         </p:nvSpPr>
         <p:spPr>
           <a:xfrm>
-            <a:off x="628650" y="274384"/>
-            <a:ext cx="7886700" cy="992856"/>
+            <a:off x="628650" y="274638"/>
+            <a:ext cx="7886700" cy="993775"/>
           </a:xfrm>
           <a:prstGeom prst="rect">
             <a:avLst/>
@@ -3495,8 +3544,8 @@
         </p:nvSpPr>
         <p:spPr>
           <a:xfrm>
-            <a:off x="628650" y="1368746"/>
-            <a:ext cx="7886700" cy="3264052"/>
+            <a:off x="628650" y="1370013"/>
+            <a:ext cx="7886700" cy="3267075"/>
           </a:xfrm>
           <a:prstGeom prst="rect">
             <a:avLst/>
@@ -3560,8 +3609,8 @@
         </p:nvSpPr>
         <p:spPr>
           <a:xfrm>
-            <a:off x="628650" y="4767610"/>
-            <a:ext cx="2057400" cy="272797"/>
+            <a:off x="628650" y="4772025"/>
+            <a:ext cx="2057400" cy="273050"/>
           </a:xfrm>
           <a:prstGeom prst="rect">
             <a:avLst/>
@@ -3573,7 +3622,7 @@
           <a:p>
             <a:fld id="{24CD72EA-1FC8-401B-9C9F-E0FC948B9893}" type="datetimeFigureOut">
               <a:rPr lang="pt-BR" smtClean="0"/>
-              <a:t>11/01/2021</a:t>
+              <a:t>01/02/2021</a:t>
             </a:fld>
             <a:endParaRPr lang="pt-BR"/>
           </a:p>
@@ -3597,8 +3646,8 @@
         </p:nvSpPr>
         <p:spPr>
           <a:xfrm>
-            <a:off x="3028950" y="4767610"/>
-            <a:ext cx="3086100" cy="272797"/>
+            <a:off x="3028950" y="4772025"/>
+            <a:ext cx="3086100" cy="273050"/>
           </a:xfrm>
           <a:prstGeom prst="rect">
             <a:avLst/>
@@ -3630,8 +3679,8 @@
         </p:nvSpPr>
         <p:spPr>
           <a:xfrm>
-            <a:off x="6457950" y="4767610"/>
-            <a:ext cx="2057400" cy="272797"/>
+            <a:off x="6457950" y="4772025"/>
+            <a:ext cx="2057400" cy="273050"/>
           </a:xfrm>
           <a:prstGeom prst="rect">
             <a:avLst/>
@@ -3697,8 +3746,8 @@
         </p:nvSpPr>
         <p:spPr>
           <a:xfrm>
-            <a:off x="630239" y="342583"/>
-            <a:ext cx="2949575" cy="1200626"/>
+            <a:off x="630238" y="342900"/>
+            <a:ext cx="2949575" cy="1201738"/>
           </a:xfrm>
           <a:prstGeom prst="rect">
             <a:avLst/>
@@ -3737,8 +3786,8 @@
         </p:nvSpPr>
         <p:spPr>
           <a:xfrm>
-            <a:off x="3887788" y="740677"/>
-            <a:ext cx="4629150" cy="3655802"/>
+            <a:off x="3887788" y="741363"/>
+            <a:ext cx="4629150" cy="3659187"/>
           </a:xfrm>
           <a:prstGeom prst="rect">
             <a:avLst/>
@@ -3807,8 +3856,8 @@
         </p:nvSpPr>
         <p:spPr>
           <a:xfrm>
-            <a:off x="630239" y="1543210"/>
-            <a:ext cx="2949575" cy="2858028"/>
+            <a:off x="630238" y="1544638"/>
+            <a:ext cx="2949575" cy="2860675"/>
           </a:xfrm>
           <a:prstGeom prst="rect">
             <a:avLst/>
@@ -3881,8 +3930,8 @@
         </p:nvSpPr>
         <p:spPr>
           <a:xfrm>
-            <a:off x="628650" y="4767610"/>
-            <a:ext cx="2057400" cy="272797"/>
+            <a:off x="628650" y="4772025"/>
+            <a:ext cx="2057400" cy="273050"/>
           </a:xfrm>
           <a:prstGeom prst="rect">
             <a:avLst/>
@@ -3894,7 +3943,7 @@
           <a:p>
             <a:fld id="{B202C260-D3E2-4951-BA2B-0D76A0BE8693}" type="datetimeFigureOut">
               <a:rPr lang="pt-BR" smtClean="0"/>
-              <a:t>11/01/2021</a:t>
+              <a:t>01/02/2021</a:t>
             </a:fld>
             <a:endParaRPr lang="pt-BR"/>
           </a:p>
@@ -3918,8 +3967,8 @@
         </p:nvSpPr>
         <p:spPr>
           <a:xfrm>
-            <a:off x="3028950" y="4767610"/>
-            <a:ext cx="3086100" cy="272797"/>
+            <a:off x="3028950" y="4772025"/>
+            <a:ext cx="3086100" cy="273050"/>
           </a:xfrm>
           <a:prstGeom prst="rect">
             <a:avLst/>
@@ -3951,8 +4000,8 @@
         </p:nvSpPr>
         <p:spPr>
           <a:xfrm>
-            <a:off x="6457950" y="4767610"/>
-            <a:ext cx="2057400" cy="272797"/>
+            <a:off x="6457950" y="4772025"/>
+            <a:ext cx="2057400" cy="273050"/>
           </a:xfrm>
           <a:prstGeom prst="rect">
             <a:avLst/>
@@ -4018,8 +4067,8 @@
         </p:nvSpPr>
         <p:spPr>
           <a:xfrm>
-            <a:off x="628650" y="274384"/>
-            <a:ext cx="7886700" cy="992856"/>
+            <a:off x="628650" y="274638"/>
+            <a:ext cx="7886700" cy="993775"/>
           </a:xfrm>
           <a:prstGeom prst="rect">
             <a:avLst/>
@@ -4054,8 +4103,8 @@
         </p:nvSpPr>
         <p:spPr>
           <a:xfrm>
-            <a:off x="628650" y="1368746"/>
-            <a:ext cx="7886700" cy="3264052"/>
+            <a:off x="628650" y="1370013"/>
+            <a:ext cx="7886700" cy="3267075"/>
           </a:xfrm>
           <a:prstGeom prst="rect">
             <a:avLst/>
@@ -4119,8 +4168,8 @@
         </p:nvSpPr>
         <p:spPr>
           <a:xfrm>
-            <a:off x="628650" y="4767610"/>
-            <a:ext cx="2057400" cy="272797"/>
+            <a:off x="628650" y="4772025"/>
+            <a:ext cx="2057400" cy="273050"/>
           </a:xfrm>
           <a:prstGeom prst="rect">
             <a:avLst/>
@@ -4132,7 +4181,7 @@
           <a:p>
             <a:fld id="{B202C260-D3E2-4951-BA2B-0D76A0BE8693}" type="datetimeFigureOut">
               <a:rPr lang="pt-BR" smtClean="0"/>
-              <a:t>11/01/2021</a:t>
+              <a:t>01/02/2021</a:t>
             </a:fld>
             <a:endParaRPr lang="pt-BR"/>
           </a:p>
@@ -4156,8 +4205,8 @@
         </p:nvSpPr>
         <p:spPr>
           <a:xfrm>
-            <a:off x="3028950" y="4767610"/>
-            <a:ext cx="3086100" cy="272797"/>
+            <a:off x="3028950" y="4772025"/>
+            <a:ext cx="3086100" cy="273050"/>
           </a:xfrm>
           <a:prstGeom prst="rect">
             <a:avLst/>
@@ -4189,8 +4238,8 @@
         </p:nvSpPr>
         <p:spPr>
           <a:xfrm>
-            <a:off x="6457950" y="4767610"/>
-            <a:ext cx="2057400" cy="272797"/>
+            <a:off x="6457950" y="4772025"/>
+            <a:ext cx="2057400" cy="273050"/>
           </a:xfrm>
           <a:prstGeom prst="rect">
             <a:avLst/>
@@ -4256,8 +4305,8 @@
         </p:nvSpPr>
         <p:spPr>
           <a:xfrm>
-            <a:off x="6543676" y="274384"/>
-            <a:ext cx="1971675" cy="4358414"/>
+            <a:off x="6543675" y="274638"/>
+            <a:ext cx="1971675" cy="4362450"/>
           </a:xfrm>
           <a:prstGeom prst="rect">
             <a:avLst/>
@@ -4292,8 +4341,8 @@
         </p:nvSpPr>
         <p:spPr>
           <a:xfrm>
-            <a:off x="628651" y="274384"/>
-            <a:ext cx="5762625" cy="4358414"/>
+            <a:off x="628650" y="274638"/>
+            <a:ext cx="5762625" cy="4362450"/>
           </a:xfrm>
           <a:prstGeom prst="rect">
             <a:avLst/>
@@ -4357,8 +4406,8 @@
         </p:nvSpPr>
         <p:spPr>
           <a:xfrm>
-            <a:off x="628650" y="4767610"/>
-            <a:ext cx="2057400" cy="272797"/>
+            <a:off x="628650" y="4772025"/>
+            <a:ext cx="2057400" cy="273050"/>
           </a:xfrm>
           <a:prstGeom prst="rect">
             <a:avLst/>
@@ -4370,7 +4419,7 @@
           <a:p>
             <a:fld id="{B202C260-D3E2-4951-BA2B-0D76A0BE8693}" type="datetimeFigureOut">
               <a:rPr lang="pt-BR" smtClean="0"/>
-              <a:t>11/01/2021</a:t>
+              <a:t>01/02/2021</a:t>
             </a:fld>
             <a:endParaRPr lang="pt-BR"/>
           </a:p>
@@ -4394,8 +4443,8 @@
         </p:nvSpPr>
         <p:spPr>
           <a:xfrm>
-            <a:off x="3028950" y="4767610"/>
-            <a:ext cx="3086100" cy="272797"/>
+            <a:off x="3028950" y="4772025"/>
+            <a:ext cx="3086100" cy="273050"/>
           </a:xfrm>
           <a:prstGeom prst="rect">
             <a:avLst/>
@@ -4427,8 +4476,8 @@
         </p:nvSpPr>
         <p:spPr>
           <a:xfrm>
-            <a:off x="6457950" y="4767610"/>
-            <a:ext cx="2057400" cy="272797"/>
+            <a:off x="6457950" y="4772025"/>
+            <a:ext cx="2057400" cy="273050"/>
           </a:xfrm>
           <a:prstGeom prst="rect">
             <a:avLst/>
@@ -4450,1426 +4499,6 @@
     <p:extLst>
       <p:ext uri="{BB962C8B-B14F-4D97-AF65-F5344CB8AC3E}">
         <p14:creationId xmlns:p14="http://schemas.microsoft.com/office/powerpoint/2010/main" val="862502049"/>
-      </p:ext>
-    </p:extLst>
-  </p:cSld>
-  <p:clrMapOvr>
-    <a:masterClrMapping/>
-  </p:clrMapOvr>
-</p:sldLayout>
-</file>
-
-<file path=ppt/slideLayouts/slideLayout23.xml><?xml version="1.0" encoding="utf-8"?>
-<p:sldLayout xmlns:a="http://schemas.openxmlformats.org/drawingml/2006/main" xmlns:r="http://schemas.openxmlformats.org/officeDocument/2006/relationships" xmlns:p="http://schemas.openxmlformats.org/presentationml/2006/main" type="title" preserve="1">
-  <p:cSld name="Slide de Título">
-    <p:spTree>
-      <p:nvGrpSpPr>
-        <p:cNvPr id="1" name=""/>
-        <p:cNvGrpSpPr/>
-        <p:nvPr/>
-      </p:nvGrpSpPr>
-      <p:grpSpPr>
-        <a:xfrm>
-          <a:off x="0" y="0"/>
-          <a:ext cx="0" cy="0"/>
-          <a:chOff x="0" y="0"/>
-          <a:chExt cx="0" cy="0"/>
-        </a:xfrm>
-      </p:grpSpPr>
-      <p:sp>
-        <p:nvSpPr>
-          <p:cNvPr id="2" name="Title 1"/>
-          <p:cNvSpPr>
-            <a:spLocks noGrp="1"/>
-          </p:cNvSpPr>
-          <p:nvPr>
-            <p:ph type="ctrTitle"/>
-          </p:nvPr>
-        </p:nvSpPr>
-        <p:spPr>
-          <a:xfrm>
-            <a:off x="1143000" y="841772"/>
-            <a:ext cx="6858000" cy="1790700"/>
-          </a:xfrm>
-        </p:spPr>
-        <p:txBody>
-          <a:bodyPr anchor="b"/>
-          <a:lstStyle>
-            <a:lvl1pPr algn="ctr">
-              <a:defRPr sz="4500"/>
-            </a:lvl1pPr>
-          </a:lstStyle>
-          <a:p>
-            <a:r>
-              <a:rPr lang="pt-BR"/>
-              <a:t>Clique para editar o título Mestre</a:t>
-            </a:r>
-            <a:endParaRPr lang="en-US" dirty="0"/>
-          </a:p>
-        </p:txBody>
-      </p:sp>
-      <p:sp>
-        <p:nvSpPr>
-          <p:cNvPr id="3" name="Subtitle 2"/>
-          <p:cNvSpPr>
-            <a:spLocks noGrp="1"/>
-          </p:cNvSpPr>
-          <p:nvPr>
-            <p:ph type="subTitle" idx="1"/>
-          </p:nvPr>
-        </p:nvSpPr>
-        <p:spPr>
-          <a:xfrm>
-            <a:off x="1143000" y="2701528"/>
-            <a:ext cx="6858000" cy="1241822"/>
-          </a:xfrm>
-        </p:spPr>
-        <p:txBody>
-          <a:bodyPr/>
-          <a:lstStyle>
-            <a:lvl1pPr marL="0" indent="0" algn="ctr">
-              <a:buNone/>
-              <a:defRPr sz="1800"/>
-            </a:lvl1pPr>
-            <a:lvl2pPr marL="342900" indent="0" algn="ctr">
-              <a:buNone/>
-              <a:defRPr sz="1500"/>
-            </a:lvl2pPr>
-            <a:lvl3pPr marL="685800" indent="0" algn="ctr">
-              <a:buNone/>
-              <a:defRPr sz="1350"/>
-            </a:lvl3pPr>
-            <a:lvl4pPr marL="1028700" indent="0" algn="ctr">
-              <a:buNone/>
-              <a:defRPr sz="1200"/>
-            </a:lvl4pPr>
-            <a:lvl5pPr marL="1371600" indent="0" algn="ctr">
-              <a:buNone/>
-              <a:defRPr sz="1200"/>
-            </a:lvl5pPr>
-            <a:lvl6pPr marL="1714500" indent="0" algn="ctr">
-              <a:buNone/>
-              <a:defRPr sz="1200"/>
-            </a:lvl6pPr>
-            <a:lvl7pPr marL="2057400" indent="0" algn="ctr">
-              <a:buNone/>
-              <a:defRPr sz="1200"/>
-            </a:lvl7pPr>
-            <a:lvl8pPr marL="2400300" indent="0" algn="ctr">
-              <a:buNone/>
-              <a:defRPr sz="1200"/>
-            </a:lvl8pPr>
-            <a:lvl9pPr marL="2743200" indent="0" algn="ctr">
-              <a:buNone/>
-              <a:defRPr sz="1200"/>
-            </a:lvl9pPr>
-          </a:lstStyle>
-          <a:p>
-            <a:r>
-              <a:rPr lang="pt-BR"/>
-              <a:t>Clique para editar o estilo do subtítulo Mestre</a:t>
-            </a:r>
-            <a:endParaRPr lang="en-US" dirty="0"/>
-          </a:p>
-        </p:txBody>
-      </p:sp>
-      <p:sp>
-        <p:nvSpPr>
-          <p:cNvPr id="4" name="Date Placeholder 3"/>
-          <p:cNvSpPr>
-            <a:spLocks noGrp="1"/>
-          </p:cNvSpPr>
-          <p:nvPr>
-            <p:ph type="dt" sz="half" idx="10"/>
-          </p:nvPr>
-        </p:nvSpPr>
-        <p:spPr/>
-        <p:txBody>
-          <a:bodyPr/>
-          <a:lstStyle/>
-          <a:p>
-            <a:fld id="{24CD72EA-1FC8-401B-9C9F-E0FC948B9893}" type="datetimeFigureOut">
-              <a:rPr lang="pt-BR" smtClean="0"/>
-              <a:t>11/01/2021</a:t>
-            </a:fld>
-            <a:endParaRPr lang="pt-BR"/>
-          </a:p>
-        </p:txBody>
-      </p:sp>
-      <p:sp>
-        <p:nvSpPr>
-          <p:cNvPr id="5" name="Footer Placeholder 4"/>
-          <p:cNvSpPr>
-            <a:spLocks noGrp="1"/>
-          </p:cNvSpPr>
-          <p:nvPr>
-            <p:ph type="ftr" sz="quarter" idx="11"/>
-          </p:nvPr>
-        </p:nvSpPr>
-        <p:spPr/>
-        <p:txBody>
-          <a:bodyPr/>
-          <a:lstStyle/>
-          <a:p>
-            <a:endParaRPr lang="pt-BR"/>
-          </a:p>
-        </p:txBody>
-      </p:sp>
-      <p:sp>
-        <p:nvSpPr>
-          <p:cNvPr id="6" name="Slide Number Placeholder 5"/>
-          <p:cNvSpPr>
-            <a:spLocks noGrp="1"/>
-          </p:cNvSpPr>
-          <p:nvPr>
-            <p:ph type="sldNum" sz="quarter" idx="12"/>
-          </p:nvPr>
-        </p:nvSpPr>
-        <p:spPr/>
-        <p:txBody>
-          <a:bodyPr/>
-          <a:lstStyle/>
-          <a:p>
-            <a:fld id="{60D150AF-58C0-4E47-99E2-E64D2D61D45C}" type="slidenum">
-              <a:rPr lang="pt-BR" smtClean="0"/>
-              <a:t>‹nº›</a:t>
-            </a:fld>
-            <a:endParaRPr lang="pt-BR"/>
-          </a:p>
-        </p:txBody>
-      </p:sp>
-    </p:spTree>
-    <p:extLst>
-      <p:ext uri="{BB962C8B-B14F-4D97-AF65-F5344CB8AC3E}">
-        <p14:creationId xmlns:p14="http://schemas.microsoft.com/office/powerpoint/2010/main" val="4053805978"/>
-      </p:ext>
-    </p:extLst>
-  </p:cSld>
-  <p:clrMapOvr>
-    <a:masterClrMapping/>
-  </p:clrMapOvr>
-</p:sldLayout>
-</file>
-
-<file path=ppt/slideLayouts/slideLayout24.xml><?xml version="1.0" encoding="utf-8"?>
-<p:sldLayout xmlns:a="http://schemas.openxmlformats.org/drawingml/2006/main" xmlns:r="http://schemas.openxmlformats.org/officeDocument/2006/relationships" xmlns:p="http://schemas.openxmlformats.org/presentationml/2006/main" type="obj" preserve="1">
-  <p:cSld name="Título e Conteúdo">
-    <p:spTree>
-      <p:nvGrpSpPr>
-        <p:cNvPr id="1" name=""/>
-        <p:cNvGrpSpPr/>
-        <p:nvPr/>
-      </p:nvGrpSpPr>
-      <p:grpSpPr>
-        <a:xfrm>
-          <a:off x="0" y="0"/>
-          <a:ext cx="0" cy="0"/>
-          <a:chOff x="0" y="0"/>
-          <a:chExt cx="0" cy="0"/>
-        </a:xfrm>
-      </p:grpSpPr>
-      <p:sp>
-        <p:nvSpPr>
-          <p:cNvPr id="2" name="Title 1"/>
-          <p:cNvSpPr>
-            <a:spLocks noGrp="1"/>
-          </p:cNvSpPr>
-          <p:nvPr>
-            <p:ph type="title"/>
-          </p:nvPr>
-        </p:nvSpPr>
-        <p:spPr/>
-        <p:txBody>
-          <a:bodyPr/>
-          <a:lstStyle/>
-          <a:p>
-            <a:r>
-              <a:rPr lang="pt-BR"/>
-              <a:t>Clique para editar o título Mestre</a:t>
-            </a:r>
-            <a:endParaRPr lang="en-US" dirty="0"/>
-          </a:p>
-        </p:txBody>
-      </p:sp>
-      <p:sp>
-        <p:nvSpPr>
-          <p:cNvPr id="3" name="Content Placeholder 2"/>
-          <p:cNvSpPr>
-            <a:spLocks noGrp="1"/>
-          </p:cNvSpPr>
-          <p:nvPr>
-            <p:ph idx="1"/>
-          </p:nvPr>
-        </p:nvSpPr>
-        <p:spPr/>
-        <p:txBody>
-          <a:bodyPr/>
-          <a:lstStyle/>
-          <a:p>
-            <a:pPr lvl="0"/>
-            <a:r>
-              <a:rPr lang="pt-BR"/>
-              <a:t>Editar estilos de texto Mestre</a:t>
-            </a:r>
-          </a:p>
-          <a:p>
-            <a:pPr lvl="1"/>
-            <a:r>
-              <a:rPr lang="pt-BR"/>
-              <a:t>Segundo nível</a:t>
-            </a:r>
-          </a:p>
-          <a:p>
-            <a:pPr lvl="2"/>
-            <a:r>
-              <a:rPr lang="pt-BR"/>
-              <a:t>Terceiro nível</a:t>
-            </a:r>
-          </a:p>
-          <a:p>
-            <a:pPr lvl="3"/>
-            <a:r>
-              <a:rPr lang="pt-BR"/>
-              <a:t>Quarto nível</a:t>
-            </a:r>
-          </a:p>
-          <a:p>
-            <a:pPr lvl="4"/>
-            <a:r>
-              <a:rPr lang="pt-BR"/>
-              <a:t>Quinto nível</a:t>
-            </a:r>
-            <a:endParaRPr lang="en-US" dirty="0"/>
-          </a:p>
-        </p:txBody>
-      </p:sp>
-      <p:sp>
-        <p:nvSpPr>
-          <p:cNvPr id="4" name="Date Placeholder 3"/>
-          <p:cNvSpPr>
-            <a:spLocks noGrp="1"/>
-          </p:cNvSpPr>
-          <p:nvPr>
-            <p:ph type="dt" sz="half" idx="10"/>
-          </p:nvPr>
-        </p:nvSpPr>
-        <p:spPr/>
-        <p:txBody>
-          <a:bodyPr/>
-          <a:lstStyle/>
-          <a:p>
-            <a:fld id="{24CD72EA-1FC8-401B-9C9F-E0FC948B9893}" type="datetimeFigureOut">
-              <a:rPr lang="pt-BR" smtClean="0"/>
-              <a:t>11/01/2021</a:t>
-            </a:fld>
-            <a:endParaRPr lang="pt-BR"/>
-          </a:p>
-        </p:txBody>
-      </p:sp>
-      <p:sp>
-        <p:nvSpPr>
-          <p:cNvPr id="5" name="Footer Placeholder 4"/>
-          <p:cNvSpPr>
-            <a:spLocks noGrp="1"/>
-          </p:cNvSpPr>
-          <p:nvPr>
-            <p:ph type="ftr" sz="quarter" idx="11"/>
-          </p:nvPr>
-        </p:nvSpPr>
-        <p:spPr/>
-        <p:txBody>
-          <a:bodyPr/>
-          <a:lstStyle/>
-          <a:p>
-            <a:endParaRPr lang="pt-BR"/>
-          </a:p>
-        </p:txBody>
-      </p:sp>
-      <p:sp>
-        <p:nvSpPr>
-          <p:cNvPr id="6" name="Slide Number Placeholder 5"/>
-          <p:cNvSpPr>
-            <a:spLocks noGrp="1"/>
-          </p:cNvSpPr>
-          <p:nvPr>
-            <p:ph type="sldNum" sz="quarter" idx="12"/>
-          </p:nvPr>
-        </p:nvSpPr>
-        <p:spPr/>
-        <p:txBody>
-          <a:bodyPr/>
-          <a:lstStyle/>
-          <a:p>
-            <a:fld id="{60D150AF-58C0-4E47-99E2-E64D2D61D45C}" type="slidenum">
-              <a:rPr lang="pt-BR" smtClean="0"/>
-              <a:t>‹nº›</a:t>
-            </a:fld>
-            <a:endParaRPr lang="pt-BR"/>
-          </a:p>
-        </p:txBody>
-      </p:sp>
-    </p:spTree>
-    <p:extLst>
-      <p:ext uri="{BB962C8B-B14F-4D97-AF65-F5344CB8AC3E}">
-        <p14:creationId xmlns:p14="http://schemas.microsoft.com/office/powerpoint/2010/main" val="673919635"/>
-      </p:ext>
-    </p:extLst>
-  </p:cSld>
-  <p:clrMapOvr>
-    <a:masterClrMapping/>
-  </p:clrMapOvr>
-</p:sldLayout>
-</file>
-
-<file path=ppt/slideLayouts/slideLayout25.xml><?xml version="1.0" encoding="utf-8"?>
-<p:sldLayout xmlns:a="http://schemas.openxmlformats.org/drawingml/2006/main" xmlns:r="http://schemas.openxmlformats.org/officeDocument/2006/relationships" xmlns:p="http://schemas.openxmlformats.org/presentationml/2006/main" type="secHead" preserve="1">
-  <p:cSld name="Cabeçalho da Seção">
-    <p:spTree>
-      <p:nvGrpSpPr>
-        <p:cNvPr id="1" name=""/>
-        <p:cNvGrpSpPr/>
-        <p:nvPr/>
-      </p:nvGrpSpPr>
-      <p:grpSpPr>
-        <a:xfrm>
-          <a:off x="0" y="0"/>
-          <a:ext cx="0" cy="0"/>
-          <a:chOff x="0" y="0"/>
-          <a:chExt cx="0" cy="0"/>
-        </a:xfrm>
-      </p:grpSpPr>
-      <p:sp>
-        <p:nvSpPr>
-          <p:cNvPr id="2" name="Title 1"/>
-          <p:cNvSpPr>
-            <a:spLocks noGrp="1"/>
-          </p:cNvSpPr>
-          <p:nvPr>
-            <p:ph type="title"/>
-          </p:nvPr>
-        </p:nvSpPr>
-        <p:spPr>
-          <a:xfrm>
-            <a:off x="623888" y="1282304"/>
-            <a:ext cx="7886700" cy="2139553"/>
-          </a:xfrm>
-        </p:spPr>
-        <p:txBody>
-          <a:bodyPr anchor="b"/>
-          <a:lstStyle>
-            <a:lvl1pPr>
-              <a:defRPr sz="4500"/>
-            </a:lvl1pPr>
-          </a:lstStyle>
-          <a:p>
-            <a:r>
-              <a:rPr lang="pt-BR"/>
-              <a:t>Clique para editar o título Mestre</a:t>
-            </a:r>
-            <a:endParaRPr lang="en-US" dirty="0"/>
-          </a:p>
-        </p:txBody>
-      </p:sp>
-      <p:sp>
-        <p:nvSpPr>
-          <p:cNvPr id="3" name="Text Placeholder 2"/>
-          <p:cNvSpPr>
-            <a:spLocks noGrp="1"/>
-          </p:cNvSpPr>
-          <p:nvPr>
-            <p:ph type="body" idx="1"/>
-          </p:nvPr>
-        </p:nvSpPr>
-        <p:spPr>
-          <a:xfrm>
-            <a:off x="623888" y="3442098"/>
-            <a:ext cx="7886700" cy="1125140"/>
-          </a:xfrm>
-        </p:spPr>
-        <p:txBody>
-          <a:bodyPr/>
-          <a:lstStyle>
-            <a:lvl1pPr marL="0" indent="0">
-              <a:buNone/>
-              <a:defRPr sz="1800">
-                <a:solidFill>
-                  <a:schemeClr val="tx1">
-                    <a:tint val="75000"/>
-                  </a:schemeClr>
-                </a:solidFill>
-              </a:defRPr>
-            </a:lvl1pPr>
-            <a:lvl2pPr marL="342900" indent="0">
-              <a:buNone/>
-              <a:defRPr sz="1500">
-                <a:solidFill>
-                  <a:schemeClr val="tx1">
-                    <a:tint val="75000"/>
-                  </a:schemeClr>
-                </a:solidFill>
-              </a:defRPr>
-            </a:lvl2pPr>
-            <a:lvl3pPr marL="685800" indent="0">
-              <a:buNone/>
-              <a:defRPr sz="1350">
-                <a:solidFill>
-                  <a:schemeClr val="tx1">
-                    <a:tint val="75000"/>
-                  </a:schemeClr>
-                </a:solidFill>
-              </a:defRPr>
-            </a:lvl3pPr>
-            <a:lvl4pPr marL="1028700" indent="0">
-              <a:buNone/>
-              <a:defRPr sz="1200">
-                <a:solidFill>
-                  <a:schemeClr val="tx1">
-                    <a:tint val="75000"/>
-                  </a:schemeClr>
-                </a:solidFill>
-              </a:defRPr>
-            </a:lvl4pPr>
-            <a:lvl5pPr marL="1371600" indent="0">
-              <a:buNone/>
-              <a:defRPr sz="1200">
-                <a:solidFill>
-                  <a:schemeClr val="tx1">
-                    <a:tint val="75000"/>
-                  </a:schemeClr>
-                </a:solidFill>
-              </a:defRPr>
-            </a:lvl5pPr>
-            <a:lvl6pPr marL="1714500" indent="0">
-              <a:buNone/>
-              <a:defRPr sz="1200">
-                <a:solidFill>
-                  <a:schemeClr val="tx1">
-                    <a:tint val="75000"/>
-                  </a:schemeClr>
-                </a:solidFill>
-              </a:defRPr>
-            </a:lvl6pPr>
-            <a:lvl7pPr marL="2057400" indent="0">
-              <a:buNone/>
-              <a:defRPr sz="1200">
-                <a:solidFill>
-                  <a:schemeClr val="tx1">
-                    <a:tint val="75000"/>
-                  </a:schemeClr>
-                </a:solidFill>
-              </a:defRPr>
-            </a:lvl7pPr>
-            <a:lvl8pPr marL="2400300" indent="0">
-              <a:buNone/>
-              <a:defRPr sz="1200">
-                <a:solidFill>
-                  <a:schemeClr val="tx1">
-                    <a:tint val="75000"/>
-                  </a:schemeClr>
-                </a:solidFill>
-              </a:defRPr>
-            </a:lvl8pPr>
-            <a:lvl9pPr marL="2743200" indent="0">
-              <a:buNone/>
-              <a:defRPr sz="1200">
-                <a:solidFill>
-                  <a:schemeClr val="tx1">
-                    <a:tint val="75000"/>
-                  </a:schemeClr>
-                </a:solidFill>
-              </a:defRPr>
-            </a:lvl9pPr>
-          </a:lstStyle>
-          <a:p>
-            <a:pPr lvl="0"/>
-            <a:r>
-              <a:rPr lang="pt-BR"/>
-              <a:t>Editar estilos de texto Mestre</a:t>
-            </a:r>
-          </a:p>
-        </p:txBody>
-      </p:sp>
-      <p:sp>
-        <p:nvSpPr>
-          <p:cNvPr id="4" name="Date Placeholder 3"/>
-          <p:cNvSpPr>
-            <a:spLocks noGrp="1"/>
-          </p:cNvSpPr>
-          <p:nvPr>
-            <p:ph type="dt" sz="half" idx="10"/>
-          </p:nvPr>
-        </p:nvSpPr>
-        <p:spPr/>
-        <p:txBody>
-          <a:bodyPr/>
-          <a:lstStyle/>
-          <a:p>
-            <a:fld id="{24CD72EA-1FC8-401B-9C9F-E0FC948B9893}" type="datetimeFigureOut">
-              <a:rPr lang="pt-BR" smtClean="0"/>
-              <a:t>11/01/2021</a:t>
-            </a:fld>
-            <a:endParaRPr lang="pt-BR"/>
-          </a:p>
-        </p:txBody>
-      </p:sp>
-      <p:sp>
-        <p:nvSpPr>
-          <p:cNvPr id="5" name="Footer Placeholder 4"/>
-          <p:cNvSpPr>
-            <a:spLocks noGrp="1"/>
-          </p:cNvSpPr>
-          <p:nvPr>
-            <p:ph type="ftr" sz="quarter" idx="11"/>
-          </p:nvPr>
-        </p:nvSpPr>
-        <p:spPr/>
-        <p:txBody>
-          <a:bodyPr/>
-          <a:lstStyle/>
-          <a:p>
-            <a:endParaRPr lang="pt-BR"/>
-          </a:p>
-        </p:txBody>
-      </p:sp>
-      <p:sp>
-        <p:nvSpPr>
-          <p:cNvPr id="6" name="Slide Number Placeholder 5"/>
-          <p:cNvSpPr>
-            <a:spLocks noGrp="1"/>
-          </p:cNvSpPr>
-          <p:nvPr>
-            <p:ph type="sldNum" sz="quarter" idx="12"/>
-          </p:nvPr>
-        </p:nvSpPr>
-        <p:spPr/>
-        <p:txBody>
-          <a:bodyPr/>
-          <a:lstStyle/>
-          <a:p>
-            <a:fld id="{60D150AF-58C0-4E47-99E2-E64D2D61D45C}" type="slidenum">
-              <a:rPr lang="pt-BR" smtClean="0"/>
-              <a:t>‹nº›</a:t>
-            </a:fld>
-            <a:endParaRPr lang="pt-BR"/>
-          </a:p>
-        </p:txBody>
-      </p:sp>
-    </p:spTree>
-    <p:extLst>
-      <p:ext uri="{BB962C8B-B14F-4D97-AF65-F5344CB8AC3E}">
-        <p14:creationId xmlns:p14="http://schemas.microsoft.com/office/powerpoint/2010/main" val="3384277764"/>
-      </p:ext>
-    </p:extLst>
-  </p:cSld>
-  <p:clrMapOvr>
-    <a:masterClrMapping/>
-  </p:clrMapOvr>
-</p:sldLayout>
-</file>
-
-<file path=ppt/slideLayouts/slideLayout26.xml><?xml version="1.0" encoding="utf-8"?>
-<p:sldLayout xmlns:a="http://schemas.openxmlformats.org/drawingml/2006/main" xmlns:r="http://schemas.openxmlformats.org/officeDocument/2006/relationships" xmlns:p="http://schemas.openxmlformats.org/presentationml/2006/main" type="twoObj" preserve="1">
-  <p:cSld name="Duas Partes de Conteúdo">
-    <p:spTree>
-      <p:nvGrpSpPr>
-        <p:cNvPr id="1" name=""/>
-        <p:cNvGrpSpPr/>
-        <p:nvPr/>
-      </p:nvGrpSpPr>
-      <p:grpSpPr>
-        <a:xfrm>
-          <a:off x="0" y="0"/>
-          <a:ext cx="0" cy="0"/>
-          <a:chOff x="0" y="0"/>
-          <a:chExt cx="0" cy="0"/>
-        </a:xfrm>
-      </p:grpSpPr>
-      <p:sp>
-        <p:nvSpPr>
-          <p:cNvPr id="2" name="Title 1"/>
-          <p:cNvSpPr>
-            <a:spLocks noGrp="1"/>
-          </p:cNvSpPr>
-          <p:nvPr>
-            <p:ph type="title"/>
-          </p:nvPr>
-        </p:nvSpPr>
-        <p:spPr/>
-        <p:txBody>
-          <a:bodyPr/>
-          <a:lstStyle/>
-          <a:p>
-            <a:r>
-              <a:rPr lang="pt-BR"/>
-              <a:t>Clique para editar o título Mestre</a:t>
-            </a:r>
-            <a:endParaRPr lang="en-US" dirty="0"/>
-          </a:p>
-        </p:txBody>
-      </p:sp>
-      <p:sp>
-        <p:nvSpPr>
-          <p:cNvPr id="3" name="Content Placeholder 2"/>
-          <p:cNvSpPr>
-            <a:spLocks noGrp="1"/>
-          </p:cNvSpPr>
-          <p:nvPr>
-            <p:ph sz="half" idx="1"/>
-          </p:nvPr>
-        </p:nvSpPr>
-        <p:spPr>
-          <a:xfrm>
-            <a:off x="628650" y="1369219"/>
-            <a:ext cx="3886200" cy="3263504"/>
-          </a:xfrm>
-        </p:spPr>
-        <p:txBody>
-          <a:bodyPr/>
-          <a:lstStyle/>
-          <a:p>
-            <a:pPr lvl="0"/>
-            <a:r>
-              <a:rPr lang="pt-BR"/>
-              <a:t>Editar estilos de texto Mestre</a:t>
-            </a:r>
-          </a:p>
-          <a:p>
-            <a:pPr lvl="1"/>
-            <a:r>
-              <a:rPr lang="pt-BR"/>
-              <a:t>Segundo nível</a:t>
-            </a:r>
-          </a:p>
-          <a:p>
-            <a:pPr lvl="2"/>
-            <a:r>
-              <a:rPr lang="pt-BR"/>
-              <a:t>Terceiro nível</a:t>
-            </a:r>
-          </a:p>
-          <a:p>
-            <a:pPr lvl="3"/>
-            <a:r>
-              <a:rPr lang="pt-BR"/>
-              <a:t>Quarto nível</a:t>
-            </a:r>
-          </a:p>
-          <a:p>
-            <a:pPr lvl="4"/>
-            <a:r>
-              <a:rPr lang="pt-BR"/>
-              <a:t>Quinto nível</a:t>
-            </a:r>
-            <a:endParaRPr lang="en-US" dirty="0"/>
-          </a:p>
-        </p:txBody>
-      </p:sp>
-      <p:sp>
-        <p:nvSpPr>
-          <p:cNvPr id="4" name="Content Placeholder 3"/>
-          <p:cNvSpPr>
-            <a:spLocks noGrp="1"/>
-          </p:cNvSpPr>
-          <p:nvPr>
-            <p:ph sz="half" idx="2"/>
-          </p:nvPr>
-        </p:nvSpPr>
-        <p:spPr>
-          <a:xfrm>
-            <a:off x="4629150" y="1369219"/>
-            <a:ext cx="3886200" cy="3263504"/>
-          </a:xfrm>
-        </p:spPr>
-        <p:txBody>
-          <a:bodyPr/>
-          <a:lstStyle/>
-          <a:p>
-            <a:pPr lvl="0"/>
-            <a:r>
-              <a:rPr lang="pt-BR"/>
-              <a:t>Editar estilos de texto Mestre</a:t>
-            </a:r>
-          </a:p>
-          <a:p>
-            <a:pPr lvl="1"/>
-            <a:r>
-              <a:rPr lang="pt-BR"/>
-              <a:t>Segundo nível</a:t>
-            </a:r>
-          </a:p>
-          <a:p>
-            <a:pPr lvl="2"/>
-            <a:r>
-              <a:rPr lang="pt-BR"/>
-              <a:t>Terceiro nível</a:t>
-            </a:r>
-          </a:p>
-          <a:p>
-            <a:pPr lvl="3"/>
-            <a:r>
-              <a:rPr lang="pt-BR"/>
-              <a:t>Quarto nível</a:t>
-            </a:r>
-          </a:p>
-          <a:p>
-            <a:pPr lvl="4"/>
-            <a:r>
-              <a:rPr lang="pt-BR"/>
-              <a:t>Quinto nível</a:t>
-            </a:r>
-            <a:endParaRPr lang="en-US" dirty="0"/>
-          </a:p>
-        </p:txBody>
-      </p:sp>
-      <p:sp>
-        <p:nvSpPr>
-          <p:cNvPr id="5" name="Date Placeholder 4"/>
-          <p:cNvSpPr>
-            <a:spLocks noGrp="1"/>
-          </p:cNvSpPr>
-          <p:nvPr>
-            <p:ph type="dt" sz="half" idx="10"/>
-          </p:nvPr>
-        </p:nvSpPr>
-        <p:spPr/>
-        <p:txBody>
-          <a:bodyPr/>
-          <a:lstStyle/>
-          <a:p>
-            <a:fld id="{24CD72EA-1FC8-401B-9C9F-E0FC948B9893}" type="datetimeFigureOut">
-              <a:rPr lang="pt-BR" smtClean="0"/>
-              <a:t>11/01/2021</a:t>
-            </a:fld>
-            <a:endParaRPr lang="pt-BR"/>
-          </a:p>
-        </p:txBody>
-      </p:sp>
-      <p:sp>
-        <p:nvSpPr>
-          <p:cNvPr id="6" name="Footer Placeholder 5"/>
-          <p:cNvSpPr>
-            <a:spLocks noGrp="1"/>
-          </p:cNvSpPr>
-          <p:nvPr>
-            <p:ph type="ftr" sz="quarter" idx="11"/>
-          </p:nvPr>
-        </p:nvSpPr>
-        <p:spPr/>
-        <p:txBody>
-          <a:bodyPr/>
-          <a:lstStyle/>
-          <a:p>
-            <a:endParaRPr lang="pt-BR"/>
-          </a:p>
-        </p:txBody>
-      </p:sp>
-      <p:sp>
-        <p:nvSpPr>
-          <p:cNvPr id="7" name="Slide Number Placeholder 6"/>
-          <p:cNvSpPr>
-            <a:spLocks noGrp="1"/>
-          </p:cNvSpPr>
-          <p:nvPr>
-            <p:ph type="sldNum" sz="quarter" idx="12"/>
-          </p:nvPr>
-        </p:nvSpPr>
-        <p:spPr/>
-        <p:txBody>
-          <a:bodyPr/>
-          <a:lstStyle/>
-          <a:p>
-            <a:fld id="{60D150AF-58C0-4E47-99E2-E64D2D61D45C}" type="slidenum">
-              <a:rPr lang="pt-BR" smtClean="0"/>
-              <a:t>‹nº›</a:t>
-            </a:fld>
-            <a:endParaRPr lang="pt-BR"/>
-          </a:p>
-        </p:txBody>
-      </p:sp>
-    </p:spTree>
-    <p:extLst>
-      <p:ext uri="{BB962C8B-B14F-4D97-AF65-F5344CB8AC3E}">
-        <p14:creationId xmlns:p14="http://schemas.microsoft.com/office/powerpoint/2010/main" val="2094547896"/>
-      </p:ext>
-    </p:extLst>
-  </p:cSld>
-  <p:clrMapOvr>
-    <a:masterClrMapping/>
-  </p:clrMapOvr>
-</p:sldLayout>
-</file>
-
-<file path=ppt/slideLayouts/slideLayout27.xml><?xml version="1.0" encoding="utf-8"?>
-<p:sldLayout xmlns:a="http://schemas.openxmlformats.org/drawingml/2006/main" xmlns:r="http://schemas.openxmlformats.org/officeDocument/2006/relationships" xmlns:p="http://schemas.openxmlformats.org/presentationml/2006/main" type="twoTxTwoObj" preserve="1">
-  <p:cSld name="Comparação">
-    <p:spTree>
-      <p:nvGrpSpPr>
-        <p:cNvPr id="1" name=""/>
-        <p:cNvGrpSpPr/>
-        <p:nvPr/>
-      </p:nvGrpSpPr>
-      <p:grpSpPr>
-        <a:xfrm>
-          <a:off x="0" y="0"/>
-          <a:ext cx="0" cy="0"/>
-          <a:chOff x="0" y="0"/>
-          <a:chExt cx="0" cy="0"/>
-        </a:xfrm>
-      </p:grpSpPr>
-      <p:sp>
-        <p:nvSpPr>
-          <p:cNvPr id="2" name="Title 1"/>
-          <p:cNvSpPr>
-            <a:spLocks noGrp="1"/>
-          </p:cNvSpPr>
-          <p:nvPr>
-            <p:ph type="title"/>
-          </p:nvPr>
-        </p:nvSpPr>
-        <p:spPr>
-          <a:xfrm>
-            <a:off x="629841" y="273844"/>
-            <a:ext cx="7886700" cy="994172"/>
-          </a:xfrm>
-        </p:spPr>
-        <p:txBody>
-          <a:bodyPr/>
-          <a:lstStyle/>
-          <a:p>
-            <a:r>
-              <a:rPr lang="pt-BR"/>
-              <a:t>Clique para editar o título Mestre</a:t>
-            </a:r>
-            <a:endParaRPr lang="en-US" dirty="0"/>
-          </a:p>
-        </p:txBody>
-      </p:sp>
-      <p:sp>
-        <p:nvSpPr>
-          <p:cNvPr id="3" name="Text Placeholder 2"/>
-          <p:cNvSpPr>
-            <a:spLocks noGrp="1"/>
-          </p:cNvSpPr>
-          <p:nvPr>
-            <p:ph type="body" idx="1"/>
-          </p:nvPr>
-        </p:nvSpPr>
-        <p:spPr>
-          <a:xfrm>
-            <a:off x="629842" y="1260872"/>
-            <a:ext cx="3868340" cy="617934"/>
-          </a:xfrm>
-        </p:spPr>
-        <p:txBody>
-          <a:bodyPr anchor="b"/>
-          <a:lstStyle>
-            <a:lvl1pPr marL="0" indent="0">
-              <a:buNone/>
-              <a:defRPr sz="1800" b="1"/>
-            </a:lvl1pPr>
-            <a:lvl2pPr marL="342900" indent="0">
-              <a:buNone/>
-              <a:defRPr sz="1500" b="1"/>
-            </a:lvl2pPr>
-            <a:lvl3pPr marL="685800" indent="0">
-              <a:buNone/>
-              <a:defRPr sz="1350" b="1"/>
-            </a:lvl3pPr>
-            <a:lvl4pPr marL="1028700" indent="0">
-              <a:buNone/>
-              <a:defRPr sz="1200" b="1"/>
-            </a:lvl4pPr>
-            <a:lvl5pPr marL="1371600" indent="0">
-              <a:buNone/>
-              <a:defRPr sz="1200" b="1"/>
-            </a:lvl5pPr>
-            <a:lvl6pPr marL="1714500" indent="0">
-              <a:buNone/>
-              <a:defRPr sz="1200" b="1"/>
-            </a:lvl6pPr>
-            <a:lvl7pPr marL="2057400" indent="0">
-              <a:buNone/>
-              <a:defRPr sz="1200" b="1"/>
-            </a:lvl7pPr>
-            <a:lvl8pPr marL="2400300" indent="0">
-              <a:buNone/>
-              <a:defRPr sz="1200" b="1"/>
-            </a:lvl8pPr>
-            <a:lvl9pPr marL="2743200" indent="0">
-              <a:buNone/>
-              <a:defRPr sz="1200" b="1"/>
-            </a:lvl9pPr>
-          </a:lstStyle>
-          <a:p>
-            <a:pPr lvl="0"/>
-            <a:r>
-              <a:rPr lang="pt-BR"/>
-              <a:t>Editar estilos de texto Mestre</a:t>
-            </a:r>
-          </a:p>
-        </p:txBody>
-      </p:sp>
-      <p:sp>
-        <p:nvSpPr>
-          <p:cNvPr id="4" name="Content Placeholder 3"/>
-          <p:cNvSpPr>
-            <a:spLocks noGrp="1"/>
-          </p:cNvSpPr>
-          <p:nvPr>
-            <p:ph sz="half" idx="2"/>
-          </p:nvPr>
-        </p:nvSpPr>
-        <p:spPr>
-          <a:xfrm>
-            <a:off x="629842" y="1878806"/>
-            <a:ext cx="3868340" cy="2763441"/>
-          </a:xfrm>
-        </p:spPr>
-        <p:txBody>
-          <a:bodyPr/>
-          <a:lstStyle/>
-          <a:p>
-            <a:pPr lvl="0"/>
-            <a:r>
-              <a:rPr lang="pt-BR"/>
-              <a:t>Editar estilos de texto Mestre</a:t>
-            </a:r>
-          </a:p>
-          <a:p>
-            <a:pPr lvl="1"/>
-            <a:r>
-              <a:rPr lang="pt-BR"/>
-              <a:t>Segundo nível</a:t>
-            </a:r>
-          </a:p>
-          <a:p>
-            <a:pPr lvl="2"/>
-            <a:r>
-              <a:rPr lang="pt-BR"/>
-              <a:t>Terceiro nível</a:t>
-            </a:r>
-          </a:p>
-          <a:p>
-            <a:pPr lvl="3"/>
-            <a:r>
-              <a:rPr lang="pt-BR"/>
-              <a:t>Quarto nível</a:t>
-            </a:r>
-          </a:p>
-          <a:p>
-            <a:pPr lvl="4"/>
-            <a:r>
-              <a:rPr lang="pt-BR"/>
-              <a:t>Quinto nível</a:t>
-            </a:r>
-            <a:endParaRPr lang="en-US" dirty="0"/>
-          </a:p>
-        </p:txBody>
-      </p:sp>
-      <p:sp>
-        <p:nvSpPr>
-          <p:cNvPr id="5" name="Text Placeholder 4"/>
-          <p:cNvSpPr>
-            <a:spLocks noGrp="1"/>
-          </p:cNvSpPr>
-          <p:nvPr>
-            <p:ph type="body" sz="quarter" idx="3"/>
-          </p:nvPr>
-        </p:nvSpPr>
-        <p:spPr>
-          <a:xfrm>
-            <a:off x="4629150" y="1260872"/>
-            <a:ext cx="3887391" cy="617934"/>
-          </a:xfrm>
-        </p:spPr>
-        <p:txBody>
-          <a:bodyPr anchor="b"/>
-          <a:lstStyle>
-            <a:lvl1pPr marL="0" indent="0">
-              <a:buNone/>
-              <a:defRPr sz="1800" b="1"/>
-            </a:lvl1pPr>
-            <a:lvl2pPr marL="342900" indent="0">
-              <a:buNone/>
-              <a:defRPr sz="1500" b="1"/>
-            </a:lvl2pPr>
-            <a:lvl3pPr marL="685800" indent="0">
-              <a:buNone/>
-              <a:defRPr sz="1350" b="1"/>
-            </a:lvl3pPr>
-            <a:lvl4pPr marL="1028700" indent="0">
-              <a:buNone/>
-              <a:defRPr sz="1200" b="1"/>
-            </a:lvl4pPr>
-            <a:lvl5pPr marL="1371600" indent="0">
-              <a:buNone/>
-              <a:defRPr sz="1200" b="1"/>
-            </a:lvl5pPr>
-            <a:lvl6pPr marL="1714500" indent="0">
-              <a:buNone/>
-              <a:defRPr sz="1200" b="1"/>
-            </a:lvl6pPr>
-            <a:lvl7pPr marL="2057400" indent="0">
-              <a:buNone/>
-              <a:defRPr sz="1200" b="1"/>
-            </a:lvl7pPr>
-            <a:lvl8pPr marL="2400300" indent="0">
-              <a:buNone/>
-              <a:defRPr sz="1200" b="1"/>
-            </a:lvl8pPr>
-            <a:lvl9pPr marL="2743200" indent="0">
-              <a:buNone/>
-              <a:defRPr sz="1200" b="1"/>
-            </a:lvl9pPr>
-          </a:lstStyle>
-          <a:p>
-            <a:pPr lvl="0"/>
-            <a:r>
-              <a:rPr lang="pt-BR"/>
-              <a:t>Editar estilos de texto Mestre</a:t>
-            </a:r>
-          </a:p>
-        </p:txBody>
-      </p:sp>
-      <p:sp>
-        <p:nvSpPr>
-          <p:cNvPr id="6" name="Content Placeholder 5"/>
-          <p:cNvSpPr>
-            <a:spLocks noGrp="1"/>
-          </p:cNvSpPr>
-          <p:nvPr>
-            <p:ph sz="quarter" idx="4"/>
-          </p:nvPr>
-        </p:nvSpPr>
-        <p:spPr>
-          <a:xfrm>
-            <a:off x="4629150" y="1878806"/>
-            <a:ext cx="3887391" cy="2763441"/>
-          </a:xfrm>
-        </p:spPr>
-        <p:txBody>
-          <a:bodyPr/>
-          <a:lstStyle/>
-          <a:p>
-            <a:pPr lvl="0"/>
-            <a:r>
-              <a:rPr lang="pt-BR"/>
-              <a:t>Editar estilos de texto Mestre</a:t>
-            </a:r>
-          </a:p>
-          <a:p>
-            <a:pPr lvl="1"/>
-            <a:r>
-              <a:rPr lang="pt-BR"/>
-              <a:t>Segundo nível</a:t>
-            </a:r>
-          </a:p>
-          <a:p>
-            <a:pPr lvl="2"/>
-            <a:r>
-              <a:rPr lang="pt-BR"/>
-              <a:t>Terceiro nível</a:t>
-            </a:r>
-          </a:p>
-          <a:p>
-            <a:pPr lvl="3"/>
-            <a:r>
-              <a:rPr lang="pt-BR"/>
-              <a:t>Quarto nível</a:t>
-            </a:r>
-          </a:p>
-          <a:p>
-            <a:pPr lvl="4"/>
-            <a:r>
-              <a:rPr lang="pt-BR"/>
-              <a:t>Quinto nível</a:t>
-            </a:r>
-            <a:endParaRPr lang="en-US" dirty="0"/>
-          </a:p>
-        </p:txBody>
-      </p:sp>
-      <p:sp>
-        <p:nvSpPr>
-          <p:cNvPr id="7" name="Date Placeholder 6"/>
-          <p:cNvSpPr>
-            <a:spLocks noGrp="1"/>
-          </p:cNvSpPr>
-          <p:nvPr>
-            <p:ph type="dt" sz="half" idx="10"/>
-          </p:nvPr>
-        </p:nvSpPr>
-        <p:spPr/>
-        <p:txBody>
-          <a:bodyPr/>
-          <a:lstStyle/>
-          <a:p>
-            <a:fld id="{24CD72EA-1FC8-401B-9C9F-E0FC948B9893}" type="datetimeFigureOut">
-              <a:rPr lang="pt-BR" smtClean="0"/>
-              <a:t>11/01/2021</a:t>
-            </a:fld>
-            <a:endParaRPr lang="pt-BR"/>
-          </a:p>
-        </p:txBody>
-      </p:sp>
-      <p:sp>
-        <p:nvSpPr>
-          <p:cNvPr id="8" name="Footer Placeholder 7"/>
-          <p:cNvSpPr>
-            <a:spLocks noGrp="1"/>
-          </p:cNvSpPr>
-          <p:nvPr>
-            <p:ph type="ftr" sz="quarter" idx="11"/>
-          </p:nvPr>
-        </p:nvSpPr>
-        <p:spPr/>
-        <p:txBody>
-          <a:bodyPr/>
-          <a:lstStyle/>
-          <a:p>
-            <a:endParaRPr lang="pt-BR"/>
-          </a:p>
-        </p:txBody>
-      </p:sp>
-      <p:sp>
-        <p:nvSpPr>
-          <p:cNvPr id="9" name="Slide Number Placeholder 8"/>
-          <p:cNvSpPr>
-            <a:spLocks noGrp="1"/>
-          </p:cNvSpPr>
-          <p:nvPr>
-            <p:ph type="sldNum" sz="quarter" idx="12"/>
-          </p:nvPr>
-        </p:nvSpPr>
-        <p:spPr/>
-        <p:txBody>
-          <a:bodyPr/>
-          <a:lstStyle/>
-          <a:p>
-            <a:fld id="{60D150AF-58C0-4E47-99E2-E64D2D61D45C}" type="slidenum">
-              <a:rPr lang="pt-BR" smtClean="0"/>
-              <a:t>‹nº›</a:t>
-            </a:fld>
-            <a:endParaRPr lang="pt-BR"/>
-          </a:p>
-        </p:txBody>
-      </p:sp>
-    </p:spTree>
-    <p:extLst>
-      <p:ext uri="{BB962C8B-B14F-4D97-AF65-F5344CB8AC3E}">
-        <p14:creationId xmlns:p14="http://schemas.microsoft.com/office/powerpoint/2010/main" val="1691368866"/>
-      </p:ext>
-    </p:extLst>
-  </p:cSld>
-  <p:clrMapOvr>
-    <a:masterClrMapping/>
-  </p:clrMapOvr>
-</p:sldLayout>
-</file>
-
-<file path=ppt/slideLayouts/slideLayout28.xml><?xml version="1.0" encoding="utf-8"?>
-<p:sldLayout xmlns:a="http://schemas.openxmlformats.org/drawingml/2006/main" xmlns:r="http://schemas.openxmlformats.org/officeDocument/2006/relationships" xmlns:p="http://schemas.openxmlformats.org/presentationml/2006/main" type="titleOnly" preserve="1">
-  <p:cSld name="Somente Título">
-    <p:spTree>
-      <p:nvGrpSpPr>
-        <p:cNvPr id="1" name=""/>
-        <p:cNvGrpSpPr/>
-        <p:nvPr/>
-      </p:nvGrpSpPr>
-      <p:grpSpPr>
-        <a:xfrm>
-          <a:off x="0" y="0"/>
-          <a:ext cx="0" cy="0"/>
-          <a:chOff x="0" y="0"/>
-          <a:chExt cx="0" cy="0"/>
-        </a:xfrm>
-      </p:grpSpPr>
-      <p:sp>
-        <p:nvSpPr>
-          <p:cNvPr id="2" name="Title 1"/>
-          <p:cNvSpPr>
-            <a:spLocks noGrp="1"/>
-          </p:cNvSpPr>
-          <p:nvPr>
-            <p:ph type="title"/>
-          </p:nvPr>
-        </p:nvSpPr>
-        <p:spPr/>
-        <p:txBody>
-          <a:bodyPr/>
-          <a:lstStyle/>
-          <a:p>
-            <a:r>
-              <a:rPr lang="pt-BR"/>
-              <a:t>Clique para editar o título Mestre</a:t>
-            </a:r>
-            <a:endParaRPr lang="en-US" dirty="0"/>
-          </a:p>
-        </p:txBody>
-      </p:sp>
-      <p:sp>
-        <p:nvSpPr>
-          <p:cNvPr id="3" name="Date Placeholder 2"/>
-          <p:cNvSpPr>
-            <a:spLocks noGrp="1"/>
-          </p:cNvSpPr>
-          <p:nvPr>
-            <p:ph type="dt" sz="half" idx="10"/>
-          </p:nvPr>
-        </p:nvSpPr>
-        <p:spPr/>
-        <p:txBody>
-          <a:bodyPr/>
-          <a:lstStyle/>
-          <a:p>
-            <a:fld id="{24CD72EA-1FC8-401B-9C9F-E0FC948B9893}" type="datetimeFigureOut">
-              <a:rPr lang="pt-BR" smtClean="0"/>
-              <a:t>11/01/2021</a:t>
-            </a:fld>
-            <a:endParaRPr lang="pt-BR"/>
-          </a:p>
-        </p:txBody>
-      </p:sp>
-      <p:sp>
-        <p:nvSpPr>
-          <p:cNvPr id="4" name="Footer Placeholder 3"/>
-          <p:cNvSpPr>
-            <a:spLocks noGrp="1"/>
-          </p:cNvSpPr>
-          <p:nvPr>
-            <p:ph type="ftr" sz="quarter" idx="11"/>
-          </p:nvPr>
-        </p:nvSpPr>
-        <p:spPr/>
-        <p:txBody>
-          <a:bodyPr/>
-          <a:lstStyle/>
-          <a:p>
-            <a:endParaRPr lang="pt-BR"/>
-          </a:p>
-        </p:txBody>
-      </p:sp>
-      <p:sp>
-        <p:nvSpPr>
-          <p:cNvPr id="5" name="Slide Number Placeholder 4"/>
-          <p:cNvSpPr>
-            <a:spLocks noGrp="1"/>
-          </p:cNvSpPr>
-          <p:nvPr>
-            <p:ph type="sldNum" sz="quarter" idx="12"/>
-          </p:nvPr>
-        </p:nvSpPr>
-        <p:spPr/>
-        <p:txBody>
-          <a:bodyPr/>
-          <a:lstStyle/>
-          <a:p>
-            <a:fld id="{60D150AF-58C0-4E47-99E2-E64D2D61D45C}" type="slidenum">
-              <a:rPr lang="pt-BR" smtClean="0"/>
-              <a:t>‹nº›</a:t>
-            </a:fld>
-            <a:endParaRPr lang="pt-BR"/>
-          </a:p>
-        </p:txBody>
-      </p:sp>
-    </p:spTree>
-    <p:extLst>
-      <p:ext uri="{BB962C8B-B14F-4D97-AF65-F5344CB8AC3E}">
-        <p14:creationId xmlns:p14="http://schemas.microsoft.com/office/powerpoint/2010/main" val="1976237259"/>
-      </p:ext>
-    </p:extLst>
-  </p:cSld>
-  <p:clrMapOvr>
-    <a:masterClrMapping/>
-  </p:clrMapOvr>
-</p:sldLayout>
-</file>
-
-<file path=ppt/slideLayouts/slideLayout29.xml><?xml version="1.0" encoding="utf-8"?>
-<p:sldLayout xmlns:a="http://schemas.openxmlformats.org/drawingml/2006/main" xmlns:r="http://schemas.openxmlformats.org/officeDocument/2006/relationships" xmlns:p="http://schemas.openxmlformats.org/presentationml/2006/main" type="blank" preserve="1">
-  <p:cSld name="Em Branco">
-    <p:spTree>
-      <p:nvGrpSpPr>
-        <p:cNvPr id="1" name=""/>
-        <p:cNvGrpSpPr/>
-        <p:nvPr/>
-      </p:nvGrpSpPr>
-      <p:grpSpPr>
-        <a:xfrm>
-          <a:off x="0" y="0"/>
-          <a:ext cx="0" cy="0"/>
-          <a:chOff x="0" y="0"/>
-          <a:chExt cx="0" cy="0"/>
-        </a:xfrm>
-      </p:grpSpPr>
-      <p:sp>
-        <p:nvSpPr>
-          <p:cNvPr id="2" name="Date Placeholder 1"/>
-          <p:cNvSpPr>
-            <a:spLocks noGrp="1"/>
-          </p:cNvSpPr>
-          <p:nvPr>
-            <p:ph type="dt" sz="half" idx="10"/>
-          </p:nvPr>
-        </p:nvSpPr>
-        <p:spPr/>
-        <p:txBody>
-          <a:bodyPr/>
-          <a:lstStyle/>
-          <a:p>
-            <a:fld id="{24CD72EA-1FC8-401B-9C9F-E0FC948B9893}" type="datetimeFigureOut">
-              <a:rPr lang="pt-BR" smtClean="0"/>
-              <a:t>11/01/2021</a:t>
-            </a:fld>
-            <a:endParaRPr lang="pt-BR"/>
-          </a:p>
-        </p:txBody>
-      </p:sp>
-      <p:sp>
-        <p:nvSpPr>
-          <p:cNvPr id="3" name="Footer Placeholder 2"/>
-          <p:cNvSpPr>
-            <a:spLocks noGrp="1"/>
-          </p:cNvSpPr>
-          <p:nvPr>
-            <p:ph type="ftr" sz="quarter" idx="11"/>
-          </p:nvPr>
-        </p:nvSpPr>
-        <p:spPr/>
-        <p:txBody>
-          <a:bodyPr/>
-          <a:lstStyle/>
-          <a:p>
-            <a:endParaRPr lang="pt-BR"/>
-          </a:p>
-        </p:txBody>
-      </p:sp>
-      <p:sp>
-        <p:nvSpPr>
-          <p:cNvPr id="4" name="Slide Number Placeholder 3"/>
-          <p:cNvSpPr>
-            <a:spLocks noGrp="1"/>
-          </p:cNvSpPr>
-          <p:nvPr>
-            <p:ph type="sldNum" sz="quarter" idx="12"/>
-          </p:nvPr>
-        </p:nvSpPr>
-        <p:spPr/>
-        <p:txBody>
-          <a:bodyPr/>
-          <a:lstStyle/>
-          <a:p>
-            <a:fld id="{60D150AF-58C0-4E47-99E2-E64D2D61D45C}" type="slidenum">
-              <a:rPr lang="pt-BR" smtClean="0"/>
-              <a:t>‹nº›</a:t>
-            </a:fld>
-            <a:endParaRPr lang="pt-BR"/>
-          </a:p>
-        </p:txBody>
-      </p:sp>
-    </p:spTree>
-    <p:extLst>
-      <p:ext uri="{BB962C8B-B14F-4D97-AF65-F5344CB8AC3E}">
-        <p14:creationId xmlns:p14="http://schemas.microsoft.com/office/powerpoint/2010/main" val="3450778550"/>
       </p:ext>
     </p:extLst>
   </p:cSld>
@@ -5914,8 +4543,8 @@
         </p:nvSpPr>
         <p:spPr>
           <a:xfrm>
-            <a:off x="623888" y="1281513"/>
-            <a:ext cx="7886700" cy="2139557"/>
+            <a:off x="623888" y="1282700"/>
+            <a:ext cx="7886700" cy="2141538"/>
           </a:xfrm>
           <a:prstGeom prst="rect">
             <a:avLst/>
@@ -5954,8 +4583,8 @@
         </p:nvSpPr>
         <p:spPr>
           <a:xfrm>
-            <a:off x="623888" y="3441689"/>
-            <a:ext cx="7886700" cy="1126082"/>
+            <a:off x="623888" y="3444875"/>
+            <a:ext cx="7886700" cy="1127125"/>
           </a:xfrm>
           <a:prstGeom prst="rect">
             <a:avLst/>
@@ -6082,8 +4711,8 @@
         </p:nvSpPr>
         <p:spPr>
           <a:xfrm>
-            <a:off x="628650" y="4767610"/>
-            <a:ext cx="2057400" cy="272797"/>
+            <a:off x="628650" y="4772025"/>
+            <a:ext cx="2057400" cy="273050"/>
           </a:xfrm>
           <a:prstGeom prst="rect">
             <a:avLst/>
@@ -6095,7 +4724,7 @@
           <a:p>
             <a:fld id="{24CD72EA-1FC8-401B-9C9F-E0FC948B9893}" type="datetimeFigureOut">
               <a:rPr lang="pt-BR" smtClean="0"/>
-              <a:t>11/01/2021</a:t>
+              <a:t>01/02/2021</a:t>
             </a:fld>
             <a:endParaRPr lang="pt-BR"/>
           </a:p>
@@ -6119,8 +4748,8 @@
         </p:nvSpPr>
         <p:spPr>
           <a:xfrm>
-            <a:off x="3028950" y="4767610"/>
-            <a:ext cx="3086100" cy="272797"/>
+            <a:off x="3028950" y="4772025"/>
+            <a:ext cx="3086100" cy="273050"/>
           </a:xfrm>
           <a:prstGeom prst="rect">
             <a:avLst/>
@@ -6152,8 +4781,8 @@
         </p:nvSpPr>
         <p:spPr>
           <a:xfrm>
-            <a:off x="6457950" y="4767610"/>
-            <a:ext cx="2057400" cy="272797"/>
+            <a:off x="6457950" y="4772025"/>
+            <a:ext cx="2057400" cy="273050"/>
           </a:xfrm>
           <a:prstGeom prst="rect">
             <a:avLst/>
@@ -6175,890 +4804,6 @@
     <p:extLst>
       <p:ext uri="{BB962C8B-B14F-4D97-AF65-F5344CB8AC3E}">
         <p14:creationId xmlns:p14="http://schemas.microsoft.com/office/powerpoint/2010/main" val="15913391"/>
-      </p:ext>
-    </p:extLst>
-  </p:cSld>
-  <p:clrMapOvr>
-    <a:masterClrMapping/>
-  </p:clrMapOvr>
-</p:sldLayout>
-</file>
-
-<file path=ppt/slideLayouts/slideLayout30.xml><?xml version="1.0" encoding="utf-8"?>
-<p:sldLayout xmlns:a="http://schemas.openxmlformats.org/drawingml/2006/main" xmlns:r="http://schemas.openxmlformats.org/officeDocument/2006/relationships" xmlns:p="http://schemas.openxmlformats.org/presentationml/2006/main" type="objTx" preserve="1">
-  <p:cSld name="Conteúdo com Legenda">
-    <p:spTree>
-      <p:nvGrpSpPr>
-        <p:cNvPr id="1" name=""/>
-        <p:cNvGrpSpPr/>
-        <p:nvPr/>
-      </p:nvGrpSpPr>
-      <p:grpSpPr>
-        <a:xfrm>
-          <a:off x="0" y="0"/>
-          <a:ext cx="0" cy="0"/>
-          <a:chOff x="0" y="0"/>
-          <a:chExt cx="0" cy="0"/>
-        </a:xfrm>
-      </p:grpSpPr>
-      <p:sp>
-        <p:nvSpPr>
-          <p:cNvPr id="2" name="Title 1"/>
-          <p:cNvSpPr>
-            <a:spLocks noGrp="1"/>
-          </p:cNvSpPr>
-          <p:nvPr>
-            <p:ph type="title"/>
-          </p:nvPr>
-        </p:nvSpPr>
-        <p:spPr>
-          <a:xfrm>
-            <a:off x="629841" y="342900"/>
-            <a:ext cx="2949178" cy="1200150"/>
-          </a:xfrm>
-        </p:spPr>
-        <p:txBody>
-          <a:bodyPr anchor="b"/>
-          <a:lstStyle>
-            <a:lvl1pPr>
-              <a:defRPr sz="2400"/>
-            </a:lvl1pPr>
-          </a:lstStyle>
-          <a:p>
-            <a:r>
-              <a:rPr lang="pt-BR"/>
-              <a:t>Clique para editar o título Mestre</a:t>
-            </a:r>
-            <a:endParaRPr lang="en-US" dirty="0"/>
-          </a:p>
-        </p:txBody>
-      </p:sp>
-      <p:sp>
-        <p:nvSpPr>
-          <p:cNvPr id="3" name="Content Placeholder 2"/>
-          <p:cNvSpPr>
-            <a:spLocks noGrp="1"/>
-          </p:cNvSpPr>
-          <p:nvPr>
-            <p:ph idx="1"/>
-          </p:nvPr>
-        </p:nvSpPr>
-        <p:spPr>
-          <a:xfrm>
-            <a:off x="3887391" y="740569"/>
-            <a:ext cx="4629150" cy="3655219"/>
-          </a:xfrm>
-        </p:spPr>
-        <p:txBody>
-          <a:bodyPr/>
-          <a:lstStyle>
-            <a:lvl1pPr>
-              <a:defRPr sz="2400"/>
-            </a:lvl1pPr>
-            <a:lvl2pPr>
-              <a:defRPr sz="2100"/>
-            </a:lvl2pPr>
-            <a:lvl3pPr>
-              <a:defRPr sz="1800"/>
-            </a:lvl3pPr>
-            <a:lvl4pPr>
-              <a:defRPr sz="1500"/>
-            </a:lvl4pPr>
-            <a:lvl5pPr>
-              <a:defRPr sz="1500"/>
-            </a:lvl5pPr>
-            <a:lvl6pPr>
-              <a:defRPr sz="1500"/>
-            </a:lvl6pPr>
-            <a:lvl7pPr>
-              <a:defRPr sz="1500"/>
-            </a:lvl7pPr>
-            <a:lvl8pPr>
-              <a:defRPr sz="1500"/>
-            </a:lvl8pPr>
-            <a:lvl9pPr>
-              <a:defRPr sz="1500"/>
-            </a:lvl9pPr>
-          </a:lstStyle>
-          <a:p>
-            <a:pPr lvl="0"/>
-            <a:r>
-              <a:rPr lang="pt-BR"/>
-              <a:t>Editar estilos de texto Mestre</a:t>
-            </a:r>
-          </a:p>
-          <a:p>
-            <a:pPr lvl="1"/>
-            <a:r>
-              <a:rPr lang="pt-BR"/>
-              <a:t>Segundo nível</a:t>
-            </a:r>
-          </a:p>
-          <a:p>
-            <a:pPr lvl="2"/>
-            <a:r>
-              <a:rPr lang="pt-BR"/>
-              <a:t>Terceiro nível</a:t>
-            </a:r>
-          </a:p>
-          <a:p>
-            <a:pPr lvl="3"/>
-            <a:r>
-              <a:rPr lang="pt-BR"/>
-              <a:t>Quarto nível</a:t>
-            </a:r>
-          </a:p>
-          <a:p>
-            <a:pPr lvl="4"/>
-            <a:r>
-              <a:rPr lang="pt-BR"/>
-              <a:t>Quinto nível</a:t>
-            </a:r>
-            <a:endParaRPr lang="en-US" dirty="0"/>
-          </a:p>
-        </p:txBody>
-      </p:sp>
-      <p:sp>
-        <p:nvSpPr>
-          <p:cNvPr id="4" name="Text Placeholder 3"/>
-          <p:cNvSpPr>
-            <a:spLocks noGrp="1"/>
-          </p:cNvSpPr>
-          <p:nvPr>
-            <p:ph type="body" sz="half" idx="2"/>
-          </p:nvPr>
-        </p:nvSpPr>
-        <p:spPr>
-          <a:xfrm>
-            <a:off x="629841" y="1543050"/>
-            <a:ext cx="2949178" cy="2858691"/>
-          </a:xfrm>
-        </p:spPr>
-        <p:txBody>
-          <a:bodyPr/>
-          <a:lstStyle>
-            <a:lvl1pPr marL="0" indent="0">
-              <a:buNone/>
-              <a:defRPr sz="1200"/>
-            </a:lvl1pPr>
-            <a:lvl2pPr marL="342900" indent="0">
-              <a:buNone/>
-              <a:defRPr sz="1050"/>
-            </a:lvl2pPr>
-            <a:lvl3pPr marL="685800" indent="0">
-              <a:buNone/>
-              <a:defRPr sz="900"/>
-            </a:lvl3pPr>
-            <a:lvl4pPr marL="1028700" indent="0">
-              <a:buNone/>
-              <a:defRPr sz="750"/>
-            </a:lvl4pPr>
-            <a:lvl5pPr marL="1371600" indent="0">
-              <a:buNone/>
-              <a:defRPr sz="750"/>
-            </a:lvl5pPr>
-            <a:lvl6pPr marL="1714500" indent="0">
-              <a:buNone/>
-              <a:defRPr sz="750"/>
-            </a:lvl6pPr>
-            <a:lvl7pPr marL="2057400" indent="0">
-              <a:buNone/>
-              <a:defRPr sz="750"/>
-            </a:lvl7pPr>
-            <a:lvl8pPr marL="2400300" indent="0">
-              <a:buNone/>
-              <a:defRPr sz="750"/>
-            </a:lvl8pPr>
-            <a:lvl9pPr marL="2743200" indent="0">
-              <a:buNone/>
-              <a:defRPr sz="750"/>
-            </a:lvl9pPr>
-          </a:lstStyle>
-          <a:p>
-            <a:pPr lvl="0"/>
-            <a:r>
-              <a:rPr lang="pt-BR"/>
-              <a:t>Editar estilos de texto Mestre</a:t>
-            </a:r>
-          </a:p>
-        </p:txBody>
-      </p:sp>
-      <p:sp>
-        <p:nvSpPr>
-          <p:cNvPr id="5" name="Date Placeholder 4"/>
-          <p:cNvSpPr>
-            <a:spLocks noGrp="1"/>
-          </p:cNvSpPr>
-          <p:nvPr>
-            <p:ph type="dt" sz="half" idx="10"/>
-          </p:nvPr>
-        </p:nvSpPr>
-        <p:spPr/>
-        <p:txBody>
-          <a:bodyPr/>
-          <a:lstStyle/>
-          <a:p>
-            <a:fld id="{24CD72EA-1FC8-401B-9C9F-E0FC948B9893}" type="datetimeFigureOut">
-              <a:rPr lang="pt-BR" smtClean="0"/>
-              <a:t>11/01/2021</a:t>
-            </a:fld>
-            <a:endParaRPr lang="pt-BR"/>
-          </a:p>
-        </p:txBody>
-      </p:sp>
-      <p:sp>
-        <p:nvSpPr>
-          <p:cNvPr id="6" name="Footer Placeholder 5"/>
-          <p:cNvSpPr>
-            <a:spLocks noGrp="1"/>
-          </p:cNvSpPr>
-          <p:nvPr>
-            <p:ph type="ftr" sz="quarter" idx="11"/>
-          </p:nvPr>
-        </p:nvSpPr>
-        <p:spPr/>
-        <p:txBody>
-          <a:bodyPr/>
-          <a:lstStyle/>
-          <a:p>
-            <a:endParaRPr lang="pt-BR"/>
-          </a:p>
-        </p:txBody>
-      </p:sp>
-      <p:sp>
-        <p:nvSpPr>
-          <p:cNvPr id="7" name="Slide Number Placeholder 6"/>
-          <p:cNvSpPr>
-            <a:spLocks noGrp="1"/>
-          </p:cNvSpPr>
-          <p:nvPr>
-            <p:ph type="sldNum" sz="quarter" idx="12"/>
-          </p:nvPr>
-        </p:nvSpPr>
-        <p:spPr/>
-        <p:txBody>
-          <a:bodyPr/>
-          <a:lstStyle/>
-          <a:p>
-            <a:fld id="{60D150AF-58C0-4E47-99E2-E64D2D61D45C}" type="slidenum">
-              <a:rPr lang="pt-BR" smtClean="0"/>
-              <a:t>‹nº›</a:t>
-            </a:fld>
-            <a:endParaRPr lang="pt-BR"/>
-          </a:p>
-        </p:txBody>
-      </p:sp>
-    </p:spTree>
-    <p:extLst>
-      <p:ext uri="{BB962C8B-B14F-4D97-AF65-F5344CB8AC3E}">
-        <p14:creationId xmlns:p14="http://schemas.microsoft.com/office/powerpoint/2010/main" val="1924771375"/>
-      </p:ext>
-    </p:extLst>
-  </p:cSld>
-  <p:clrMapOvr>
-    <a:masterClrMapping/>
-  </p:clrMapOvr>
-</p:sldLayout>
-</file>
-
-<file path=ppt/slideLayouts/slideLayout31.xml><?xml version="1.0" encoding="utf-8"?>
-<p:sldLayout xmlns:a="http://schemas.openxmlformats.org/drawingml/2006/main" xmlns:r="http://schemas.openxmlformats.org/officeDocument/2006/relationships" xmlns:p="http://schemas.openxmlformats.org/presentationml/2006/main" type="picTx" preserve="1">
-  <p:cSld name="Imagem com Legenda">
-    <p:spTree>
-      <p:nvGrpSpPr>
-        <p:cNvPr id="1" name=""/>
-        <p:cNvGrpSpPr/>
-        <p:nvPr/>
-      </p:nvGrpSpPr>
-      <p:grpSpPr>
-        <a:xfrm>
-          <a:off x="0" y="0"/>
-          <a:ext cx="0" cy="0"/>
-          <a:chOff x="0" y="0"/>
-          <a:chExt cx="0" cy="0"/>
-        </a:xfrm>
-      </p:grpSpPr>
-      <p:sp>
-        <p:nvSpPr>
-          <p:cNvPr id="2" name="Title 1"/>
-          <p:cNvSpPr>
-            <a:spLocks noGrp="1"/>
-          </p:cNvSpPr>
-          <p:nvPr>
-            <p:ph type="title"/>
-          </p:nvPr>
-        </p:nvSpPr>
-        <p:spPr>
-          <a:xfrm>
-            <a:off x="629841" y="342900"/>
-            <a:ext cx="2949178" cy="1200150"/>
-          </a:xfrm>
-        </p:spPr>
-        <p:txBody>
-          <a:bodyPr anchor="b"/>
-          <a:lstStyle>
-            <a:lvl1pPr>
-              <a:defRPr sz="2400"/>
-            </a:lvl1pPr>
-          </a:lstStyle>
-          <a:p>
-            <a:r>
-              <a:rPr lang="pt-BR"/>
-              <a:t>Clique para editar o título Mestre</a:t>
-            </a:r>
-            <a:endParaRPr lang="en-US" dirty="0"/>
-          </a:p>
-        </p:txBody>
-      </p:sp>
-      <p:sp>
-        <p:nvSpPr>
-          <p:cNvPr id="3" name="Picture Placeholder 2"/>
-          <p:cNvSpPr>
-            <a:spLocks noGrp="1" noChangeAspect="1"/>
-          </p:cNvSpPr>
-          <p:nvPr>
-            <p:ph type="pic" idx="1"/>
-          </p:nvPr>
-        </p:nvSpPr>
-        <p:spPr>
-          <a:xfrm>
-            <a:off x="3887391" y="740569"/>
-            <a:ext cx="4629150" cy="3655219"/>
-          </a:xfrm>
-        </p:spPr>
-        <p:txBody>
-          <a:bodyPr anchor="t"/>
-          <a:lstStyle>
-            <a:lvl1pPr marL="0" indent="0">
-              <a:buNone/>
-              <a:defRPr sz="2400"/>
-            </a:lvl1pPr>
-            <a:lvl2pPr marL="342900" indent="0">
-              <a:buNone/>
-              <a:defRPr sz="2100"/>
-            </a:lvl2pPr>
-            <a:lvl3pPr marL="685800" indent="0">
-              <a:buNone/>
-              <a:defRPr sz="1800"/>
-            </a:lvl3pPr>
-            <a:lvl4pPr marL="1028700" indent="0">
-              <a:buNone/>
-              <a:defRPr sz="1500"/>
-            </a:lvl4pPr>
-            <a:lvl5pPr marL="1371600" indent="0">
-              <a:buNone/>
-              <a:defRPr sz="1500"/>
-            </a:lvl5pPr>
-            <a:lvl6pPr marL="1714500" indent="0">
-              <a:buNone/>
-              <a:defRPr sz="1500"/>
-            </a:lvl6pPr>
-            <a:lvl7pPr marL="2057400" indent="0">
-              <a:buNone/>
-              <a:defRPr sz="1500"/>
-            </a:lvl7pPr>
-            <a:lvl8pPr marL="2400300" indent="0">
-              <a:buNone/>
-              <a:defRPr sz="1500"/>
-            </a:lvl8pPr>
-            <a:lvl9pPr marL="2743200" indent="0">
-              <a:buNone/>
-              <a:defRPr sz="1500"/>
-            </a:lvl9pPr>
-          </a:lstStyle>
-          <a:p>
-            <a:r>
-              <a:rPr lang="pt-BR"/>
-              <a:t>Clique no ícone para adicionar uma imagem</a:t>
-            </a:r>
-            <a:endParaRPr lang="en-US" dirty="0"/>
-          </a:p>
-        </p:txBody>
-      </p:sp>
-      <p:sp>
-        <p:nvSpPr>
-          <p:cNvPr id="4" name="Text Placeholder 3"/>
-          <p:cNvSpPr>
-            <a:spLocks noGrp="1"/>
-          </p:cNvSpPr>
-          <p:nvPr>
-            <p:ph type="body" sz="half" idx="2"/>
-          </p:nvPr>
-        </p:nvSpPr>
-        <p:spPr>
-          <a:xfrm>
-            <a:off x="629841" y="1543050"/>
-            <a:ext cx="2949178" cy="2858691"/>
-          </a:xfrm>
-        </p:spPr>
-        <p:txBody>
-          <a:bodyPr/>
-          <a:lstStyle>
-            <a:lvl1pPr marL="0" indent="0">
-              <a:buNone/>
-              <a:defRPr sz="1200"/>
-            </a:lvl1pPr>
-            <a:lvl2pPr marL="342900" indent="0">
-              <a:buNone/>
-              <a:defRPr sz="1050"/>
-            </a:lvl2pPr>
-            <a:lvl3pPr marL="685800" indent="0">
-              <a:buNone/>
-              <a:defRPr sz="900"/>
-            </a:lvl3pPr>
-            <a:lvl4pPr marL="1028700" indent="0">
-              <a:buNone/>
-              <a:defRPr sz="750"/>
-            </a:lvl4pPr>
-            <a:lvl5pPr marL="1371600" indent="0">
-              <a:buNone/>
-              <a:defRPr sz="750"/>
-            </a:lvl5pPr>
-            <a:lvl6pPr marL="1714500" indent="0">
-              <a:buNone/>
-              <a:defRPr sz="750"/>
-            </a:lvl6pPr>
-            <a:lvl7pPr marL="2057400" indent="0">
-              <a:buNone/>
-              <a:defRPr sz="750"/>
-            </a:lvl7pPr>
-            <a:lvl8pPr marL="2400300" indent="0">
-              <a:buNone/>
-              <a:defRPr sz="750"/>
-            </a:lvl8pPr>
-            <a:lvl9pPr marL="2743200" indent="0">
-              <a:buNone/>
-              <a:defRPr sz="750"/>
-            </a:lvl9pPr>
-          </a:lstStyle>
-          <a:p>
-            <a:pPr lvl="0"/>
-            <a:r>
-              <a:rPr lang="pt-BR"/>
-              <a:t>Editar estilos de texto Mestre</a:t>
-            </a:r>
-          </a:p>
-        </p:txBody>
-      </p:sp>
-      <p:sp>
-        <p:nvSpPr>
-          <p:cNvPr id="5" name="Date Placeholder 4"/>
-          <p:cNvSpPr>
-            <a:spLocks noGrp="1"/>
-          </p:cNvSpPr>
-          <p:nvPr>
-            <p:ph type="dt" sz="half" idx="10"/>
-          </p:nvPr>
-        </p:nvSpPr>
-        <p:spPr/>
-        <p:txBody>
-          <a:bodyPr/>
-          <a:lstStyle/>
-          <a:p>
-            <a:fld id="{24CD72EA-1FC8-401B-9C9F-E0FC948B9893}" type="datetimeFigureOut">
-              <a:rPr lang="pt-BR" smtClean="0"/>
-              <a:t>11/01/2021</a:t>
-            </a:fld>
-            <a:endParaRPr lang="pt-BR"/>
-          </a:p>
-        </p:txBody>
-      </p:sp>
-      <p:sp>
-        <p:nvSpPr>
-          <p:cNvPr id="6" name="Footer Placeholder 5"/>
-          <p:cNvSpPr>
-            <a:spLocks noGrp="1"/>
-          </p:cNvSpPr>
-          <p:nvPr>
-            <p:ph type="ftr" sz="quarter" idx="11"/>
-          </p:nvPr>
-        </p:nvSpPr>
-        <p:spPr/>
-        <p:txBody>
-          <a:bodyPr/>
-          <a:lstStyle/>
-          <a:p>
-            <a:endParaRPr lang="pt-BR"/>
-          </a:p>
-        </p:txBody>
-      </p:sp>
-      <p:sp>
-        <p:nvSpPr>
-          <p:cNvPr id="7" name="Slide Number Placeholder 6"/>
-          <p:cNvSpPr>
-            <a:spLocks noGrp="1"/>
-          </p:cNvSpPr>
-          <p:nvPr>
-            <p:ph type="sldNum" sz="quarter" idx="12"/>
-          </p:nvPr>
-        </p:nvSpPr>
-        <p:spPr/>
-        <p:txBody>
-          <a:bodyPr/>
-          <a:lstStyle/>
-          <a:p>
-            <a:fld id="{60D150AF-58C0-4E47-99E2-E64D2D61D45C}" type="slidenum">
-              <a:rPr lang="pt-BR" smtClean="0"/>
-              <a:t>‹nº›</a:t>
-            </a:fld>
-            <a:endParaRPr lang="pt-BR"/>
-          </a:p>
-        </p:txBody>
-      </p:sp>
-    </p:spTree>
-    <p:extLst>
-      <p:ext uri="{BB962C8B-B14F-4D97-AF65-F5344CB8AC3E}">
-        <p14:creationId xmlns:p14="http://schemas.microsoft.com/office/powerpoint/2010/main" val="3205413278"/>
-      </p:ext>
-    </p:extLst>
-  </p:cSld>
-  <p:clrMapOvr>
-    <a:masterClrMapping/>
-  </p:clrMapOvr>
-</p:sldLayout>
-</file>
-
-<file path=ppt/slideLayouts/slideLayout32.xml><?xml version="1.0" encoding="utf-8"?>
-<p:sldLayout xmlns:a="http://schemas.openxmlformats.org/drawingml/2006/main" xmlns:r="http://schemas.openxmlformats.org/officeDocument/2006/relationships" xmlns:p="http://schemas.openxmlformats.org/presentationml/2006/main" type="vertTx" preserve="1">
-  <p:cSld name="Título e Texto Vertical">
-    <p:spTree>
-      <p:nvGrpSpPr>
-        <p:cNvPr id="1" name=""/>
-        <p:cNvGrpSpPr/>
-        <p:nvPr/>
-      </p:nvGrpSpPr>
-      <p:grpSpPr>
-        <a:xfrm>
-          <a:off x="0" y="0"/>
-          <a:ext cx="0" cy="0"/>
-          <a:chOff x="0" y="0"/>
-          <a:chExt cx="0" cy="0"/>
-        </a:xfrm>
-      </p:grpSpPr>
-      <p:sp>
-        <p:nvSpPr>
-          <p:cNvPr id="2" name="Title 1"/>
-          <p:cNvSpPr>
-            <a:spLocks noGrp="1"/>
-          </p:cNvSpPr>
-          <p:nvPr>
-            <p:ph type="title"/>
-          </p:nvPr>
-        </p:nvSpPr>
-        <p:spPr/>
-        <p:txBody>
-          <a:bodyPr/>
-          <a:lstStyle/>
-          <a:p>
-            <a:r>
-              <a:rPr lang="pt-BR"/>
-              <a:t>Clique para editar o título Mestre</a:t>
-            </a:r>
-            <a:endParaRPr lang="en-US" dirty="0"/>
-          </a:p>
-        </p:txBody>
-      </p:sp>
-      <p:sp>
-        <p:nvSpPr>
-          <p:cNvPr id="3" name="Vertical Text Placeholder 2"/>
-          <p:cNvSpPr>
-            <a:spLocks noGrp="1"/>
-          </p:cNvSpPr>
-          <p:nvPr>
-            <p:ph type="body" orient="vert" idx="1"/>
-          </p:nvPr>
-        </p:nvSpPr>
-        <p:spPr/>
-        <p:txBody>
-          <a:bodyPr vert="eaVert"/>
-          <a:lstStyle/>
-          <a:p>
-            <a:pPr lvl="0"/>
-            <a:r>
-              <a:rPr lang="pt-BR"/>
-              <a:t>Editar estilos de texto Mestre</a:t>
-            </a:r>
-          </a:p>
-          <a:p>
-            <a:pPr lvl="1"/>
-            <a:r>
-              <a:rPr lang="pt-BR"/>
-              <a:t>Segundo nível</a:t>
-            </a:r>
-          </a:p>
-          <a:p>
-            <a:pPr lvl="2"/>
-            <a:r>
-              <a:rPr lang="pt-BR"/>
-              <a:t>Terceiro nível</a:t>
-            </a:r>
-          </a:p>
-          <a:p>
-            <a:pPr lvl="3"/>
-            <a:r>
-              <a:rPr lang="pt-BR"/>
-              <a:t>Quarto nível</a:t>
-            </a:r>
-          </a:p>
-          <a:p>
-            <a:pPr lvl="4"/>
-            <a:r>
-              <a:rPr lang="pt-BR"/>
-              <a:t>Quinto nível</a:t>
-            </a:r>
-            <a:endParaRPr lang="en-US" dirty="0"/>
-          </a:p>
-        </p:txBody>
-      </p:sp>
-      <p:sp>
-        <p:nvSpPr>
-          <p:cNvPr id="4" name="Date Placeholder 3"/>
-          <p:cNvSpPr>
-            <a:spLocks noGrp="1"/>
-          </p:cNvSpPr>
-          <p:nvPr>
-            <p:ph type="dt" sz="half" idx="10"/>
-          </p:nvPr>
-        </p:nvSpPr>
-        <p:spPr/>
-        <p:txBody>
-          <a:bodyPr/>
-          <a:lstStyle/>
-          <a:p>
-            <a:fld id="{24CD72EA-1FC8-401B-9C9F-E0FC948B9893}" type="datetimeFigureOut">
-              <a:rPr lang="pt-BR" smtClean="0"/>
-              <a:t>11/01/2021</a:t>
-            </a:fld>
-            <a:endParaRPr lang="pt-BR"/>
-          </a:p>
-        </p:txBody>
-      </p:sp>
-      <p:sp>
-        <p:nvSpPr>
-          <p:cNvPr id="5" name="Footer Placeholder 4"/>
-          <p:cNvSpPr>
-            <a:spLocks noGrp="1"/>
-          </p:cNvSpPr>
-          <p:nvPr>
-            <p:ph type="ftr" sz="quarter" idx="11"/>
-          </p:nvPr>
-        </p:nvSpPr>
-        <p:spPr/>
-        <p:txBody>
-          <a:bodyPr/>
-          <a:lstStyle/>
-          <a:p>
-            <a:endParaRPr lang="pt-BR"/>
-          </a:p>
-        </p:txBody>
-      </p:sp>
-      <p:sp>
-        <p:nvSpPr>
-          <p:cNvPr id="6" name="Slide Number Placeholder 5"/>
-          <p:cNvSpPr>
-            <a:spLocks noGrp="1"/>
-          </p:cNvSpPr>
-          <p:nvPr>
-            <p:ph type="sldNum" sz="quarter" idx="12"/>
-          </p:nvPr>
-        </p:nvSpPr>
-        <p:spPr/>
-        <p:txBody>
-          <a:bodyPr/>
-          <a:lstStyle/>
-          <a:p>
-            <a:fld id="{60D150AF-58C0-4E47-99E2-E64D2D61D45C}" type="slidenum">
-              <a:rPr lang="pt-BR" smtClean="0"/>
-              <a:t>‹nº›</a:t>
-            </a:fld>
-            <a:endParaRPr lang="pt-BR"/>
-          </a:p>
-        </p:txBody>
-      </p:sp>
-    </p:spTree>
-    <p:extLst>
-      <p:ext uri="{BB962C8B-B14F-4D97-AF65-F5344CB8AC3E}">
-        <p14:creationId xmlns:p14="http://schemas.microsoft.com/office/powerpoint/2010/main" val="316862152"/>
-      </p:ext>
-    </p:extLst>
-  </p:cSld>
-  <p:clrMapOvr>
-    <a:masterClrMapping/>
-  </p:clrMapOvr>
-</p:sldLayout>
-</file>
-
-<file path=ppt/slideLayouts/slideLayout33.xml><?xml version="1.0" encoding="utf-8"?>
-<p:sldLayout xmlns:a="http://schemas.openxmlformats.org/drawingml/2006/main" xmlns:r="http://schemas.openxmlformats.org/officeDocument/2006/relationships" xmlns:p="http://schemas.openxmlformats.org/presentationml/2006/main" type="vertTitleAndTx" preserve="1">
-  <p:cSld name="Texto e Título Vertical">
-    <p:spTree>
-      <p:nvGrpSpPr>
-        <p:cNvPr id="1" name=""/>
-        <p:cNvGrpSpPr/>
-        <p:nvPr/>
-      </p:nvGrpSpPr>
-      <p:grpSpPr>
-        <a:xfrm>
-          <a:off x="0" y="0"/>
-          <a:ext cx="0" cy="0"/>
-          <a:chOff x="0" y="0"/>
-          <a:chExt cx="0" cy="0"/>
-        </a:xfrm>
-      </p:grpSpPr>
-      <p:sp>
-        <p:nvSpPr>
-          <p:cNvPr id="2" name="Vertical Title 1"/>
-          <p:cNvSpPr>
-            <a:spLocks noGrp="1"/>
-          </p:cNvSpPr>
-          <p:nvPr>
-            <p:ph type="title" orient="vert"/>
-          </p:nvPr>
-        </p:nvSpPr>
-        <p:spPr>
-          <a:xfrm>
-            <a:off x="6543675" y="273844"/>
-            <a:ext cx="1971675" cy="4358879"/>
-          </a:xfrm>
-        </p:spPr>
-        <p:txBody>
-          <a:bodyPr vert="eaVert"/>
-          <a:lstStyle/>
-          <a:p>
-            <a:r>
-              <a:rPr lang="pt-BR"/>
-              <a:t>Clique para editar o título Mestre</a:t>
-            </a:r>
-            <a:endParaRPr lang="en-US" dirty="0"/>
-          </a:p>
-        </p:txBody>
-      </p:sp>
-      <p:sp>
-        <p:nvSpPr>
-          <p:cNvPr id="3" name="Vertical Text Placeholder 2"/>
-          <p:cNvSpPr>
-            <a:spLocks noGrp="1"/>
-          </p:cNvSpPr>
-          <p:nvPr>
-            <p:ph type="body" orient="vert" idx="1"/>
-          </p:nvPr>
-        </p:nvSpPr>
-        <p:spPr>
-          <a:xfrm>
-            <a:off x="628650" y="273844"/>
-            <a:ext cx="5800725" cy="4358879"/>
-          </a:xfrm>
-        </p:spPr>
-        <p:txBody>
-          <a:bodyPr vert="eaVert"/>
-          <a:lstStyle/>
-          <a:p>
-            <a:pPr lvl="0"/>
-            <a:r>
-              <a:rPr lang="pt-BR"/>
-              <a:t>Editar estilos de texto Mestre</a:t>
-            </a:r>
-          </a:p>
-          <a:p>
-            <a:pPr lvl="1"/>
-            <a:r>
-              <a:rPr lang="pt-BR"/>
-              <a:t>Segundo nível</a:t>
-            </a:r>
-          </a:p>
-          <a:p>
-            <a:pPr lvl="2"/>
-            <a:r>
-              <a:rPr lang="pt-BR"/>
-              <a:t>Terceiro nível</a:t>
-            </a:r>
-          </a:p>
-          <a:p>
-            <a:pPr lvl="3"/>
-            <a:r>
-              <a:rPr lang="pt-BR"/>
-              <a:t>Quarto nível</a:t>
-            </a:r>
-          </a:p>
-          <a:p>
-            <a:pPr lvl="4"/>
-            <a:r>
-              <a:rPr lang="pt-BR"/>
-              <a:t>Quinto nível</a:t>
-            </a:r>
-            <a:endParaRPr lang="en-US" dirty="0"/>
-          </a:p>
-        </p:txBody>
-      </p:sp>
-      <p:sp>
-        <p:nvSpPr>
-          <p:cNvPr id="4" name="Date Placeholder 3"/>
-          <p:cNvSpPr>
-            <a:spLocks noGrp="1"/>
-          </p:cNvSpPr>
-          <p:nvPr>
-            <p:ph type="dt" sz="half" idx="10"/>
-          </p:nvPr>
-        </p:nvSpPr>
-        <p:spPr/>
-        <p:txBody>
-          <a:bodyPr/>
-          <a:lstStyle/>
-          <a:p>
-            <a:fld id="{24CD72EA-1FC8-401B-9C9F-E0FC948B9893}" type="datetimeFigureOut">
-              <a:rPr lang="pt-BR" smtClean="0"/>
-              <a:t>11/01/2021</a:t>
-            </a:fld>
-            <a:endParaRPr lang="pt-BR"/>
-          </a:p>
-        </p:txBody>
-      </p:sp>
-      <p:sp>
-        <p:nvSpPr>
-          <p:cNvPr id="5" name="Footer Placeholder 4"/>
-          <p:cNvSpPr>
-            <a:spLocks noGrp="1"/>
-          </p:cNvSpPr>
-          <p:nvPr>
-            <p:ph type="ftr" sz="quarter" idx="11"/>
-          </p:nvPr>
-        </p:nvSpPr>
-        <p:spPr/>
-        <p:txBody>
-          <a:bodyPr/>
-          <a:lstStyle/>
-          <a:p>
-            <a:endParaRPr lang="pt-BR"/>
-          </a:p>
-        </p:txBody>
-      </p:sp>
-      <p:sp>
-        <p:nvSpPr>
-          <p:cNvPr id="6" name="Slide Number Placeholder 5"/>
-          <p:cNvSpPr>
-            <a:spLocks noGrp="1"/>
-          </p:cNvSpPr>
-          <p:nvPr>
-            <p:ph type="sldNum" sz="quarter" idx="12"/>
-          </p:nvPr>
-        </p:nvSpPr>
-        <p:spPr/>
-        <p:txBody>
-          <a:bodyPr/>
-          <a:lstStyle/>
-          <a:p>
-            <a:fld id="{60D150AF-58C0-4E47-99E2-E64D2D61D45C}" type="slidenum">
-              <a:rPr lang="pt-BR" smtClean="0"/>
-              <a:t>‹nº›</a:t>
-            </a:fld>
-            <a:endParaRPr lang="pt-BR"/>
-          </a:p>
-        </p:txBody>
-      </p:sp>
-    </p:spTree>
-    <p:extLst>
-      <p:ext uri="{BB962C8B-B14F-4D97-AF65-F5344CB8AC3E}">
-        <p14:creationId xmlns:p14="http://schemas.microsoft.com/office/powerpoint/2010/main" val="4147203787"/>
       </p:ext>
     </p:extLst>
   </p:cSld>
@@ -7103,8 +4848,8 @@
         </p:nvSpPr>
         <p:spPr>
           <a:xfrm>
-            <a:off x="628650" y="274384"/>
-            <a:ext cx="7886700" cy="992856"/>
+            <a:off x="628650" y="274638"/>
+            <a:ext cx="7886700" cy="993775"/>
           </a:xfrm>
           <a:prstGeom prst="rect">
             <a:avLst/>
@@ -7139,8 +4884,8 @@
         </p:nvSpPr>
         <p:spPr>
           <a:xfrm>
-            <a:off x="628650" y="1368746"/>
-            <a:ext cx="3867150" cy="3264052"/>
+            <a:off x="628650" y="1370013"/>
+            <a:ext cx="3867150" cy="3267075"/>
           </a:xfrm>
           <a:prstGeom prst="rect">
             <a:avLst/>
@@ -7204,8 +4949,8 @@
         </p:nvSpPr>
         <p:spPr>
           <a:xfrm>
-            <a:off x="4648200" y="1368746"/>
-            <a:ext cx="3867150" cy="3264052"/>
+            <a:off x="4648200" y="1370013"/>
+            <a:ext cx="3867150" cy="3267075"/>
           </a:xfrm>
           <a:prstGeom prst="rect">
             <a:avLst/>
@@ -7269,8 +5014,8 @@
         </p:nvSpPr>
         <p:spPr>
           <a:xfrm>
-            <a:off x="628650" y="4767610"/>
-            <a:ext cx="2057400" cy="272797"/>
+            <a:off x="628650" y="4772025"/>
+            <a:ext cx="2057400" cy="273050"/>
           </a:xfrm>
           <a:prstGeom prst="rect">
             <a:avLst/>
@@ -7282,7 +5027,7 @@
           <a:p>
             <a:fld id="{24CD72EA-1FC8-401B-9C9F-E0FC948B9893}" type="datetimeFigureOut">
               <a:rPr lang="pt-BR" smtClean="0"/>
-              <a:t>11/01/2021</a:t>
+              <a:t>01/02/2021</a:t>
             </a:fld>
             <a:endParaRPr lang="pt-BR"/>
           </a:p>
@@ -7306,8 +5051,8 @@
         </p:nvSpPr>
         <p:spPr>
           <a:xfrm>
-            <a:off x="3028950" y="4767610"/>
-            <a:ext cx="3086100" cy="272797"/>
+            <a:off x="3028950" y="4772025"/>
+            <a:ext cx="3086100" cy="273050"/>
           </a:xfrm>
           <a:prstGeom prst="rect">
             <a:avLst/>
@@ -7339,8 +5084,8 @@
         </p:nvSpPr>
         <p:spPr>
           <a:xfrm>
-            <a:off x="6457950" y="4767610"/>
-            <a:ext cx="2057400" cy="272797"/>
+            <a:off x="6457950" y="4772025"/>
+            <a:ext cx="2057400" cy="273050"/>
           </a:xfrm>
           <a:prstGeom prst="rect">
             <a:avLst/>
@@ -7406,8 +5151,8 @@
         </p:nvSpPr>
         <p:spPr>
           <a:xfrm>
-            <a:off x="630238" y="274384"/>
-            <a:ext cx="7886700" cy="992856"/>
+            <a:off x="630238" y="274638"/>
+            <a:ext cx="7886700" cy="993775"/>
           </a:xfrm>
           <a:prstGeom prst="rect">
             <a:avLst/>
@@ -7442,8 +5187,8 @@
         </p:nvSpPr>
         <p:spPr>
           <a:xfrm>
-            <a:off x="630239" y="1260896"/>
-            <a:ext cx="3868737" cy="618552"/>
+            <a:off x="630238" y="1262063"/>
+            <a:ext cx="3868737" cy="619125"/>
           </a:xfrm>
           <a:prstGeom prst="rect">
             <a:avLst/>
@@ -7516,8 +5261,8 @@
         </p:nvSpPr>
         <p:spPr>
           <a:xfrm>
-            <a:off x="630239" y="1879448"/>
-            <a:ext cx="3868737" cy="2762867"/>
+            <a:off x="630238" y="1881188"/>
+            <a:ext cx="3868737" cy="2765425"/>
           </a:xfrm>
           <a:prstGeom prst="rect">
             <a:avLst/>
@@ -7581,8 +5326,8 @@
         </p:nvSpPr>
         <p:spPr>
           <a:xfrm>
-            <a:off x="4629150" y="1260896"/>
-            <a:ext cx="3887788" cy="618552"/>
+            <a:off x="4629150" y="1262063"/>
+            <a:ext cx="3887788" cy="619125"/>
           </a:xfrm>
           <a:prstGeom prst="rect">
             <a:avLst/>
@@ -7655,8 +5400,8 @@
         </p:nvSpPr>
         <p:spPr>
           <a:xfrm>
-            <a:off x="4629150" y="1879448"/>
-            <a:ext cx="3887788" cy="2762867"/>
+            <a:off x="4629150" y="1881188"/>
+            <a:ext cx="3887788" cy="2765425"/>
           </a:xfrm>
           <a:prstGeom prst="rect">
             <a:avLst/>
@@ -7720,8 +5465,8 @@
         </p:nvSpPr>
         <p:spPr>
           <a:xfrm>
-            <a:off x="628650" y="4767610"/>
-            <a:ext cx="2057400" cy="272797"/>
+            <a:off x="628650" y="4772025"/>
+            <a:ext cx="2057400" cy="273050"/>
           </a:xfrm>
           <a:prstGeom prst="rect">
             <a:avLst/>
@@ -7733,7 +5478,7 @@
           <a:p>
             <a:fld id="{24CD72EA-1FC8-401B-9C9F-E0FC948B9893}" type="datetimeFigureOut">
               <a:rPr lang="pt-BR" smtClean="0"/>
-              <a:t>11/01/2021</a:t>
+              <a:t>01/02/2021</a:t>
             </a:fld>
             <a:endParaRPr lang="pt-BR"/>
           </a:p>
@@ -7757,8 +5502,8 @@
         </p:nvSpPr>
         <p:spPr>
           <a:xfrm>
-            <a:off x="3028950" y="4767610"/>
-            <a:ext cx="3086100" cy="272797"/>
+            <a:off x="3028950" y="4772025"/>
+            <a:ext cx="3086100" cy="273050"/>
           </a:xfrm>
           <a:prstGeom prst="rect">
             <a:avLst/>
@@ -7790,8 +5535,8 @@
         </p:nvSpPr>
         <p:spPr>
           <a:xfrm>
-            <a:off x="6457950" y="4767610"/>
-            <a:ext cx="2057400" cy="272797"/>
+            <a:off x="6457950" y="4772025"/>
+            <a:ext cx="2057400" cy="273050"/>
           </a:xfrm>
           <a:prstGeom prst="rect">
             <a:avLst/>
@@ -7857,8 +5602,8 @@
         </p:nvSpPr>
         <p:spPr>
           <a:xfrm>
-            <a:off x="628650" y="274384"/>
-            <a:ext cx="7886700" cy="992856"/>
+            <a:off x="628650" y="274638"/>
+            <a:ext cx="7886700" cy="993775"/>
           </a:xfrm>
           <a:prstGeom prst="rect">
             <a:avLst/>
@@ -7893,8 +5638,8 @@
         </p:nvSpPr>
         <p:spPr>
           <a:xfrm>
-            <a:off x="628650" y="4767610"/>
-            <a:ext cx="2057400" cy="272797"/>
+            <a:off x="628650" y="4772025"/>
+            <a:ext cx="2057400" cy="273050"/>
           </a:xfrm>
           <a:prstGeom prst="rect">
             <a:avLst/>
@@ -7906,7 +5651,7 @@
           <a:p>
             <a:fld id="{24CD72EA-1FC8-401B-9C9F-E0FC948B9893}" type="datetimeFigureOut">
               <a:rPr lang="pt-BR" smtClean="0"/>
-              <a:t>11/01/2021</a:t>
+              <a:t>01/02/2021</a:t>
             </a:fld>
             <a:endParaRPr lang="pt-BR"/>
           </a:p>
@@ -7930,8 +5675,8 @@
         </p:nvSpPr>
         <p:spPr>
           <a:xfrm>
-            <a:off x="3028950" y="4767610"/>
-            <a:ext cx="3086100" cy="272797"/>
+            <a:off x="3028950" y="4772025"/>
+            <a:ext cx="3086100" cy="273050"/>
           </a:xfrm>
           <a:prstGeom prst="rect">
             <a:avLst/>
@@ -7963,8 +5708,8 @@
         </p:nvSpPr>
         <p:spPr>
           <a:xfrm>
-            <a:off x="6457950" y="4767610"/>
-            <a:ext cx="2057400" cy="272797"/>
+            <a:off x="6457950" y="4772025"/>
+            <a:ext cx="2057400" cy="273050"/>
           </a:xfrm>
           <a:prstGeom prst="rect">
             <a:avLst/>
@@ -8030,8 +5775,8 @@
         </p:nvSpPr>
         <p:spPr>
           <a:xfrm>
-            <a:off x="628650" y="4767610"/>
-            <a:ext cx="2057400" cy="272797"/>
+            <a:off x="628650" y="4772025"/>
+            <a:ext cx="2057400" cy="273050"/>
           </a:xfrm>
           <a:prstGeom prst="rect">
             <a:avLst/>
@@ -8043,7 +5788,7 @@
           <a:p>
             <a:fld id="{24CD72EA-1FC8-401B-9C9F-E0FC948B9893}" type="datetimeFigureOut">
               <a:rPr lang="pt-BR" smtClean="0"/>
-              <a:t>11/01/2021</a:t>
+              <a:t>01/02/2021</a:t>
             </a:fld>
             <a:endParaRPr lang="pt-BR"/>
           </a:p>
@@ -8067,8 +5812,8 @@
         </p:nvSpPr>
         <p:spPr>
           <a:xfrm>
-            <a:off x="3028950" y="4767610"/>
-            <a:ext cx="3086100" cy="272797"/>
+            <a:off x="3028950" y="4772025"/>
+            <a:ext cx="3086100" cy="273050"/>
           </a:xfrm>
           <a:prstGeom prst="rect">
             <a:avLst/>
@@ -8100,8 +5845,8 @@
         </p:nvSpPr>
         <p:spPr>
           <a:xfrm>
-            <a:off x="6457950" y="4767610"/>
-            <a:ext cx="2057400" cy="272797"/>
+            <a:off x="6457950" y="4772025"/>
+            <a:ext cx="2057400" cy="273050"/>
           </a:xfrm>
           <a:prstGeom prst="rect">
             <a:avLst/>
@@ -8167,8 +5912,8 @@
         </p:nvSpPr>
         <p:spPr>
           <a:xfrm>
-            <a:off x="630239" y="342583"/>
-            <a:ext cx="2949575" cy="1200626"/>
+            <a:off x="630238" y="342900"/>
+            <a:ext cx="2949575" cy="1201738"/>
           </a:xfrm>
           <a:prstGeom prst="rect">
             <a:avLst/>
@@ -8207,8 +5952,8 @@
         </p:nvSpPr>
         <p:spPr>
           <a:xfrm>
-            <a:off x="3887788" y="740677"/>
-            <a:ext cx="4629150" cy="3655802"/>
+            <a:off x="3887788" y="741363"/>
+            <a:ext cx="4629150" cy="3659187"/>
           </a:xfrm>
           <a:prstGeom prst="rect">
             <a:avLst/>
@@ -8300,8 +6045,8 @@
         </p:nvSpPr>
         <p:spPr>
           <a:xfrm>
-            <a:off x="630239" y="1543210"/>
-            <a:ext cx="2949575" cy="2858028"/>
+            <a:off x="630238" y="1544638"/>
+            <a:ext cx="2949575" cy="2860675"/>
           </a:xfrm>
           <a:prstGeom prst="rect">
             <a:avLst/>
@@ -8374,8 +6119,8 @@
         </p:nvSpPr>
         <p:spPr>
           <a:xfrm>
-            <a:off x="628650" y="4767610"/>
-            <a:ext cx="2057400" cy="272797"/>
+            <a:off x="628650" y="4772025"/>
+            <a:ext cx="2057400" cy="273050"/>
           </a:xfrm>
           <a:prstGeom prst="rect">
             <a:avLst/>
@@ -8387,7 +6132,7 @@
           <a:p>
             <a:fld id="{24CD72EA-1FC8-401B-9C9F-E0FC948B9893}" type="datetimeFigureOut">
               <a:rPr lang="pt-BR" smtClean="0"/>
-              <a:t>11/01/2021</a:t>
+              <a:t>01/02/2021</a:t>
             </a:fld>
             <a:endParaRPr lang="pt-BR"/>
           </a:p>
@@ -8411,8 +6156,8 @@
         </p:nvSpPr>
         <p:spPr>
           <a:xfrm>
-            <a:off x="3028950" y="4767610"/>
-            <a:ext cx="3086100" cy="272797"/>
+            <a:off x="3028950" y="4772025"/>
+            <a:ext cx="3086100" cy="273050"/>
           </a:xfrm>
           <a:prstGeom prst="rect">
             <a:avLst/>
@@ -8444,8 +6189,8 @@
         </p:nvSpPr>
         <p:spPr>
           <a:xfrm>
-            <a:off x="6457950" y="4767610"/>
-            <a:ext cx="2057400" cy="272797"/>
+            <a:off x="6457950" y="4772025"/>
+            <a:ext cx="2057400" cy="273050"/>
           </a:xfrm>
           <a:prstGeom prst="rect">
             <a:avLst/>
@@ -8511,8 +6256,8 @@
         </p:nvSpPr>
         <p:spPr>
           <a:xfrm>
-            <a:off x="630239" y="342583"/>
-            <a:ext cx="2949575" cy="1200626"/>
+            <a:off x="630238" y="342900"/>
+            <a:ext cx="2949575" cy="1201738"/>
           </a:xfrm>
           <a:prstGeom prst="rect">
             <a:avLst/>
@@ -8551,8 +6296,8 @@
         </p:nvSpPr>
         <p:spPr>
           <a:xfrm>
-            <a:off x="3887788" y="740677"/>
-            <a:ext cx="4629150" cy="3655802"/>
+            <a:off x="3887788" y="741363"/>
+            <a:ext cx="4629150" cy="3659187"/>
           </a:xfrm>
           <a:prstGeom prst="rect">
             <a:avLst/>
@@ -8621,8 +6366,8 @@
         </p:nvSpPr>
         <p:spPr>
           <a:xfrm>
-            <a:off x="630239" y="1543210"/>
-            <a:ext cx="2949575" cy="2858028"/>
+            <a:off x="630238" y="1544638"/>
+            <a:ext cx="2949575" cy="2860675"/>
           </a:xfrm>
           <a:prstGeom prst="rect">
             <a:avLst/>
@@ -8695,8 +6440,8 @@
         </p:nvSpPr>
         <p:spPr>
           <a:xfrm>
-            <a:off x="628650" y="4767610"/>
-            <a:ext cx="2057400" cy="272797"/>
+            <a:off x="628650" y="4772025"/>
+            <a:ext cx="2057400" cy="273050"/>
           </a:xfrm>
           <a:prstGeom prst="rect">
             <a:avLst/>
@@ -8708,7 +6453,7 @@
           <a:p>
             <a:fld id="{24CD72EA-1FC8-401B-9C9F-E0FC948B9893}" type="datetimeFigureOut">
               <a:rPr lang="pt-BR" smtClean="0"/>
-              <a:t>11/01/2021</a:t>
+              <a:t>01/02/2021</a:t>
             </a:fld>
             <a:endParaRPr lang="pt-BR"/>
           </a:p>
@@ -8732,8 +6477,8 @@
         </p:nvSpPr>
         <p:spPr>
           <a:xfrm>
-            <a:off x="3028950" y="4767610"/>
-            <a:ext cx="3086100" cy="272797"/>
+            <a:off x="3028950" y="4772025"/>
+            <a:ext cx="3086100" cy="273050"/>
           </a:xfrm>
           <a:prstGeom prst="rect">
             <a:avLst/>
@@ -8765,8 +6510,8 @@
         </p:nvSpPr>
         <p:spPr>
           <a:xfrm>
-            <a:off x="6457950" y="4767610"/>
-            <a:ext cx="2057400" cy="272797"/>
+            <a:off x="6457950" y="4772025"/>
+            <a:ext cx="2057400" cy="273050"/>
           </a:xfrm>
           <a:prstGeom prst="rect">
             <a:avLst/>
@@ -8841,8 +6586,8 @@
         </p:blipFill>
         <p:spPr>
           <a:xfrm>
-            <a:off x="304980" y="739008"/>
-            <a:ext cx="2046785" cy="2397260"/>
+            <a:off x="304979" y="739692"/>
+            <a:ext cx="2046785" cy="2399480"/>
           </a:xfrm>
           <a:prstGeom prst="rect">
             <a:avLst/>
@@ -8877,8 +6622,8 @@
         </p:blipFill>
         <p:spPr>
           <a:xfrm>
-            <a:off x="6788572" y="2190749"/>
-            <a:ext cx="2017354" cy="2379802"/>
+            <a:off x="6788572" y="2192778"/>
+            <a:ext cx="2017354" cy="2382006"/>
           </a:xfrm>
           <a:prstGeom prst="rect">
             <a:avLst/>
@@ -9515,612 +7260,6 @@
 </p:sldMaster>
 </file>
 
-<file path=ppt/slideMasters/slideMaster3.xml><?xml version="1.0" encoding="utf-8"?>
-<p:sldMaster xmlns:a="http://schemas.openxmlformats.org/drawingml/2006/main" xmlns:r="http://schemas.openxmlformats.org/officeDocument/2006/relationships" xmlns:p="http://schemas.openxmlformats.org/presentationml/2006/main">
-  <p:cSld>
-    <p:bg>
-      <p:bgRef idx="1001">
-        <a:schemeClr val="bg1"/>
-      </p:bgRef>
-    </p:bg>
-    <p:spTree>
-      <p:nvGrpSpPr>
-        <p:cNvPr id="1" name=""/>
-        <p:cNvGrpSpPr/>
-        <p:nvPr/>
-      </p:nvGrpSpPr>
-      <p:grpSpPr>
-        <a:xfrm>
-          <a:off x="0" y="0"/>
-          <a:ext cx="0" cy="0"/>
-          <a:chOff x="0" y="0"/>
-          <a:chExt cx="0" cy="0"/>
-        </a:xfrm>
-      </p:grpSpPr>
-      <p:sp>
-        <p:nvSpPr>
-          <p:cNvPr id="2" name="Title Placeholder 1"/>
-          <p:cNvSpPr>
-            <a:spLocks noGrp="1"/>
-          </p:cNvSpPr>
-          <p:nvPr>
-            <p:ph type="title"/>
-          </p:nvPr>
-        </p:nvSpPr>
-        <p:spPr>
-          <a:xfrm>
-            <a:off x="628650" y="273844"/>
-            <a:ext cx="7886700" cy="994172"/>
-          </a:xfrm>
-          <a:prstGeom prst="rect">
-            <a:avLst/>
-          </a:prstGeom>
-        </p:spPr>
-        <p:txBody>
-          <a:bodyPr vert="horz" lIns="91440" tIns="45720" rIns="91440" bIns="45720" rtlCol="0" anchor="ctr">
-            <a:normAutofit/>
-          </a:bodyPr>
-          <a:lstStyle/>
-          <a:p>
-            <a:r>
-              <a:rPr lang="pt-BR"/>
-              <a:t>Clique para editar o título Mestre</a:t>
-            </a:r>
-            <a:endParaRPr lang="en-US" dirty="0"/>
-          </a:p>
-        </p:txBody>
-      </p:sp>
-      <p:sp>
-        <p:nvSpPr>
-          <p:cNvPr id="3" name="Text Placeholder 2"/>
-          <p:cNvSpPr>
-            <a:spLocks noGrp="1"/>
-          </p:cNvSpPr>
-          <p:nvPr>
-            <p:ph type="body" idx="1"/>
-          </p:nvPr>
-        </p:nvSpPr>
-        <p:spPr>
-          <a:xfrm>
-            <a:off x="628650" y="1369219"/>
-            <a:ext cx="7886700" cy="3263504"/>
-          </a:xfrm>
-          <a:prstGeom prst="rect">
-            <a:avLst/>
-          </a:prstGeom>
-        </p:spPr>
-        <p:txBody>
-          <a:bodyPr vert="horz" lIns="91440" tIns="45720" rIns="91440" bIns="45720" rtlCol="0">
-            <a:normAutofit/>
-          </a:bodyPr>
-          <a:lstStyle/>
-          <a:p>
-            <a:pPr lvl="0"/>
-            <a:r>
-              <a:rPr lang="pt-BR"/>
-              <a:t>Editar estilos de texto Mestre</a:t>
-            </a:r>
-          </a:p>
-          <a:p>
-            <a:pPr lvl="1"/>
-            <a:r>
-              <a:rPr lang="pt-BR"/>
-              <a:t>Segundo nível</a:t>
-            </a:r>
-          </a:p>
-          <a:p>
-            <a:pPr lvl="2"/>
-            <a:r>
-              <a:rPr lang="pt-BR"/>
-              <a:t>Terceiro nível</a:t>
-            </a:r>
-          </a:p>
-          <a:p>
-            <a:pPr lvl="3"/>
-            <a:r>
-              <a:rPr lang="pt-BR"/>
-              <a:t>Quarto nível</a:t>
-            </a:r>
-          </a:p>
-          <a:p>
-            <a:pPr lvl="4"/>
-            <a:r>
-              <a:rPr lang="pt-BR"/>
-              <a:t>Quinto nível</a:t>
-            </a:r>
-            <a:endParaRPr lang="en-US" dirty="0"/>
-          </a:p>
-        </p:txBody>
-      </p:sp>
-      <p:sp>
-        <p:nvSpPr>
-          <p:cNvPr id="4" name="Date Placeholder 3"/>
-          <p:cNvSpPr>
-            <a:spLocks noGrp="1"/>
-          </p:cNvSpPr>
-          <p:nvPr>
-            <p:ph type="dt" sz="half" idx="2"/>
-          </p:nvPr>
-        </p:nvSpPr>
-        <p:spPr>
-          <a:xfrm>
-            <a:off x="628650" y="4767263"/>
-            <a:ext cx="2057400" cy="273844"/>
-          </a:xfrm>
-          <a:prstGeom prst="rect">
-            <a:avLst/>
-          </a:prstGeom>
-        </p:spPr>
-        <p:txBody>
-          <a:bodyPr vert="horz" lIns="91440" tIns="45720" rIns="91440" bIns="45720" rtlCol="0" anchor="ctr"/>
-          <a:lstStyle>
-            <a:lvl1pPr algn="l">
-              <a:defRPr sz="900">
-                <a:solidFill>
-                  <a:schemeClr val="tx1">
-                    <a:tint val="75000"/>
-                  </a:schemeClr>
-                </a:solidFill>
-              </a:defRPr>
-            </a:lvl1pPr>
-          </a:lstStyle>
-          <a:p>
-            <a:fld id="{C764DE79-268F-4C1A-8933-263129D2AF90}" type="datetimeFigureOut">
-              <a:rPr lang="en-US" dirty="0"/>
-              <a:t>1/11/2021</a:t>
-            </a:fld>
-            <a:endParaRPr lang="en-US" dirty="0"/>
-          </a:p>
-        </p:txBody>
-      </p:sp>
-      <p:sp>
-        <p:nvSpPr>
-          <p:cNvPr id="5" name="Footer Placeholder 4"/>
-          <p:cNvSpPr>
-            <a:spLocks noGrp="1"/>
-          </p:cNvSpPr>
-          <p:nvPr>
-            <p:ph type="ftr" sz="quarter" idx="3"/>
-          </p:nvPr>
-        </p:nvSpPr>
-        <p:spPr>
-          <a:xfrm>
-            <a:off x="3028950" y="4767263"/>
-            <a:ext cx="3086100" cy="273844"/>
-          </a:xfrm>
-          <a:prstGeom prst="rect">
-            <a:avLst/>
-          </a:prstGeom>
-        </p:spPr>
-        <p:txBody>
-          <a:bodyPr vert="horz" lIns="91440" tIns="45720" rIns="91440" bIns="45720" rtlCol="0" anchor="ctr"/>
-          <a:lstStyle>
-            <a:lvl1pPr algn="ctr">
-              <a:defRPr sz="900">
-                <a:solidFill>
-                  <a:schemeClr val="tx1">
-                    <a:tint val="75000"/>
-                  </a:schemeClr>
-                </a:solidFill>
-              </a:defRPr>
-            </a:lvl1pPr>
-          </a:lstStyle>
-          <a:p>
-            <a:endParaRPr lang="en-US" dirty="0"/>
-          </a:p>
-        </p:txBody>
-      </p:sp>
-      <p:sp>
-        <p:nvSpPr>
-          <p:cNvPr id="6" name="Slide Number Placeholder 5"/>
-          <p:cNvSpPr>
-            <a:spLocks noGrp="1"/>
-          </p:cNvSpPr>
-          <p:nvPr>
-            <p:ph type="sldNum" sz="quarter" idx="4"/>
-          </p:nvPr>
-        </p:nvSpPr>
-        <p:spPr>
-          <a:xfrm>
-            <a:off x="6457950" y="4767263"/>
-            <a:ext cx="2057400" cy="273844"/>
-          </a:xfrm>
-          <a:prstGeom prst="rect">
-            <a:avLst/>
-          </a:prstGeom>
-        </p:spPr>
-        <p:txBody>
-          <a:bodyPr vert="horz" lIns="91440" tIns="45720" rIns="91440" bIns="45720" rtlCol="0" anchor="ctr"/>
-          <a:lstStyle>
-            <a:lvl1pPr algn="r">
-              <a:defRPr sz="900">
-                <a:solidFill>
-                  <a:schemeClr val="tx1">
-                    <a:tint val="75000"/>
-                  </a:schemeClr>
-                </a:solidFill>
-              </a:defRPr>
-            </a:lvl1pPr>
-          </a:lstStyle>
-          <a:p>
-            <a:fld id="{48F63A3B-78C7-47BE-AE5E-E10140E04643}" type="slidenum">
-              <a:rPr lang="en-US" dirty="0"/>
-              <a:t>‹nº›</a:t>
-            </a:fld>
-            <a:endParaRPr lang="en-US" dirty="0"/>
-          </a:p>
-        </p:txBody>
-      </p:sp>
-      <p:pic>
-        <p:nvPicPr>
-          <p:cNvPr id="7" name="Picture 7">
-            <a:extLst>
-              <a:ext uri="{FF2B5EF4-FFF2-40B4-BE49-F238E27FC236}">
-                <a16:creationId xmlns:a16="http://schemas.microsoft.com/office/drawing/2014/main" id="{802FDC97-055C-4DF3-B10C-F02FD7427B74}"/>
-              </a:ext>
-            </a:extLst>
-          </p:cNvPr>
-          <p:cNvPicPr>
-            <a:picLocks noChangeAspect="1"/>
-          </p:cNvPicPr>
-          <p:nvPr userDrawn="1"/>
-        </p:nvPicPr>
-        <p:blipFill>
-          <a:blip r:embed="rId13"/>
-          <a:stretch>
-            <a:fillRect/>
-          </a:stretch>
-        </p:blipFill>
-        <p:spPr>
-          <a:xfrm>
-            <a:off x="304980" y="739008"/>
-            <a:ext cx="2046785" cy="2397260"/>
-          </a:xfrm>
-          <a:prstGeom prst="rect">
-            <a:avLst/>
-          </a:prstGeom>
-        </p:spPr>
-      </p:pic>
-      <p:pic>
-        <p:nvPicPr>
-          <p:cNvPr id="8" name="Gráfico 7">
-            <a:extLst>
-              <a:ext uri="{FF2B5EF4-FFF2-40B4-BE49-F238E27FC236}">
-                <a16:creationId xmlns:a16="http://schemas.microsoft.com/office/drawing/2014/main" id="{57F95488-A592-471D-9D7B-BC139902FB62}"/>
-              </a:ext>
-            </a:extLst>
-          </p:cNvPr>
-          <p:cNvPicPr>
-            <a:picLocks noChangeAspect="1"/>
-          </p:cNvPicPr>
-          <p:nvPr userDrawn="1"/>
-        </p:nvPicPr>
-        <p:blipFill>
-          <a:blip r:embed="rId14">
-            <a:extLst>
-              <a:ext uri="{96DAC541-7B7A-43D3-8B79-37D633B846F1}">
-                <asvg:svgBlip xmlns:asvg="http://schemas.microsoft.com/office/drawing/2016/SVG/main" r:embed="rId15"/>
-              </a:ext>
-            </a:extLst>
-          </a:blip>
-          <a:stretch>
-            <a:fillRect/>
-          </a:stretch>
-        </p:blipFill>
-        <p:spPr>
-          <a:xfrm>
-            <a:off x="6788572" y="2190749"/>
-            <a:ext cx="2017354" cy="2379802"/>
-          </a:xfrm>
-          <a:prstGeom prst="rect">
-            <a:avLst/>
-          </a:prstGeom>
-        </p:spPr>
-      </p:pic>
-    </p:spTree>
-    <p:extLst>
-      <p:ext uri="{BB962C8B-B14F-4D97-AF65-F5344CB8AC3E}">
-        <p14:creationId xmlns:p14="http://schemas.microsoft.com/office/powerpoint/2010/main" val="2761848280"/>
-      </p:ext>
-    </p:extLst>
-  </p:cSld>
-  <p:clrMap bg1="lt1" tx1="dk1" bg2="lt2" tx2="dk2" accent1="accent1" accent2="accent2" accent3="accent3" accent4="accent4" accent5="accent5" accent6="accent6" hlink="hlink" folHlink="folHlink"/>
-  <p:sldLayoutIdLst>
-    <p:sldLayoutId id="2147483699" r:id="rId1"/>
-    <p:sldLayoutId id="2147483700" r:id="rId2"/>
-    <p:sldLayoutId id="2147483701" r:id="rId3"/>
-    <p:sldLayoutId id="2147483702" r:id="rId4"/>
-    <p:sldLayoutId id="2147483703" r:id="rId5"/>
-    <p:sldLayoutId id="2147483704" r:id="rId6"/>
-    <p:sldLayoutId id="2147483705" r:id="rId7"/>
-    <p:sldLayoutId id="2147483706" r:id="rId8"/>
-    <p:sldLayoutId id="2147483707" r:id="rId9"/>
-    <p:sldLayoutId id="2147483708" r:id="rId10"/>
-    <p:sldLayoutId id="2147483709" r:id="rId11"/>
-  </p:sldLayoutIdLst>
-  <p:txStyles>
-    <p:titleStyle>
-      <a:lvl1pPr algn="l" defTabSz="685800" rtl="0" eaLnBrk="1" latinLnBrk="0" hangingPunct="1">
-        <a:lnSpc>
-          <a:spcPct val="90000"/>
-        </a:lnSpc>
-        <a:spcBef>
-          <a:spcPct val="0"/>
-        </a:spcBef>
-        <a:buNone/>
-        <a:defRPr sz="3300" kern="1200">
-          <a:solidFill>
-            <a:schemeClr val="tx1"/>
-          </a:solidFill>
-          <a:latin typeface="+mj-lt"/>
-          <a:ea typeface="+mj-ea"/>
-          <a:cs typeface="+mj-cs"/>
-        </a:defRPr>
-      </a:lvl1pPr>
-    </p:titleStyle>
-    <p:bodyStyle>
-      <a:lvl1pPr marL="171450" indent="-171450" algn="l" defTabSz="685800" rtl="0" eaLnBrk="1" latinLnBrk="0" hangingPunct="1">
-        <a:lnSpc>
-          <a:spcPct val="90000"/>
-        </a:lnSpc>
-        <a:spcBef>
-          <a:spcPts val="750"/>
-        </a:spcBef>
-        <a:buFont typeface="Arial" panose="020B0604020202020204" pitchFamily="34" charset="0"/>
-        <a:buChar char="•"/>
-        <a:defRPr sz="2100" kern="1200">
-          <a:solidFill>
-            <a:schemeClr val="tx1"/>
-          </a:solidFill>
-          <a:latin typeface="+mn-lt"/>
-          <a:ea typeface="+mn-ea"/>
-          <a:cs typeface="+mn-cs"/>
-        </a:defRPr>
-      </a:lvl1pPr>
-      <a:lvl2pPr marL="514350" indent="-171450" algn="l" defTabSz="685800" rtl="0" eaLnBrk="1" latinLnBrk="0" hangingPunct="1">
-        <a:lnSpc>
-          <a:spcPct val="90000"/>
-        </a:lnSpc>
-        <a:spcBef>
-          <a:spcPts val="375"/>
-        </a:spcBef>
-        <a:buFont typeface="Arial" panose="020B0604020202020204" pitchFamily="34" charset="0"/>
-        <a:buChar char="•"/>
-        <a:defRPr sz="1800" kern="1200">
-          <a:solidFill>
-            <a:schemeClr val="tx1"/>
-          </a:solidFill>
-          <a:latin typeface="+mn-lt"/>
-          <a:ea typeface="+mn-ea"/>
-          <a:cs typeface="+mn-cs"/>
-        </a:defRPr>
-      </a:lvl2pPr>
-      <a:lvl3pPr marL="857250" indent="-171450" algn="l" defTabSz="685800" rtl="0" eaLnBrk="1" latinLnBrk="0" hangingPunct="1">
-        <a:lnSpc>
-          <a:spcPct val="90000"/>
-        </a:lnSpc>
-        <a:spcBef>
-          <a:spcPts val="375"/>
-        </a:spcBef>
-        <a:buFont typeface="Arial" panose="020B0604020202020204" pitchFamily="34" charset="0"/>
-        <a:buChar char="•"/>
-        <a:defRPr sz="1500" kern="1200">
-          <a:solidFill>
-            <a:schemeClr val="tx1"/>
-          </a:solidFill>
-          <a:latin typeface="+mn-lt"/>
-          <a:ea typeface="+mn-ea"/>
-          <a:cs typeface="+mn-cs"/>
-        </a:defRPr>
-      </a:lvl3pPr>
-      <a:lvl4pPr marL="1200150" indent="-171450" algn="l" defTabSz="685800" rtl="0" eaLnBrk="1" latinLnBrk="0" hangingPunct="1">
-        <a:lnSpc>
-          <a:spcPct val="90000"/>
-        </a:lnSpc>
-        <a:spcBef>
-          <a:spcPts val="375"/>
-        </a:spcBef>
-        <a:buFont typeface="Arial" panose="020B0604020202020204" pitchFamily="34" charset="0"/>
-        <a:buChar char="•"/>
-        <a:defRPr sz="1350" kern="1200">
-          <a:solidFill>
-            <a:schemeClr val="tx1"/>
-          </a:solidFill>
-          <a:latin typeface="+mn-lt"/>
-          <a:ea typeface="+mn-ea"/>
-          <a:cs typeface="+mn-cs"/>
-        </a:defRPr>
-      </a:lvl4pPr>
-      <a:lvl5pPr marL="1543050" indent="-171450" algn="l" defTabSz="685800" rtl="0" eaLnBrk="1" latinLnBrk="0" hangingPunct="1">
-        <a:lnSpc>
-          <a:spcPct val="90000"/>
-        </a:lnSpc>
-        <a:spcBef>
-          <a:spcPts val="375"/>
-        </a:spcBef>
-        <a:buFont typeface="Arial" panose="020B0604020202020204" pitchFamily="34" charset="0"/>
-        <a:buChar char="•"/>
-        <a:defRPr sz="1350" kern="1200">
-          <a:solidFill>
-            <a:schemeClr val="tx1"/>
-          </a:solidFill>
-          <a:latin typeface="+mn-lt"/>
-          <a:ea typeface="+mn-ea"/>
-          <a:cs typeface="+mn-cs"/>
-        </a:defRPr>
-      </a:lvl5pPr>
-      <a:lvl6pPr marL="1885950" indent="-171450" algn="l" defTabSz="685800" rtl="0" eaLnBrk="1" latinLnBrk="0" hangingPunct="1">
-        <a:lnSpc>
-          <a:spcPct val="90000"/>
-        </a:lnSpc>
-        <a:spcBef>
-          <a:spcPts val="375"/>
-        </a:spcBef>
-        <a:buFont typeface="Arial" panose="020B0604020202020204" pitchFamily="34" charset="0"/>
-        <a:buChar char="•"/>
-        <a:defRPr sz="1350" kern="1200">
-          <a:solidFill>
-            <a:schemeClr val="tx1"/>
-          </a:solidFill>
-          <a:latin typeface="+mn-lt"/>
-          <a:ea typeface="+mn-ea"/>
-          <a:cs typeface="+mn-cs"/>
-        </a:defRPr>
-      </a:lvl6pPr>
-      <a:lvl7pPr marL="2228850" indent="-171450" algn="l" defTabSz="685800" rtl="0" eaLnBrk="1" latinLnBrk="0" hangingPunct="1">
-        <a:lnSpc>
-          <a:spcPct val="90000"/>
-        </a:lnSpc>
-        <a:spcBef>
-          <a:spcPts val="375"/>
-        </a:spcBef>
-        <a:buFont typeface="Arial" panose="020B0604020202020204" pitchFamily="34" charset="0"/>
-        <a:buChar char="•"/>
-        <a:defRPr sz="1350" kern="1200">
-          <a:solidFill>
-            <a:schemeClr val="tx1"/>
-          </a:solidFill>
-          <a:latin typeface="+mn-lt"/>
-          <a:ea typeface="+mn-ea"/>
-          <a:cs typeface="+mn-cs"/>
-        </a:defRPr>
-      </a:lvl7pPr>
-      <a:lvl8pPr marL="2571750" indent="-171450" algn="l" defTabSz="685800" rtl="0" eaLnBrk="1" latinLnBrk="0" hangingPunct="1">
-        <a:lnSpc>
-          <a:spcPct val="90000"/>
-        </a:lnSpc>
-        <a:spcBef>
-          <a:spcPts val="375"/>
-        </a:spcBef>
-        <a:buFont typeface="Arial" panose="020B0604020202020204" pitchFamily="34" charset="0"/>
-        <a:buChar char="•"/>
-        <a:defRPr sz="1350" kern="1200">
-          <a:solidFill>
-            <a:schemeClr val="tx1"/>
-          </a:solidFill>
-          <a:latin typeface="+mn-lt"/>
-          <a:ea typeface="+mn-ea"/>
-          <a:cs typeface="+mn-cs"/>
-        </a:defRPr>
-      </a:lvl8pPr>
-      <a:lvl9pPr marL="2914650" indent="-171450" algn="l" defTabSz="685800" rtl="0" eaLnBrk="1" latinLnBrk="0" hangingPunct="1">
-        <a:lnSpc>
-          <a:spcPct val="90000"/>
-        </a:lnSpc>
-        <a:spcBef>
-          <a:spcPts val="375"/>
-        </a:spcBef>
-        <a:buFont typeface="Arial" panose="020B0604020202020204" pitchFamily="34" charset="0"/>
-        <a:buChar char="•"/>
-        <a:defRPr sz="1350" kern="1200">
-          <a:solidFill>
-            <a:schemeClr val="tx1"/>
-          </a:solidFill>
-          <a:latin typeface="+mn-lt"/>
-          <a:ea typeface="+mn-ea"/>
-          <a:cs typeface="+mn-cs"/>
-        </a:defRPr>
-      </a:lvl9pPr>
-    </p:bodyStyle>
-    <p:otherStyle>
-      <a:defPPr>
-        <a:defRPr lang="en-US"/>
-      </a:defPPr>
-      <a:lvl1pPr marL="0" algn="l" defTabSz="685800" rtl="0" eaLnBrk="1" latinLnBrk="0" hangingPunct="1">
-        <a:defRPr sz="1350" kern="1200">
-          <a:solidFill>
-            <a:schemeClr val="tx1"/>
-          </a:solidFill>
-          <a:latin typeface="+mn-lt"/>
-          <a:ea typeface="+mn-ea"/>
-          <a:cs typeface="+mn-cs"/>
-        </a:defRPr>
-      </a:lvl1pPr>
-      <a:lvl2pPr marL="342900" algn="l" defTabSz="685800" rtl="0" eaLnBrk="1" latinLnBrk="0" hangingPunct="1">
-        <a:defRPr sz="1350" kern="1200">
-          <a:solidFill>
-            <a:schemeClr val="tx1"/>
-          </a:solidFill>
-          <a:latin typeface="+mn-lt"/>
-          <a:ea typeface="+mn-ea"/>
-          <a:cs typeface="+mn-cs"/>
-        </a:defRPr>
-      </a:lvl2pPr>
-      <a:lvl3pPr marL="685800" algn="l" defTabSz="685800" rtl="0" eaLnBrk="1" latinLnBrk="0" hangingPunct="1">
-        <a:defRPr sz="1350" kern="1200">
-          <a:solidFill>
-            <a:schemeClr val="tx1"/>
-          </a:solidFill>
-          <a:latin typeface="+mn-lt"/>
-          <a:ea typeface="+mn-ea"/>
-          <a:cs typeface="+mn-cs"/>
-        </a:defRPr>
-      </a:lvl3pPr>
-      <a:lvl4pPr marL="1028700" algn="l" defTabSz="685800" rtl="0" eaLnBrk="1" latinLnBrk="0" hangingPunct="1">
-        <a:defRPr sz="1350" kern="1200">
-          <a:solidFill>
-            <a:schemeClr val="tx1"/>
-          </a:solidFill>
-          <a:latin typeface="+mn-lt"/>
-          <a:ea typeface="+mn-ea"/>
-          <a:cs typeface="+mn-cs"/>
-        </a:defRPr>
-      </a:lvl4pPr>
-      <a:lvl5pPr marL="1371600" algn="l" defTabSz="685800" rtl="0" eaLnBrk="1" latinLnBrk="0" hangingPunct="1">
-        <a:defRPr sz="1350" kern="1200">
-          <a:solidFill>
-            <a:schemeClr val="tx1"/>
-          </a:solidFill>
-          <a:latin typeface="+mn-lt"/>
-          <a:ea typeface="+mn-ea"/>
-          <a:cs typeface="+mn-cs"/>
-        </a:defRPr>
-      </a:lvl5pPr>
-      <a:lvl6pPr marL="1714500" algn="l" defTabSz="685800" rtl="0" eaLnBrk="1" latinLnBrk="0" hangingPunct="1">
-        <a:defRPr sz="1350" kern="1200">
-          <a:solidFill>
-            <a:schemeClr val="tx1"/>
-          </a:solidFill>
-          <a:latin typeface="+mn-lt"/>
-          <a:ea typeface="+mn-ea"/>
-          <a:cs typeface="+mn-cs"/>
-        </a:defRPr>
-      </a:lvl6pPr>
-      <a:lvl7pPr marL="2057400" algn="l" defTabSz="685800" rtl="0" eaLnBrk="1" latinLnBrk="0" hangingPunct="1">
-        <a:defRPr sz="1350" kern="1200">
-          <a:solidFill>
-            <a:schemeClr val="tx1"/>
-          </a:solidFill>
-          <a:latin typeface="+mn-lt"/>
-          <a:ea typeface="+mn-ea"/>
-          <a:cs typeface="+mn-cs"/>
-        </a:defRPr>
-      </a:lvl7pPr>
-      <a:lvl8pPr marL="2400300" algn="l" defTabSz="685800" rtl="0" eaLnBrk="1" latinLnBrk="0" hangingPunct="1">
-        <a:defRPr sz="1350" kern="1200">
-          <a:solidFill>
-            <a:schemeClr val="tx1"/>
-          </a:solidFill>
-          <a:latin typeface="+mn-lt"/>
-          <a:ea typeface="+mn-ea"/>
-          <a:cs typeface="+mn-cs"/>
-        </a:defRPr>
-      </a:lvl8pPr>
-      <a:lvl9pPr marL="2743200" algn="l" defTabSz="685800" rtl="0" eaLnBrk="1" latinLnBrk="0" hangingPunct="1">
-        <a:defRPr sz="1350" kern="1200">
-          <a:solidFill>
-            <a:schemeClr val="tx1"/>
-          </a:solidFill>
-          <a:latin typeface="+mn-lt"/>
-          <a:ea typeface="+mn-ea"/>
-          <a:cs typeface="+mn-cs"/>
-        </a:defRPr>
-      </a:lvl9pPr>
-    </p:otherStyle>
-  </p:txStyles>
-</p:sldMaster>
-</file>
-
 <file path=ppt/slides/slide1.xml><?xml version="1.0" encoding="utf-8"?>
 <p:sld xmlns:a="http://schemas.openxmlformats.org/drawingml/2006/main" xmlns:r="http://schemas.openxmlformats.org/officeDocument/2006/relationships" xmlns:p="http://schemas.openxmlformats.org/presentationml/2006/main">
   <p:cSld>
@@ -10140,195 +7279,60 @@
       </p:grpSpPr>
       <p:sp>
         <p:nvSpPr>
-          <p:cNvPr id="10" name="Rectangle 3"/>
-          <p:cNvSpPr txBox="1">
-            <a:spLocks noChangeArrowheads="1"/>
-          </p:cNvSpPr>
+          <p:cNvPr id="7" name="TextBox 3">
+            <a:extLst>
+              <a:ext uri="{FF2B5EF4-FFF2-40B4-BE49-F238E27FC236}">
+                <a16:creationId xmlns:a16="http://schemas.microsoft.com/office/drawing/2014/main" id="{D78E269D-4E7A-43A5-AA80-F361297CA879}"/>
+              </a:ext>
+            </a:extLst>
+          </p:cNvPr>
+          <p:cNvSpPr txBox="1"/>
           <p:nvPr/>
         </p:nvSpPr>
         <p:spPr>
           <a:xfrm>
-            <a:off x="939416" y="1168044"/>
-            <a:ext cx="2051225" cy="1101249"/>
-          </a:xfrm>
-          <a:prstGeom prst="rect">
-            <a:avLst/>
-          </a:prstGeom>
-        </p:spPr>
-        <p:txBody>
-          <a:bodyPr vert="horz" lIns="68580" tIns="34290" rIns="68580" bIns="34290" rtlCol="0">
-            <a:noAutofit/>
+            <a:off x="939415" y="1084973"/>
+            <a:ext cx="6905173" cy="1159468"/>
+          </a:xfrm>
+          <a:prstGeom prst="rect">
+            <a:avLst/>
+          </a:prstGeom>
+          <a:noFill/>
+        </p:spPr>
+        <p:txBody>
+          <a:bodyPr wrap="square" tIns="35100" rtlCol="0">
+            <a:spAutoFit/>
           </a:bodyPr>
-          <a:lstStyle>
-            <a:lvl1pPr marL="342900" indent="-342900" algn="l" defTabSz="457200" rtl="0" eaLnBrk="1" latinLnBrk="0" hangingPunct="1">
-              <a:spcBef>
-                <a:spcPct val="20000"/>
-              </a:spcBef>
-              <a:buFont typeface="Arial"/>
-              <a:buChar char="•"/>
-              <a:defRPr sz="3200" kern="1200">
-                <a:solidFill>
-                  <a:schemeClr val="tx1"/>
-                </a:solidFill>
-                <a:latin typeface="+mn-lt"/>
-                <a:ea typeface="+mn-ea"/>
-                <a:cs typeface="+mn-cs"/>
-              </a:defRPr>
-            </a:lvl1pPr>
-            <a:lvl2pPr marL="742950" indent="-285750" algn="l" defTabSz="457200" rtl="0" eaLnBrk="1" latinLnBrk="0" hangingPunct="1">
-              <a:spcBef>
-                <a:spcPct val="20000"/>
-              </a:spcBef>
-              <a:buFont typeface="Arial"/>
-              <a:buChar char="–"/>
-              <a:defRPr sz="2800" kern="1200">
-                <a:solidFill>
-                  <a:schemeClr val="tx1"/>
-                </a:solidFill>
-                <a:latin typeface="+mn-lt"/>
-                <a:ea typeface="+mn-ea"/>
-                <a:cs typeface="+mn-cs"/>
-              </a:defRPr>
-            </a:lvl2pPr>
-            <a:lvl3pPr marL="1143000" indent="-228600" algn="l" defTabSz="457200" rtl="0" eaLnBrk="1" latinLnBrk="0" hangingPunct="1">
-              <a:spcBef>
-                <a:spcPct val="20000"/>
-              </a:spcBef>
-              <a:buFont typeface="Arial"/>
-              <a:buChar char="•"/>
-              <a:defRPr sz="2400" kern="1200">
-                <a:solidFill>
-                  <a:schemeClr val="tx1"/>
-                </a:solidFill>
-                <a:latin typeface="+mn-lt"/>
-                <a:ea typeface="+mn-ea"/>
-                <a:cs typeface="+mn-cs"/>
-              </a:defRPr>
-            </a:lvl3pPr>
-            <a:lvl4pPr marL="1600200" indent="-228600" algn="l" defTabSz="457200" rtl="0" eaLnBrk="1" latinLnBrk="0" hangingPunct="1">
-              <a:spcBef>
-                <a:spcPct val="20000"/>
-              </a:spcBef>
-              <a:buFont typeface="Arial"/>
-              <a:buChar char="–"/>
-              <a:defRPr sz="2000" kern="1200">
-                <a:solidFill>
-                  <a:schemeClr val="tx1"/>
-                </a:solidFill>
-                <a:latin typeface="+mn-lt"/>
-                <a:ea typeface="+mn-ea"/>
-                <a:cs typeface="+mn-cs"/>
-              </a:defRPr>
-            </a:lvl4pPr>
-            <a:lvl5pPr marL="2057400" indent="-228600" algn="l" defTabSz="457200" rtl="0" eaLnBrk="1" latinLnBrk="0" hangingPunct="1">
-              <a:spcBef>
-                <a:spcPct val="20000"/>
-              </a:spcBef>
-              <a:buFont typeface="Arial"/>
-              <a:buChar char="»"/>
-              <a:defRPr sz="2000" kern="1200">
-                <a:solidFill>
-                  <a:schemeClr val="tx1"/>
-                </a:solidFill>
-                <a:latin typeface="+mn-lt"/>
-                <a:ea typeface="+mn-ea"/>
-                <a:cs typeface="+mn-cs"/>
-              </a:defRPr>
-            </a:lvl5pPr>
-            <a:lvl6pPr marL="2514600" indent="-228600" algn="l" defTabSz="457200" rtl="0" eaLnBrk="1" latinLnBrk="0" hangingPunct="1">
-              <a:spcBef>
-                <a:spcPct val="20000"/>
-              </a:spcBef>
-              <a:buFont typeface="Arial"/>
-              <a:buChar char="•"/>
-              <a:defRPr sz="2000" kern="1200">
-                <a:solidFill>
-                  <a:schemeClr val="tx1"/>
-                </a:solidFill>
-                <a:latin typeface="+mn-lt"/>
-                <a:ea typeface="+mn-ea"/>
-                <a:cs typeface="+mn-cs"/>
-              </a:defRPr>
-            </a:lvl6pPr>
-            <a:lvl7pPr marL="2971800" indent="-228600" algn="l" defTabSz="457200" rtl="0" eaLnBrk="1" latinLnBrk="0" hangingPunct="1">
-              <a:spcBef>
-                <a:spcPct val="20000"/>
-              </a:spcBef>
-              <a:buFont typeface="Arial"/>
-              <a:buChar char="•"/>
-              <a:defRPr sz="2000" kern="1200">
-                <a:solidFill>
-                  <a:schemeClr val="tx1"/>
-                </a:solidFill>
-                <a:latin typeface="+mn-lt"/>
-                <a:ea typeface="+mn-ea"/>
-                <a:cs typeface="+mn-cs"/>
-              </a:defRPr>
-            </a:lvl7pPr>
-            <a:lvl8pPr marL="3429000" indent="-228600" algn="l" defTabSz="457200" rtl="0" eaLnBrk="1" latinLnBrk="0" hangingPunct="1">
-              <a:spcBef>
-                <a:spcPct val="20000"/>
-              </a:spcBef>
-              <a:buFont typeface="Arial"/>
-              <a:buChar char="•"/>
-              <a:defRPr sz="2000" kern="1200">
-                <a:solidFill>
-                  <a:schemeClr val="tx1"/>
-                </a:solidFill>
-                <a:latin typeface="+mn-lt"/>
-                <a:ea typeface="+mn-ea"/>
-                <a:cs typeface="+mn-cs"/>
-              </a:defRPr>
-            </a:lvl8pPr>
-            <a:lvl9pPr marL="3886200" indent="-228600" algn="l" defTabSz="457200" rtl="0" eaLnBrk="1" latinLnBrk="0" hangingPunct="1">
-              <a:spcBef>
-                <a:spcPct val="20000"/>
-              </a:spcBef>
-              <a:buFont typeface="Arial"/>
-              <a:buChar char="•"/>
-              <a:defRPr sz="2000" kern="1200">
-                <a:solidFill>
-                  <a:schemeClr val="tx1"/>
-                </a:solidFill>
-                <a:latin typeface="+mn-lt"/>
-                <a:ea typeface="+mn-ea"/>
-                <a:cs typeface="+mn-cs"/>
-              </a:defRPr>
-            </a:lvl9pPr>
-          </a:lstStyle>
-          <a:p>
-            <a:pPr marL="0" indent="8335">
+          <a:lstStyle/>
+          <a:p>
+            <a:pPr algn="just">
               <a:lnSpc>
                 <a:spcPct val="150000"/>
               </a:lnSpc>
-              <a:spcBef>
-                <a:spcPts val="0"/>
-              </a:spcBef>
-              <a:buNone/>
+              <a:defRPr/>
             </a:pPr>
             <a:r>
-              <a:rPr lang="pt-BR" altLang="pt-BR" sz="1400" dirty="0">
+              <a:rPr lang="pt-BR" sz="975" dirty="0">
                 <a:solidFill>
                   <a:schemeClr val="tx1">
                     <a:lumMod val="65000"/>
                     <a:lumOff val="35000"/>
                   </a:schemeClr>
                 </a:solidFill>
-                <a:latin typeface="Gotham HTF Light" pitchFamily="50" charset="0"/>
+                <a:latin typeface="Gotham HTF Medium" pitchFamily="50" charset="0"/>
               </a:rPr>
-              <a:t>O contexto é um gerenciamento de contas bancárias, monte um novo projeto chamado “</a:t>
-            </a:r>
-            <a:r>
-              <a:rPr lang="pt-BR" altLang="pt-BR" sz="1400" dirty="0" err="1">
-                <a:solidFill>
-                  <a:srgbClr val="ED145B"/>
-                </a:solidFill>
-                <a:latin typeface="Gotham HTF Light" pitchFamily="50" charset="0"/>
-              </a:rPr>
-              <a:t>bankofoz</a:t>
-            </a:r>
-            <a:r>
-              <a:rPr lang="pt-BR" altLang="pt-BR" sz="1400" dirty="0">
+              <a:t>Prática</a:t>
+            </a:r>
+          </a:p>
+          <a:p>
+            <a:pPr algn="just">
+              <a:lnSpc>
+                <a:spcPct val="150000"/>
+              </a:lnSpc>
+              <a:defRPr/>
+            </a:pPr>
+            <a:r>
+              <a:rPr lang="pt-BR" sz="975" dirty="0">
                 <a:solidFill>
                   <a:schemeClr val="tx1">
                     <a:lumMod val="65000"/>
@@ -10337,19 +7341,10 @@
                 </a:solidFill>
                 <a:latin typeface="Gotham HTF Light" pitchFamily="50" charset="0"/>
               </a:rPr>
-              <a:t>”, monte os pacotes (</a:t>
-            </a:r>
-            <a:r>
-              <a:rPr lang="pt-BR" altLang="pt-BR" sz="1400" dirty="0" err="1">
-                <a:solidFill>
-                  <a:srgbClr val="ED145B"/>
-                </a:solidFill>
-                <a:latin typeface="Gotham HTF Light" pitchFamily="50" charset="0"/>
-              </a:rPr>
-              <a:t>beans</a:t>
-            </a:r>
-            <a:r>
-              <a:rPr lang="pt-BR" altLang="pt-BR" sz="1400" dirty="0">
+              <a:t>Inicie um novo projeto chamado </a:t>
+            </a:r>
+            <a:r>
+              <a:rPr lang="pt-BR" sz="975" dirty="0" err="1">
                 <a:solidFill>
                   <a:schemeClr val="tx1">
                     <a:lumMod val="65000"/>
@@ -10358,19 +7353,10 @@
                 </a:solidFill>
                 <a:latin typeface="Gotham HTF Light" pitchFamily="50" charset="0"/>
               </a:rPr>
-              <a:t>, </a:t>
-            </a:r>
-            <a:r>
-              <a:rPr lang="pt-BR" altLang="pt-BR" sz="1400" dirty="0">
-                <a:solidFill>
-                  <a:srgbClr val="ED145B"/>
-                </a:solidFill>
-                <a:latin typeface="Gotham HTF Light" pitchFamily="50" charset="0"/>
-              </a:rPr>
-              <a:t>interfaces</a:t>
-            </a:r>
-            <a:r>
-              <a:rPr lang="pt-BR" altLang="pt-BR" sz="1400" dirty="0">
+              <a:t>heranca</a:t>
+            </a:r>
+            <a:r>
+              <a:rPr lang="pt-BR" sz="975" dirty="0">
                 <a:solidFill>
                   <a:schemeClr val="tx1">
                     <a:lumMod val="65000"/>
@@ -10379,19 +7365,10 @@
                 </a:solidFill>
                 <a:latin typeface="Gotham HTF Light" pitchFamily="50" charset="0"/>
               </a:rPr>
-              <a:t>, </a:t>
-            </a:r>
-            <a:r>
-              <a:rPr lang="pt-BR" altLang="pt-BR" sz="1400" dirty="0" err="1">
-                <a:solidFill>
-                  <a:srgbClr val="ED145B"/>
-                </a:solidFill>
-                <a:latin typeface="Gotham HTF Light" pitchFamily="50" charset="0"/>
-              </a:rPr>
-              <a:t>implementacao</a:t>
-            </a:r>
-            <a:r>
-              <a:rPr lang="pt-BR" altLang="pt-BR" sz="1400" dirty="0">
+              <a:t> e nele acrescente os pacotes </a:t>
+            </a:r>
+            <a:r>
+              <a:rPr lang="pt-BR" sz="975" dirty="0" err="1">
                 <a:solidFill>
                   <a:schemeClr val="tx1">
                     <a:lumMod val="65000"/>
@@ -10400,19 +7377,10 @@
                 </a:solidFill>
                 <a:latin typeface="Gotham HTF Light" pitchFamily="50" charset="0"/>
               </a:rPr>
-              <a:t>, </a:t>
-            </a:r>
-            <a:r>
-              <a:rPr lang="pt-BR" altLang="pt-BR" sz="1400" dirty="0" err="1">
-                <a:solidFill>
-                  <a:srgbClr val="ED145B"/>
-                </a:solidFill>
-                <a:latin typeface="Gotham HTF Light" pitchFamily="50" charset="0"/>
-              </a:rPr>
-              <a:t>dao</a:t>
-            </a:r>
-            <a:r>
-              <a:rPr lang="pt-BR" altLang="pt-BR" sz="1400" dirty="0">
+              <a:t>beans</a:t>
+            </a:r>
+            <a:r>
+              <a:rPr lang="pt-BR" sz="975" dirty="0">
                 <a:solidFill>
                   <a:schemeClr val="tx1">
                     <a:lumMod val="65000"/>
@@ -10424,16 +7392,7 @@
               <a:t> e </a:t>
             </a:r>
             <a:r>
-              <a:rPr lang="pt-BR" altLang="pt-BR" sz="1400" dirty="0" err="1">
-                <a:solidFill>
-                  <a:srgbClr val="ED145B"/>
-                </a:solidFill>
-                <a:latin typeface="Gotham HTF Light" pitchFamily="50" charset="0"/>
-              </a:rPr>
-              <a:t>bo</a:t>
-            </a:r>
-            <a:r>
-              <a:rPr lang="pt-BR" altLang="pt-BR" sz="1400" dirty="0">
+              <a:rPr lang="pt-BR" sz="975" dirty="0" err="1">
                 <a:solidFill>
                   <a:schemeClr val="tx1">
                     <a:lumMod val="65000"/>
@@ -10442,10 +7401,10 @@
                 </a:solidFill>
                 <a:latin typeface="Gotham HTF Light" pitchFamily="50" charset="0"/>
               </a:rPr>
-              <a:t>), no pacote </a:t>
-            </a:r>
-            <a:r>
-              <a:rPr lang="pt-BR" altLang="pt-BR" sz="1400" dirty="0" err="1">
+              <a:t>implementacao</a:t>
+            </a:r>
+            <a:r>
+              <a:rPr lang="pt-BR" sz="975" dirty="0">
                 <a:solidFill>
                   <a:schemeClr val="tx1">
                     <a:lumMod val="65000"/>
@@ -10454,10 +7413,18 @@
                 </a:solidFill>
                 <a:latin typeface="Gotham HTF Light" pitchFamily="50" charset="0"/>
               </a:rPr>
-              <a:t>beans</a:t>
-            </a:r>
-            <a:r>
-              <a:rPr lang="pt-BR" altLang="pt-BR" sz="1400" dirty="0">
+              <a:t>. </a:t>
+            </a:r>
+          </a:p>
+          <a:p>
+            <a:pPr algn="just">
+              <a:lnSpc>
+                <a:spcPct val="150000"/>
+              </a:lnSpc>
+              <a:defRPr/>
+            </a:pPr>
+            <a:r>
+              <a:rPr lang="pt-BR" sz="975" dirty="0">
                 <a:solidFill>
                   <a:schemeClr val="tx1">
                     <a:lumMod val="65000"/>
@@ -10466,41 +7433,10 @@
                 </a:solidFill>
                 <a:latin typeface="Gotham HTF Light" pitchFamily="50" charset="0"/>
               </a:rPr>
-              <a:t> crie o diagrama ao lado:</a:t>
-            </a:r>
-          </a:p>
-        </p:txBody>
-      </p:sp>
-      <p:sp>
-        <p:nvSpPr>
-          <p:cNvPr id="9" name="TextBox 59">
-            <a:extLst>
-              <a:ext uri="{FF2B5EF4-FFF2-40B4-BE49-F238E27FC236}">
-                <a16:creationId xmlns:a16="http://schemas.microsoft.com/office/drawing/2014/main" id="{9DB2C5FD-E606-4154-B5BC-5618151B583B}"/>
-              </a:ext>
-            </a:extLst>
-          </p:cNvPr>
-          <p:cNvSpPr txBox="1"/>
-          <p:nvPr/>
-        </p:nvSpPr>
-        <p:spPr>
-          <a:xfrm>
-            <a:off x="939416" y="555259"/>
-            <a:ext cx="3822112" cy="369012"/>
-          </a:xfrm>
-          <a:prstGeom prst="rect">
-            <a:avLst/>
-          </a:prstGeom>
-          <a:noFill/>
-        </p:spPr>
-        <p:txBody>
-          <a:bodyPr wrap="square" rtlCol="0">
-            <a:spAutoFit/>
-          </a:bodyPr>
-          <a:lstStyle/>
-          <a:p>
-            <a:r>
-              <a:rPr lang="pt-BR" sz="1798" dirty="0">
+              <a:t>Dentro do </a:t>
+            </a:r>
+            <a:r>
+              <a:rPr lang="pt-BR" sz="975" dirty="0" err="1">
                 <a:solidFill>
                   <a:schemeClr val="tx1">
                     <a:lumMod val="65000"/>
@@ -10508,11 +7444,128 @@
                   </a:schemeClr>
                 </a:solidFill>
                 <a:latin typeface="Gotham HTF Light" pitchFamily="50" charset="0"/>
-                <a:cs typeface="Gotham HTF Light"/>
               </a:rPr>
-              <a:t>Atividade Prática</a:t>
-            </a:r>
-            <a:endParaRPr lang="pt-BR" sz="1798" dirty="0">
+              <a:t>beans</a:t>
+            </a:r>
+            <a:r>
+              <a:rPr lang="pt-BR" sz="975" dirty="0">
+                <a:solidFill>
+                  <a:schemeClr val="tx1">
+                    <a:lumMod val="65000"/>
+                    <a:lumOff val="35000"/>
+                  </a:schemeClr>
+                </a:solidFill>
+                <a:latin typeface="Gotham HTF Light" pitchFamily="50" charset="0"/>
+              </a:rPr>
+              <a:t>, monte as classes de acordo com o diagrama abaixo (acrescente os </a:t>
+            </a:r>
+            <a:r>
+              <a:rPr lang="pt-BR" sz="975" dirty="0" err="1">
+                <a:solidFill>
+                  <a:schemeClr val="tx1">
+                    <a:lumMod val="65000"/>
+                    <a:lumOff val="35000"/>
+                  </a:schemeClr>
+                </a:solidFill>
+                <a:latin typeface="Gotham HTF Light" pitchFamily="50" charset="0"/>
+              </a:rPr>
+              <a:t>getter´s</a:t>
+            </a:r>
+            <a:r>
+              <a:rPr lang="pt-BR" sz="975" dirty="0">
+                <a:solidFill>
+                  <a:schemeClr val="tx1">
+                    <a:lumMod val="65000"/>
+                    <a:lumOff val="35000"/>
+                  </a:schemeClr>
+                </a:solidFill>
+                <a:latin typeface="Gotham HTF Light" pitchFamily="50" charset="0"/>
+              </a:rPr>
+              <a:t>/</a:t>
+            </a:r>
+            <a:r>
+              <a:rPr lang="pt-BR" sz="975" dirty="0" err="1">
+                <a:solidFill>
+                  <a:schemeClr val="tx1">
+                    <a:lumMod val="65000"/>
+                    <a:lumOff val="35000"/>
+                  </a:schemeClr>
+                </a:solidFill>
+                <a:latin typeface="Gotham HTF Light" pitchFamily="50" charset="0"/>
+              </a:rPr>
+              <a:t>setter´s</a:t>
+            </a:r>
+            <a:r>
+              <a:rPr lang="pt-BR" sz="975" dirty="0">
+                <a:solidFill>
+                  <a:schemeClr val="tx1">
+                    <a:lumMod val="65000"/>
+                    <a:lumOff val="35000"/>
+                  </a:schemeClr>
+                </a:solidFill>
+                <a:latin typeface="Gotham HTF Light" pitchFamily="50" charset="0"/>
+              </a:rPr>
+              <a:t>/construtores):</a:t>
+            </a:r>
+          </a:p>
+          <a:p>
+            <a:pPr algn="just">
+              <a:lnSpc>
+                <a:spcPct val="150000"/>
+              </a:lnSpc>
+              <a:defRPr/>
+            </a:pPr>
+            <a:endParaRPr lang="pt-BR" sz="900" dirty="0">
+              <a:solidFill>
+                <a:schemeClr val="tx1">
+                  <a:lumMod val="65000"/>
+                  <a:lumOff val="35000"/>
+                </a:schemeClr>
+              </a:solidFill>
+              <a:latin typeface="Gotham HTF Medium" pitchFamily="50" charset="0"/>
+            </a:endParaRPr>
+          </a:p>
+        </p:txBody>
+      </p:sp>
+      <p:sp>
+        <p:nvSpPr>
+          <p:cNvPr id="8" name="TextBox 59">
+            <a:extLst>
+              <a:ext uri="{FF2B5EF4-FFF2-40B4-BE49-F238E27FC236}">
+                <a16:creationId xmlns:a16="http://schemas.microsoft.com/office/drawing/2014/main" id="{17E3FED9-ED32-4FCA-B18F-16046A2B890E}"/>
+              </a:ext>
+            </a:extLst>
+          </p:cNvPr>
+          <p:cNvSpPr txBox="1"/>
+          <p:nvPr/>
+        </p:nvSpPr>
+        <p:spPr>
+          <a:xfrm>
+            <a:off x="939416" y="557641"/>
+            <a:ext cx="4030149" cy="369332"/>
+          </a:xfrm>
+          <a:prstGeom prst="rect">
+            <a:avLst/>
+          </a:prstGeom>
+          <a:noFill/>
+        </p:spPr>
+        <p:txBody>
+          <a:bodyPr wrap="square" rtlCol="0">
+            <a:spAutoFit/>
+          </a:bodyPr>
+          <a:lstStyle/>
+          <a:p>
+            <a:r>
+              <a:rPr lang="pt-BR" dirty="0">
+                <a:solidFill>
+                  <a:srgbClr val="ED145B"/>
+                </a:solidFill>
+                <a:latin typeface="Gotham HTF" pitchFamily="50" charset="0"/>
+                <a:cs typeface="Gotham HTF Bold"/>
+              </a:rPr>
+              <a:t>HERANCA</a:t>
+            </a:r>
+            <a:endParaRPr lang="pt-BR" dirty="0">
               <a:solidFill>
                 <a:srgbClr val="ED145B"/>
               </a:solidFill>
@@ -10527,7 +7580,7 @@
           <p:cNvPr id="3" name="Imagem 2">
             <a:extLst>
               <a:ext uri="{FF2B5EF4-FFF2-40B4-BE49-F238E27FC236}">
-                <a16:creationId xmlns:a16="http://schemas.microsoft.com/office/drawing/2014/main" id="{4AD00928-219C-4086-9EC3-C3D3BC6E9E5A}"/>
+                <a16:creationId xmlns:a16="http://schemas.microsoft.com/office/drawing/2014/main" id="{7CF126E7-9884-4C1F-A3F2-7AF3CC356CD9}"/>
               </a:ext>
             </a:extLst>
           </p:cNvPr>
@@ -10537,15 +7590,21 @@
           <p:nvPr/>
         </p:nvPicPr>
         <p:blipFill>
-          <a:blip r:embed="rId2"/>
+          <a:blip r:embed="rId2" cstate="email">
+            <a:extLst>
+              <a:ext uri="{28A0092B-C50C-407E-A947-70E740481C1C}">
+                <a14:useLocalDpi xmlns:a14="http://schemas.microsoft.com/office/drawing/2010/main" val="0"/>
+              </a:ext>
+            </a:extLst>
+          </a:blip>
           <a:stretch>
             <a:fillRect/>
           </a:stretch>
         </p:blipFill>
         <p:spPr>
           <a:xfrm>
-            <a:off x="3411154" y="1036474"/>
-            <a:ext cx="5649310" cy="3551767"/>
+            <a:off x="2155131" y="2258591"/>
+            <a:ext cx="5173268" cy="2759077"/>
           </a:xfrm>
           <a:prstGeom prst="rect">
             <a:avLst/>
@@ -10555,7 +7614,7 @@
     </p:spTree>
     <p:extLst>
       <p:ext uri="{BB962C8B-B14F-4D97-AF65-F5344CB8AC3E}">
-        <p14:creationId xmlns:p14="http://schemas.microsoft.com/office/powerpoint/2010/main" val="803413444"/>
+        <p14:creationId xmlns:p14="http://schemas.microsoft.com/office/powerpoint/2010/main" val="860875150"/>
       </p:ext>
     </p:extLst>
   </p:cSld>
@@ -10596,186 +7655,60 @@
       </p:grpSpPr>
       <p:sp>
         <p:nvSpPr>
-          <p:cNvPr id="10" name="Rectangle 3"/>
-          <p:cNvSpPr txBox="1">
-            <a:spLocks noChangeArrowheads="1"/>
-          </p:cNvSpPr>
+          <p:cNvPr id="7" name="TextBox 3">
+            <a:extLst>
+              <a:ext uri="{FF2B5EF4-FFF2-40B4-BE49-F238E27FC236}">
+                <a16:creationId xmlns:a16="http://schemas.microsoft.com/office/drawing/2014/main" id="{D78E269D-4E7A-43A5-AA80-F361297CA879}"/>
+              </a:ext>
+            </a:extLst>
+          </p:cNvPr>
+          <p:cNvSpPr txBox="1"/>
           <p:nvPr/>
         </p:nvSpPr>
         <p:spPr>
           <a:xfrm>
-            <a:off x="939416" y="1168044"/>
-            <a:ext cx="7197051" cy="1101249"/>
-          </a:xfrm>
-          <a:prstGeom prst="rect">
-            <a:avLst/>
-          </a:prstGeom>
-        </p:spPr>
-        <p:txBody>
-          <a:bodyPr vert="horz" lIns="68580" tIns="34290" rIns="68580" bIns="34290" rtlCol="0">
-            <a:noAutofit/>
+            <a:off x="939416" y="951314"/>
+            <a:ext cx="7811552" cy="4409141"/>
+          </a:xfrm>
+          <a:prstGeom prst="rect">
+            <a:avLst/>
+          </a:prstGeom>
+          <a:noFill/>
+        </p:spPr>
+        <p:txBody>
+          <a:bodyPr wrap="square" tIns="35100" rtlCol="0">
+            <a:spAutoFit/>
           </a:bodyPr>
-          <a:lstStyle>
-            <a:lvl1pPr marL="342900" indent="-342900" algn="l" defTabSz="457200" rtl="0" eaLnBrk="1" latinLnBrk="0" hangingPunct="1">
-              <a:spcBef>
-                <a:spcPct val="20000"/>
-              </a:spcBef>
-              <a:buFont typeface="Arial"/>
-              <a:buChar char="•"/>
-              <a:defRPr sz="3200" kern="1200">
-                <a:solidFill>
-                  <a:schemeClr val="tx1"/>
-                </a:solidFill>
-                <a:latin typeface="+mn-lt"/>
-                <a:ea typeface="+mn-ea"/>
-                <a:cs typeface="+mn-cs"/>
-              </a:defRPr>
-            </a:lvl1pPr>
-            <a:lvl2pPr marL="742950" indent="-285750" algn="l" defTabSz="457200" rtl="0" eaLnBrk="1" latinLnBrk="0" hangingPunct="1">
-              <a:spcBef>
-                <a:spcPct val="20000"/>
-              </a:spcBef>
-              <a:buFont typeface="Arial"/>
-              <a:buChar char="–"/>
-              <a:defRPr sz="2800" kern="1200">
-                <a:solidFill>
-                  <a:schemeClr val="tx1"/>
-                </a:solidFill>
-                <a:latin typeface="+mn-lt"/>
-                <a:ea typeface="+mn-ea"/>
-                <a:cs typeface="+mn-cs"/>
-              </a:defRPr>
-            </a:lvl2pPr>
-            <a:lvl3pPr marL="1143000" indent="-228600" algn="l" defTabSz="457200" rtl="0" eaLnBrk="1" latinLnBrk="0" hangingPunct="1">
-              <a:spcBef>
-                <a:spcPct val="20000"/>
-              </a:spcBef>
-              <a:buFont typeface="Arial"/>
-              <a:buChar char="•"/>
-              <a:defRPr sz="2400" kern="1200">
-                <a:solidFill>
-                  <a:schemeClr val="tx1"/>
-                </a:solidFill>
-                <a:latin typeface="+mn-lt"/>
-                <a:ea typeface="+mn-ea"/>
-                <a:cs typeface="+mn-cs"/>
-              </a:defRPr>
-            </a:lvl3pPr>
-            <a:lvl4pPr marL="1600200" indent="-228600" algn="l" defTabSz="457200" rtl="0" eaLnBrk="1" latinLnBrk="0" hangingPunct="1">
-              <a:spcBef>
-                <a:spcPct val="20000"/>
-              </a:spcBef>
-              <a:buFont typeface="Arial"/>
-              <a:buChar char="–"/>
-              <a:defRPr sz="2000" kern="1200">
-                <a:solidFill>
-                  <a:schemeClr val="tx1"/>
-                </a:solidFill>
-                <a:latin typeface="+mn-lt"/>
-                <a:ea typeface="+mn-ea"/>
-                <a:cs typeface="+mn-cs"/>
-              </a:defRPr>
-            </a:lvl4pPr>
-            <a:lvl5pPr marL="2057400" indent="-228600" algn="l" defTabSz="457200" rtl="0" eaLnBrk="1" latinLnBrk="0" hangingPunct="1">
-              <a:spcBef>
-                <a:spcPct val="20000"/>
-              </a:spcBef>
-              <a:buFont typeface="Arial"/>
-              <a:buChar char="»"/>
-              <a:defRPr sz="2000" kern="1200">
-                <a:solidFill>
-                  <a:schemeClr val="tx1"/>
-                </a:solidFill>
-                <a:latin typeface="+mn-lt"/>
-                <a:ea typeface="+mn-ea"/>
-                <a:cs typeface="+mn-cs"/>
-              </a:defRPr>
-            </a:lvl5pPr>
-            <a:lvl6pPr marL="2514600" indent="-228600" algn="l" defTabSz="457200" rtl="0" eaLnBrk="1" latinLnBrk="0" hangingPunct="1">
-              <a:spcBef>
-                <a:spcPct val="20000"/>
-              </a:spcBef>
-              <a:buFont typeface="Arial"/>
-              <a:buChar char="•"/>
-              <a:defRPr sz="2000" kern="1200">
-                <a:solidFill>
-                  <a:schemeClr val="tx1"/>
-                </a:solidFill>
-                <a:latin typeface="+mn-lt"/>
-                <a:ea typeface="+mn-ea"/>
-                <a:cs typeface="+mn-cs"/>
-              </a:defRPr>
-            </a:lvl6pPr>
-            <a:lvl7pPr marL="2971800" indent="-228600" algn="l" defTabSz="457200" rtl="0" eaLnBrk="1" latinLnBrk="0" hangingPunct="1">
-              <a:spcBef>
-                <a:spcPct val="20000"/>
-              </a:spcBef>
-              <a:buFont typeface="Arial"/>
-              <a:buChar char="•"/>
-              <a:defRPr sz="2000" kern="1200">
-                <a:solidFill>
-                  <a:schemeClr val="tx1"/>
-                </a:solidFill>
-                <a:latin typeface="+mn-lt"/>
-                <a:ea typeface="+mn-ea"/>
-                <a:cs typeface="+mn-cs"/>
-              </a:defRPr>
-            </a:lvl7pPr>
-            <a:lvl8pPr marL="3429000" indent="-228600" algn="l" defTabSz="457200" rtl="0" eaLnBrk="1" latinLnBrk="0" hangingPunct="1">
-              <a:spcBef>
-                <a:spcPct val="20000"/>
-              </a:spcBef>
-              <a:buFont typeface="Arial"/>
-              <a:buChar char="•"/>
-              <a:defRPr sz="2000" kern="1200">
-                <a:solidFill>
-                  <a:schemeClr val="tx1"/>
-                </a:solidFill>
-                <a:latin typeface="+mn-lt"/>
-                <a:ea typeface="+mn-ea"/>
-                <a:cs typeface="+mn-cs"/>
-              </a:defRPr>
-            </a:lvl8pPr>
-            <a:lvl9pPr marL="3886200" indent="-228600" algn="l" defTabSz="457200" rtl="0" eaLnBrk="1" latinLnBrk="0" hangingPunct="1">
-              <a:spcBef>
-                <a:spcPct val="20000"/>
-              </a:spcBef>
-              <a:buFont typeface="Arial"/>
-              <a:buChar char="•"/>
-              <a:defRPr sz="2000" kern="1200">
-                <a:solidFill>
-                  <a:schemeClr val="tx1"/>
-                </a:solidFill>
-                <a:latin typeface="+mn-lt"/>
-                <a:ea typeface="+mn-ea"/>
-                <a:cs typeface="+mn-cs"/>
-              </a:defRPr>
-            </a:lvl9pPr>
-          </a:lstStyle>
-          <a:p>
-            <a:pPr marL="0" indent="8335">
+          <a:lstStyle/>
+          <a:p>
+            <a:pPr>
               <a:lnSpc>
                 <a:spcPct val="150000"/>
               </a:lnSpc>
-              <a:spcBef>
-                <a:spcPts val="0"/>
-              </a:spcBef>
-              <a:buNone/>
+              <a:defRPr/>
             </a:pPr>
             <a:r>
-              <a:rPr lang="pt-BR" altLang="pt-BR" sz="1400" dirty="0">
+              <a:rPr lang="pt-BR" sz="1050" dirty="0">
                 <a:solidFill>
                   <a:schemeClr val="tx1">
                     <a:lumMod val="65000"/>
                     <a:lumOff val="35000"/>
                   </a:schemeClr>
                 </a:solidFill>
-                <a:latin typeface="Gotham HTF Light" pitchFamily="50" charset="0"/>
+                <a:latin typeface="Gotham HTF Medium" pitchFamily="50" charset="0"/>
               </a:rPr>
-              <a:t>Monte todas as classes </a:t>
-            </a:r>
-            <a:r>
-              <a:rPr lang="pt-BR" altLang="pt-BR" sz="1400" dirty="0" err="1">
+              <a:t>Prática</a:t>
+            </a:r>
+          </a:p>
+          <a:p>
+            <a:pPr>
+              <a:lnSpc>
+                <a:spcPct val="150000"/>
+              </a:lnSpc>
+              <a:defRPr/>
+            </a:pPr>
+            <a:r>
+              <a:rPr lang="pt-BR" sz="1050" dirty="0">
                 <a:solidFill>
                   <a:schemeClr val="tx1">
                     <a:lumMod val="65000"/>
@@ -10784,10 +7717,10 @@
                 </a:solidFill>
                 <a:latin typeface="Gotham HTF Light" pitchFamily="50" charset="0"/>
               </a:rPr>
-              <a:t>JavaBeans</a:t>
-            </a:r>
-            <a:r>
-              <a:rPr lang="pt-BR" altLang="pt-BR" sz="1400" dirty="0">
+              <a:t>Monte as classes de acordo com o </a:t>
+            </a:r>
+            <a:r>
+              <a:rPr lang="pt-BR" sz="1050" dirty="0" err="1">
                 <a:solidFill>
                   <a:schemeClr val="tx1">
                     <a:lumMod val="65000"/>
@@ -10796,258 +7729,758 @@
                 </a:solidFill>
                 <a:latin typeface="Gotham HTF Light" pitchFamily="50" charset="0"/>
               </a:rPr>
-              <a:t>, dentro dos padrões trabalhados.</a:t>
-            </a:r>
-          </a:p>
-          <a:p>
-            <a:pPr marL="0" indent="8335">
+              <a:t>Pattern</a:t>
+            </a:r>
+            <a:r>
+              <a:rPr lang="pt-BR" sz="1050" dirty="0">
+                <a:solidFill>
+                  <a:schemeClr val="tx1">
+                    <a:lumMod val="65000"/>
+                    <a:lumOff val="35000"/>
+                  </a:schemeClr>
+                </a:solidFill>
+                <a:latin typeface="Gotham HTF Light" pitchFamily="50" charset="0"/>
+              </a:rPr>
+              <a:t> DTO + método </a:t>
+            </a:r>
+            <a:r>
+              <a:rPr lang="pt-BR" sz="1050" dirty="0" err="1">
+                <a:solidFill>
+                  <a:schemeClr val="tx1">
+                    <a:lumMod val="65000"/>
+                    <a:lumOff val="35000"/>
+                  </a:schemeClr>
+                </a:solidFill>
+                <a:latin typeface="Gotham HTF Light" pitchFamily="50" charset="0"/>
+              </a:rPr>
+              <a:t>setAll</a:t>
+            </a:r>
+            <a:r>
+              <a:rPr lang="pt-BR" sz="1050" dirty="0">
+                <a:solidFill>
+                  <a:schemeClr val="tx1">
+                    <a:lumMod val="65000"/>
+                    <a:lumOff val="35000"/>
+                  </a:schemeClr>
+                </a:solidFill>
+                <a:latin typeface="Gotham HTF Light" pitchFamily="50" charset="0"/>
+              </a:rPr>
+              <a:t>() e </a:t>
+            </a:r>
+            <a:r>
+              <a:rPr lang="pt-BR" sz="1050" dirty="0" err="1">
+                <a:solidFill>
+                  <a:schemeClr val="tx1">
+                    <a:lumMod val="65000"/>
+                    <a:lumOff val="35000"/>
+                  </a:schemeClr>
+                </a:solidFill>
+                <a:latin typeface="Gotham HTF Light" pitchFamily="50" charset="0"/>
+              </a:rPr>
+              <a:t>toString</a:t>
+            </a:r>
+            <a:r>
+              <a:rPr lang="pt-BR" sz="1050" dirty="0">
+                <a:solidFill>
+                  <a:schemeClr val="tx1">
+                    <a:lumMod val="65000"/>
+                    <a:lumOff val="35000"/>
+                  </a:schemeClr>
+                </a:solidFill>
+                <a:latin typeface="Gotham HTF Light" pitchFamily="50" charset="0"/>
+              </a:rPr>
+              <a:t>().</a:t>
+            </a:r>
+          </a:p>
+          <a:p>
+            <a:pPr>
               <a:lnSpc>
                 <a:spcPct val="150000"/>
               </a:lnSpc>
-              <a:spcBef>
-                <a:spcPts val="0"/>
-              </a:spcBef>
-              <a:buNone/>
+              <a:defRPr/>
             </a:pPr>
-            <a:endParaRPr lang="pt-BR" altLang="pt-BR" sz="1400" dirty="0">
+            <a:r>
+              <a:rPr lang="pt-BR" sz="1050" dirty="0">
+                <a:solidFill>
+                  <a:schemeClr val="tx1">
+                    <a:lumMod val="65000"/>
+                    <a:lumOff val="35000"/>
+                  </a:schemeClr>
+                </a:solidFill>
+                <a:latin typeface="Gotham HTF Light" pitchFamily="50" charset="0"/>
+              </a:rPr>
+              <a:t>Para programar o método </a:t>
+            </a:r>
+            <a:r>
+              <a:rPr lang="pt-BR" sz="1050" dirty="0" err="1">
+                <a:solidFill>
+                  <a:schemeClr val="tx1">
+                    <a:lumMod val="65000"/>
+                    <a:lumOff val="35000"/>
+                  </a:schemeClr>
+                </a:solidFill>
+                <a:latin typeface="Gotham HTF Medium" pitchFamily="50" charset="0"/>
+              </a:rPr>
+              <a:t>exibirMedia</a:t>
+            </a:r>
+            <a:r>
+              <a:rPr lang="pt-BR" sz="1050" dirty="0">
+                <a:solidFill>
+                  <a:schemeClr val="tx1">
+                    <a:lumMod val="65000"/>
+                    <a:lumOff val="35000"/>
+                  </a:schemeClr>
+                </a:solidFill>
+                <a:latin typeface="Gotham HTF Medium" pitchFamily="50" charset="0"/>
+              </a:rPr>
+              <a:t>()</a:t>
+            </a:r>
+            <a:r>
+              <a:rPr lang="pt-BR" sz="1050" dirty="0">
+                <a:solidFill>
+                  <a:schemeClr val="tx1">
+                    <a:lumMod val="65000"/>
+                    <a:lumOff val="35000"/>
+                  </a:schemeClr>
+                </a:solidFill>
+                <a:latin typeface="Gotham HTF Light" pitchFamily="50" charset="0"/>
+              </a:rPr>
+              <a:t>, leve em consideração:</a:t>
+            </a:r>
+          </a:p>
+          <a:p>
+            <a:pPr lvl="1">
+              <a:lnSpc>
+                <a:spcPct val="150000"/>
+              </a:lnSpc>
+              <a:defRPr/>
+            </a:pPr>
+            <a:r>
+              <a:rPr lang="pt-BR" sz="1050" dirty="0">
+                <a:solidFill>
+                  <a:schemeClr val="tx1">
+                    <a:lumMod val="65000"/>
+                    <a:lumOff val="35000"/>
+                  </a:schemeClr>
+                </a:solidFill>
+                <a:latin typeface="Gotham HTF Light" pitchFamily="50" charset="0"/>
+              </a:rPr>
+              <a:t>NAC equivale a 20%, AM 30% e PS 50% da nota. OU</a:t>
+            </a:r>
+          </a:p>
+          <a:p>
+            <a:pPr lvl="1">
+              <a:lnSpc>
+                <a:spcPct val="150000"/>
+              </a:lnSpc>
+              <a:defRPr/>
+            </a:pPr>
+            <a:r>
+              <a:rPr lang="pt-BR" sz="1050" dirty="0">
+                <a:solidFill>
+                  <a:schemeClr val="tx1">
+                    <a:lumMod val="65000"/>
+                    <a:lumOff val="35000"/>
+                  </a:schemeClr>
+                </a:solidFill>
+                <a:latin typeface="Gotham HTF Light" pitchFamily="50" charset="0"/>
+              </a:rPr>
+              <a:t>NAC equivale a 20% e PS 80% da nota. OU</a:t>
+            </a:r>
+          </a:p>
+          <a:p>
+            <a:pPr lvl="1">
+              <a:lnSpc>
+                <a:spcPct val="150000"/>
+              </a:lnSpc>
+              <a:defRPr/>
+            </a:pPr>
+            <a:r>
+              <a:rPr lang="pt-BR" sz="1050" dirty="0">
+                <a:solidFill>
+                  <a:schemeClr val="tx1">
+                    <a:lumMod val="65000"/>
+                    <a:lumOff val="35000"/>
+                  </a:schemeClr>
+                </a:solidFill>
+                <a:latin typeface="Gotham HTF Light" pitchFamily="50" charset="0"/>
+              </a:rPr>
+              <a:t>PS 100% da nota.</a:t>
+            </a:r>
+          </a:p>
+          <a:p>
+            <a:pPr>
+              <a:lnSpc>
+                <a:spcPct val="150000"/>
+              </a:lnSpc>
+              <a:defRPr/>
+            </a:pPr>
+            <a:r>
+              <a:rPr lang="pt-BR" sz="1050" dirty="0">
+                <a:solidFill>
+                  <a:schemeClr val="tx1">
+                    <a:lumMod val="65000"/>
+                    <a:lumOff val="35000"/>
+                  </a:schemeClr>
+                </a:solidFill>
+                <a:latin typeface="Gotham HTF Light" pitchFamily="50" charset="0"/>
+              </a:rPr>
+              <a:t>Para programar os métodos </a:t>
+            </a:r>
+            <a:r>
+              <a:rPr lang="pt-BR" sz="1050" dirty="0" err="1">
+                <a:solidFill>
+                  <a:schemeClr val="tx1">
+                    <a:lumMod val="65000"/>
+                    <a:lumOff val="35000"/>
+                  </a:schemeClr>
+                </a:solidFill>
+                <a:latin typeface="Gotham HTF Medium" pitchFamily="50" charset="0"/>
+              </a:rPr>
+              <a:t>calcularMensalidade</a:t>
+            </a:r>
+            <a:r>
+              <a:rPr lang="pt-BR" sz="1050" dirty="0">
+                <a:solidFill>
+                  <a:schemeClr val="tx1">
+                    <a:lumMod val="65000"/>
+                    <a:lumOff val="35000"/>
+                  </a:schemeClr>
+                </a:solidFill>
+                <a:latin typeface="Gotham HTF Medium" pitchFamily="50" charset="0"/>
+              </a:rPr>
+              <a:t>()</a:t>
+            </a:r>
+            <a:r>
+              <a:rPr lang="pt-BR" sz="1050" dirty="0">
+                <a:solidFill>
+                  <a:schemeClr val="tx1">
+                    <a:lumMod val="65000"/>
+                    <a:lumOff val="35000"/>
+                  </a:schemeClr>
+                </a:solidFill>
+                <a:latin typeface="Gotham HTF Light" pitchFamily="50" charset="0"/>
+              </a:rPr>
+              <a:t>, leve em consideração:</a:t>
+            </a:r>
+          </a:p>
+          <a:p>
+            <a:pPr lvl="1">
+              <a:lnSpc>
+                <a:spcPct val="150000"/>
+              </a:lnSpc>
+              <a:defRPr/>
+            </a:pPr>
+            <a:r>
+              <a:rPr lang="pt-BR" sz="1050" dirty="0">
+                <a:solidFill>
+                  <a:schemeClr val="tx1">
+                    <a:lumMod val="65000"/>
+                    <a:lumOff val="35000"/>
+                  </a:schemeClr>
+                </a:solidFill>
+                <a:latin typeface="Gotham HTF Light" pitchFamily="50" charset="0"/>
+              </a:rPr>
+              <a:t>A duração representa a quantidade de meses do curso.</a:t>
+            </a:r>
+          </a:p>
+          <a:p>
+            <a:pPr lvl="1">
+              <a:lnSpc>
+                <a:spcPct val="150000"/>
+              </a:lnSpc>
+              <a:defRPr/>
+            </a:pPr>
+            <a:r>
+              <a:rPr lang="pt-BR" sz="1050" dirty="0">
+                <a:solidFill>
+                  <a:schemeClr val="tx1">
+                    <a:lumMod val="65000"/>
+                    <a:lumOff val="35000"/>
+                  </a:schemeClr>
+                </a:solidFill>
+                <a:latin typeface="Gotham HTF Light" pitchFamily="50" charset="0"/>
+              </a:rPr>
+              <a:t>Para atribuir à mensalidade, será necessário aplicar as seguintes fórmulas:</a:t>
+            </a:r>
+          </a:p>
+          <a:p>
+            <a:pPr marL="600075" lvl="2">
+              <a:lnSpc>
+                <a:spcPct val="150000"/>
+              </a:lnSpc>
+              <a:defRPr/>
+            </a:pPr>
+            <a:r>
+              <a:rPr lang="pt-BR" sz="1050" dirty="0">
+                <a:solidFill>
+                  <a:srgbClr val="F0265D"/>
+                </a:solidFill>
+                <a:latin typeface="Gotham HTF Light" pitchFamily="50" charset="0"/>
+              </a:rPr>
+              <a:t>Médio</a:t>
+            </a:r>
+            <a:r>
+              <a:rPr lang="pt-BR" sz="1050" dirty="0">
+                <a:solidFill>
+                  <a:schemeClr val="tx1">
+                    <a:lumMod val="65000"/>
+                    <a:lumOff val="35000"/>
+                  </a:schemeClr>
+                </a:solidFill>
+                <a:latin typeface="Gotham HTF Light" pitchFamily="50" charset="0"/>
+              </a:rPr>
+              <a:t> </a:t>
+            </a:r>
+            <a:r>
+              <a:rPr lang="pt-BR" sz="1050" dirty="0">
+                <a:solidFill>
+                  <a:srgbClr val="F0265D"/>
+                </a:solidFill>
+                <a:latin typeface="Gotham HTF Light" pitchFamily="50" charset="0"/>
+              </a:rPr>
+              <a:t>=&gt;</a:t>
+            </a:r>
+            <a:r>
+              <a:rPr lang="pt-BR" sz="1050" dirty="0">
+                <a:solidFill>
+                  <a:schemeClr val="tx1">
+                    <a:lumMod val="65000"/>
+                    <a:lumOff val="35000"/>
+                  </a:schemeClr>
+                </a:solidFill>
+                <a:latin typeface="Gotham HTF Light" pitchFamily="50" charset="0"/>
+              </a:rPr>
+              <a:t> 			</a:t>
+            </a:r>
+            <a:r>
+              <a:rPr lang="pt-BR" sz="1050" dirty="0" err="1">
+                <a:solidFill>
+                  <a:schemeClr val="tx1">
+                    <a:lumMod val="65000"/>
+                    <a:lumOff val="35000"/>
+                  </a:schemeClr>
+                </a:solidFill>
+                <a:latin typeface="Gotham HTF Light" pitchFamily="50" charset="0"/>
+              </a:rPr>
+              <a:t>duracao</a:t>
+            </a:r>
+            <a:r>
+              <a:rPr lang="pt-BR" sz="1050" dirty="0">
+                <a:solidFill>
+                  <a:schemeClr val="tx1">
+                    <a:lumMod val="65000"/>
+                    <a:lumOff val="35000"/>
+                  </a:schemeClr>
+                </a:solidFill>
+                <a:latin typeface="Gotham HTF Light" pitchFamily="50" charset="0"/>
+              </a:rPr>
+              <a:t> * fator * 500</a:t>
+            </a:r>
+          </a:p>
+          <a:p>
+            <a:pPr marL="600075" lvl="2">
+              <a:lnSpc>
+                <a:spcPct val="150000"/>
+              </a:lnSpc>
+              <a:defRPr/>
+            </a:pPr>
+            <a:r>
+              <a:rPr lang="pt-BR" sz="1050" dirty="0">
+                <a:solidFill>
+                  <a:srgbClr val="F0265D"/>
+                </a:solidFill>
+                <a:latin typeface="Gotham HTF Light" pitchFamily="50" charset="0"/>
+              </a:rPr>
+              <a:t>Tecnólogo</a:t>
+            </a:r>
+            <a:r>
+              <a:rPr lang="pt-BR" sz="1050" dirty="0">
+                <a:solidFill>
+                  <a:schemeClr val="tx1">
+                    <a:lumMod val="65000"/>
+                    <a:lumOff val="35000"/>
+                  </a:schemeClr>
+                </a:solidFill>
+                <a:latin typeface="Gotham HTF Light" pitchFamily="50" charset="0"/>
+              </a:rPr>
+              <a:t> </a:t>
+            </a:r>
+            <a:r>
+              <a:rPr lang="pt-BR" sz="1050" dirty="0">
+                <a:solidFill>
+                  <a:srgbClr val="F0265D"/>
+                </a:solidFill>
+                <a:latin typeface="Gotham HTF Light" pitchFamily="50" charset="0"/>
+              </a:rPr>
+              <a:t>=&gt;</a:t>
+            </a:r>
+            <a:r>
+              <a:rPr lang="pt-BR" sz="1050" dirty="0">
+                <a:solidFill>
+                  <a:schemeClr val="tx1">
+                    <a:lumMod val="65000"/>
+                    <a:lumOff val="35000"/>
+                  </a:schemeClr>
+                </a:solidFill>
+                <a:latin typeface="Gotham HTF Light" pitchFamily="50" charset="0"/>
+              </a:rPr>
+              <a:t> 		</a:t>
+            </a:r>
+            <a:r>
+              <a:rPr lang="pt-BR" sz="1050" dirty="0" err="1">
+                <a:solidFill>
+                  <a:schemeClr val="tx1">
+                    <a:lumMod val="65000"/>
+                    <a:lumOff val="35000"/>
+                  </a:schemeClr>
+                </a:solidFill>
+                <a:latin typeface="Gotham HTF Light" pitchFamily="50" charset="0"/>
+              </a:rPr>
+              <a:t>duracao</a:t>
+            </a:r>
+            <a:r>
+              <a:rPr lang="pt-BR" sz="1050" dirty="0">
+                <a:solidFill>
+                  <a:schemeClr val="tx1">
+                    <a:lumMod val="65000"/>
+                    <a:lumOff val="35000"/>
+                  </a:schemeClr>
+                </a:solidFill>
+                <a:latin typeface="Gotham HTF Light" pitchFamily="50" charset="0"/>
+              </a:rPr>
+              <a:t> * fator * 600</a:t>
+            </a:r>
+          </a:p>
+          <a:p>
+            <a:pPr marL="600075" lvl="2">
+              <a:lnSpc>
+                <a:spcPct val="150000"/>
+              </a:lnSpc>
+              <a:defRPr/>
+            </a:pPr>
+            <a:r>
+              <a:rPr lang="pt-BR" sz="1050" dirty="0">
+                <a:solidFill>
+                  <a:srgbClr val="F0265D"/>
+                </a:solidFill>
+                <a:latin typeface="Gotham HTF Light" pitchFamily="50" charset="0"/>
+              </a:rPr>
+              <a:t>Bacharelado =&gt; </a:t>
+            </a:r>
+            <a:r>
+              <a:rPr lang="pt-BR" sz="1050" dirty="0">
+                <a:solidFill>
+                  <a:schemeClr val="tx1">
+                    <a:lumMod val="65000"/>
+                    <a:lumOff val="35000"/>
+                  </a:schemeClr>
+                </a:solidFill>
+                <a:latin typeface="Gotham HTF Light" pitchFamily="50" charset="0"/>
+              </a:rPr>
+              <a:t>	(</a:t>
+            </a:r>
+            <a:r>
+              <a:rPr lang="pt-BR" sz="1050" dirty="0" err="1">
+                <a:solidFill>
+                  <a:schemeClr val="tx1">
+                    <a:lumMod val="65000"/>
+                    <a:lumOff val="35000"/>
+                  </a:schemeClr>
+                </a:solidFill>
+                <a:latin typeface="Gotham HTF Light" pitchFamily="50" charset="0"/>
+              </a:rPr>
+              <a:t>duracao</a:t>
+            </a:r>
+            <a:r>
+              <a:rPr lang="pt-BR" sz="1050" dirty="0">
+                <a:solidFill>
+                  <a:schemeClr val="tx1">
+                    <a:lumMod val="65000"/>
+                    <a:lumOff val="35000"/>
+                  </a:schemeClr>
+                </a:solidFill>
+                <a:latin typeface="Gotham HTF Light" pitchFamily="50" charset="0"/>
+              </a:rPr>
+              <a:t> * fator * 600) + (</a:t>
+            </a:r>
+            <a:r>
+              <a:rPr lang="pt-BR" sz="1050" dirty="0" err="1">
+                <a:solidFill>
+                  <a:schemeClr val="tx1">
+                    <a:lumMod val="65000"/>
+                    <a:lumOff val="35000"/>
+                  </a:schemeClr>
+                </a:solidFill>
+                <a:latin typeface="Gotham HTF Light" pitchFamily="50" charset="0"/>
+              </a:rPr>
+              <a:t>cargaHorariaEstagio</a:t>
+            </a:r>
+            <a:r>
+              <a:rPr lang="pt-BR" sz="1050" dirty="0">
+                <a:solidFill>
+                  <a:schemeClr val="tx1">
+                    <a:lumMod val="65000"/>
+                    <a:lumOff val="35000"/>
+                  </a:schemeClr>
+                </a:solidFill>
+                <a:latin typeface="Gotham HTF Light" pitchFamily="50" charset="0"/>
+              </a:rPr>
+              <a:t> * 12)</a:t>
+            </a:r>
+          </a:p>
+          <a:p>
+            <a:pPr>
+              <a:lnSpc>
+                <a:spcPct val="150000"/>
+              </a:lnSpc>
+              <a:defRPr/>
+            </a:pPr>
+            <a:r>
+              <a:rPr lang="pt-BR" sz="1050" dirty="0">
+                <a:solidFill>
+                  <a:schemeClr val="tx1">
+                    <a:lumMod val="65000"/>
+                    <a:lumOff val="35000"/>
+                  </a:schemeClr>
+                </a:solidFill>
+                <a:latin typeface="Gotham HTF Light" pitchFamily="50" charset="0"/>
+              </a:rPr>
+              <a:t>O método </a:t>
+            </a:r>
+            <a:r>
+              <a:rPr lang="pt-BR" sz="1050" dirty="0" err="1">
+                <a:solidFill>
+                  <a:schemeClr val="tx1">
+                    <a:lumMod val="65000"/>
+                    <a:lumOff val="35000"/>
+                  </a:schemeClr>
+                </a:solidFill>
+                <a:latin typeface="Gotham HTF Medium" pitchFamily="50" charset="0"/>
+              </a:rPr>
+              <a:t>definirDuracao</a:t>
+            </a:r>
+            <a:r>
+              <a:rPr lang="pt-BR" sz="1050" dirty="0">
+                <a:solidFill>
+                  <a:schemeClr val="tx1">
+                    <a:lumMod val="65000"/>
+                    <a:lumOff val="35000"/>
+                  </a:schemeClr>
+                </a:solidFill>
+                <a:latin typeface="Gotham HTF Medium" pitchFamily="50" charset="0"/>
+              </a:rPr>
+              <a:t>() </a:t>
+            </a:r>
+            <a:r>
+              <a:rPr lang="pt-BR" sz="1050" dirty="0">
+                <a:solidFill>
+                  <a:schemeClr val="tx1">
+                    <a:lumMod val="65000"/>
+                    <a:lumOff val="35000"/>
+                  </a:schemeClr>
+                </a:solidFill>
+                <a:latin typeface="Gotham HTF Light" pitchFamily="50" charset="0"/>
+              </a:rPr>
+              <a:t>terá que definir o atributo “</a:t>
+            </a:r>
+            <a:r>
+              <a:rPr lang="pt-BR" sz="1050" dirty="0" err="1">
+                <a:solidFill>
+                  <a:schemeClr val="tx1">
+                    <a:lumMod val="65000"/>
+                    <a:lumOff val="35000"/>
+                  </a:schemeClr>
+                </a:solidFill>
+                <a:latin typeface="Gotham HTF Light" pitchFamily="50" charset="0"/>
+              </a:rPr>
+              <a:t>duracao</a:t>
+            </a:r>
+            <a:r>
+              <a:rPr lang="pt-BR" sz="1050" dirty="0">
+                <a:solidFill>
+                  <a:schemeClr val="tx1">
+                    <a:lumMod val="65000"/>
+                    <a:lumOff val="35000"/>
+                  </a:schemeClr>
+                </a:solidFill>
+                <a:latin typeface="Gotham HTF Light" pitchFamily="50" charset="0"/>
+              </a:rPr>
+              <a:t>”, seguindo a seguinte regra:</a:t>
+            </a:r>
+          </a:p>
+          <a:p>
+            <a:pPr marL="557213" lvl="1" indent="-214313">
+              <a:lnSpc>
+                <a:spcPct val="150000"/>
+              </a:lnSpc>
+              <a:buClr>
+                <a:srgbClr val="F0265D"/>
+              </a:buClr>
+              <a:buFont typeface="Arial" panose="020B0604020202020204" pitchFamily="34" charset="0"/>
+              <a:buChar char="•"/>
+              <a:defRPr/>
+            </a:pPr>
+            <a:r>
+              <a:rPr lang="pt-BR" sz="1050" dirty="0">
+                <a:solidFill>
+                  <a:schemeClr val="tx1">
+                    <a:lumMod val="65000"/>
+                    <a:lumOff val="35000"/>
+                  </a:schemeClr>
+                </a:solidFill>
+                <a:latin typeface="Gotham HTF Light" pitchFamily="50" charset="0"/>
+              </a:rPr>
+              <a:t>Se o objeto instanciado for </a:t>
+            </a:r>
+            <a:r>
+              <a:rPr lang="pt-BR" sz="1050" dirty="0" err="1">
+                <a:solidFill>
+                  <a:schemeClr val="tx1">
+                    <a:lumMod val="65000"/>
+                    <a:lumOff val="35000"/>
+                  </a:schemeClr>
+                </a:solidFill>
+                <a:latin typeface="Gotham HTF Light" pitchFamily="50" charset="0"/>
+              </a:rPr>
+              <a:t>Medio</a:t>
+            </a:r>
+            <a:r>
+              <a:rPr lang="pt-BR" sz="1050" dirty="0">
+                <a:solidFill>
+                  <a:schemeClr val="tx1">
+                    <a:lumMod val="65000"/>
+                    <a:lumOff val="35000"/>
+                  </a:schemeClr>
+                </a:solidFill>
+                <a:latin typeface="Gotham HTF Light" pitchFamily="50" charset="0"/>
+              </a:rPr>
+              <a:t> deverá ser </a:t>
+            </a:r>
+            <a:r>
+              <a:rPr lang="pt-BR" sz="1050" dirty="0" err="1">
+                <a:solidFill>
+                  <a:schemeClr val="tx1">
+                    <a:lumMod val="65000"/>
+                    <a:lumOff val="35000"/>
+                  </a:schemeClr>
+                </a:solidFill>
+                <a:latin typeface="Gotham HTF Light" pitchFamily="50" charset="0"/>
+              </a:rPr>
+              <a:t>atribuido</a:t>
+            </a:r>
+            <a:r>
+              <a:rPr lang="pt-BR" sz="1050" dirty="0">
+                <a:solidFill>
+                  <a:schemeClr val="tx1">
+                    <a:lumMod val="65000"/>
+                    <a:lumOff val="35000"/>
+                  </a:schemeClr>
+                </a:solidFill>
+                <a:latin typeface="Gotham HTF Light" pitchFamily="50" charset="0"/>
+              </a:rPr>
+              <a:t>: 36;</a:t>
+            </a:r>
+          </a:p>
+          <a:p>
+            <a:pPr marL="557213" lvl="1" indent="-214313">
+              <a:lnSpc>
+                <a:spcPct val="150000"/>
+              </a:lnSpc>
+              <a:buClr>
+                <a:srgbClr val="F0265D"/>
+              </a:buClr>
+              <a:buFont typeface="Arial" panose="020B0604020202020204" pitchFamily="34" charset="0"/>
+              <a:buChar char="•"/>
+              <a:defRPr/>
+            </a:pPr>
+            <a:r>
+              <a:rPr lang="pt-BR" sz="1050" dirty="0">
+                <a:solidFill>
+                  <a:schemeClr val="tx1">
+                    <a:lumMod val="65000"/>
+                    <a:lumOff val="35000"/>
+                  </a:schemeClr>
+                </a:solidFill>
+                <a:latin typeface="Gotham HTF Light" pitchFamily="50" charset="0"/>
+              </a:rPr>
+              <a:t>Se for </a:t>
+            </a:r>
+            <a:r>
+              <a:rPr lang="pt-BR" sz="1050" dirty="0" err="1">
+                <a:solidFill>
+                  <a:schemeClr val="tx1">
+                    <a:lumMod val="65000"/>
+                    <a:lumOff val="35000"/>
+                  </a:schemeClr>
+                </a:solidFill>
+                <a:latin typeface="Gotham HTF Light" pitchFamily="50" charset="0"/>
+              </a:rPr>
+              <a:t>Tecnologo</a:t>
+            </a:r>
+            <a:r>
+              <a:rPr lang="pt-BR" sz="1050" dirty="0">
+                <a:solidFill>
+                  <a:schemeClr val="tx1">
+                    <a:lumMod val="65000"/>
+                    <a:lumOff val="35000"/>
+                  </a:schemeClr>
+                </a:solidFill>
+                <a:latin typeface="Gotham HTF Light" pitchFamily="50" charset="0"/>
+              </a:rPr>
+              <a:t> deverá ser atribuído: 24;</a:t>
+            </a:r>
+          </a:p>
+          <a:p>
+            <a:pPr marL="557213" lvl="1" indent="-214313">
+              <a:lnSpc>
+                <a:spcPct val="150000"/>
+              </a:lnSpc>
+              <a:buClr>
+                <a:srgbClr val="F0265D"/>
+              </a:buClr>
+              <a:buFont typeface="Arial" panose="020B0604020202020204" pitchFamily="34" charset="0"/>
+              <a:buChar char="•"/>
+              <a:defRPr/>
+            </a:pPr>
+            <a:r>
+              <a:rPr lang="pt-BR" sz="1050" dirty="0">
+                <a:solidFill>
+                  <a:schemeClr val="tx1">
+                    <a:lumMod val="65000"/>
+                    <a:lumOff val="35000"/>
+                  </a:schemeClr>
+                </a:solidFill>
+                <a:latin typeface="Gotham HTF Light" pitchFamily="50" charset="0"/>
+              </a:rPr>
+              <a:t>Se for Bacharelado deverá atribuir 60, se possuir na descrição a palavra “ENGENHARIA”; caso contrário, deverá atribuir 48.</a:t>
+            </a:r>
+          </a:p>
+          <a:p>
+            <a:pPr>
+              <a:lnSpc>
+                <a:spcPct val="150000"/>
+              </a:lnSpc>
+              <a:defRPr/>
+            </a:pPr>
+            <a:endParaRPr lang="pt-BR" sz="1050" dirty="0">
               <a:solidFill>
                 <a:schemeClr val="tx1">
                   <a:lumMod val="65000"/>
                   <a:lumOff val="35000"/>
                 </a:schemeClr>
               </a:solidFill>
-              <a:latin typeface="Gotham HTF Light" pitchFamily="50" charset="0"/>
+              <a:latin typeface="Gotham HTF Medium" pitchFamily="50" charset="0"/>
             </a:endParaRPr>
           </a:p>
-          <a:p>
-            <a:pPr marL="0" indent="8335">
-              <a:lnSpc>
-                <a:spcPct val="150000"/>
-              </a:lnSpc>
-              <a:spcBef>
-                <a:spcPts val="0"/>
-              </a:spcBef>
-              <a:buNone/>
-            </a:pPr>
-            <a:r>
-              <a:rPr lang="pt-BR" altLang="pt-BR" sz="1400" dirty="0">
-                <a:solidFill>
-                  <a:schemeClr val="tx1">
-                    <a:lumMod val="65000"/>
-                    <a:lumOff val="35000"/>
-                  </a:schemeClr>
-                </a:solidFill>
-                <a:latin typeface="Gotham HTF Light" pitchFamily="50" charset="0"/>
-              </a:rPr>
-              <a:t>Monte uma interface chamada </a:t>
-            </a:r>
-            <a:r>
-              <a:rPr lang="pt-BR" altLang="pt-BR" sz="1400" dirty="0" err="1">
-                <a:solidFill>
-                  <a:schemeClr val="tx1">
-                    <a:lumMod val="65000"/>
-                    <a:lumOff val="35000"/>
-                  </a:schemeClr>
-                </a:solidFill>
-                <a:latin typeface="Gotham HTF Light" pitchFamily="50" charset="0"/>
-              </a:rPr>
-              <a:t>PadraoConta</a:t>
-            </a:r>
-            <a:r>
-              <a:rPr lang="pt-BR" altLang="pt-BR" sz="1400" dirty="0">
-                <a:solidFill>
-                  <a:schemeClr val="tx1">
-                    <a:lumMod val="65000"/>
-                    <a:lumOff val="35000"/>
-                  </a:schemeClr>
-                </a:solidFill>
-                <a:latin typeface="Gotham HTF Light" pitchFamily="50" charset="0"/>
-              </a:rPr>
-              <a:t>, que deve conter os métodos: sacar() e depositar(). Implemente essa interface, posteriormente, nas classes Conta, Corrente e </a:t>
-            </a:r>
-            <a:r>
-              <a:rPr lang="pt-BR" altLang="pt-BR" sz="1400" dirty="0" err="1">
-                <a:solidFill>
-                  <a:schemeClr val="tx1">
-                    <a:lumMod val="65000"/>
-                    <a:lumOff val="35000"/>
-                  </a:schemeClr>
-                </a:solidFill>
-                <a:latin typeface="Gotham HTF Light" pitchFamily="50" charset="0"/>
-              </a:rPr>
-              <a:t>Poupanca</a:t>
-            </a:r>
-            <a:r>
-              <a:rPr lang="pt-BR" altLang="pt-BR" sz="1400" dirty="0">
-                <a:solidFill>
-                  <a:schemeClr val="tx1">
-                    <a:lumMod val="65000"/>
-                    <a:lumOff val="35000"/>
-                  </a:schemeClr>
-                </a:solidFill>
-                <a:latin typeface="Gotham HTF Light" pitchFamily="50" charset="0"/>
-              </a:rPr>
-              <a:t>.</a:t>
-            </a:r>
-          </a:p>
-          <a:p>
-            <a:pPr marL="0" indent="8335">
-              <a:lnSpc>
-                <a:spcPct val="150000"/>
-              </a:lnSpc>
-              <a:spcBef>
-                <a:spcPts val="0"/>
-              </a:spcBef>
-              <a:buNone/>
-            </a:pPr>
-            <a:endParaRPr lang="pt-BR" altLang="pt-BR" sz="1400" dirty="0">
-              <a:solidFill>
-                <a:schemeClr val="tx1">
-                  <a:lumMod val="65000"/>
-                  <a:lumOff val="35000"/>
-                </a:schemeClr>
-              </a:solidFill>
-              <a:latin typeface="Gotham HTF Light" pitchFamily="50" charset="0"/>
-            </a:endParaRPr>
-          </a:p>
-          <a:p>
-            <a:pPr marL="0" indent="8335">
-              <a:lnSpc>
-                <a:spcPct val="150000"/>
-              </a:lnSpc>
-              <a:spcBef>
-                <a:spcPts val="0"/>
-              </a:spcBef>
-              <a:buNone/>
-            </a:pPr>
-            <a:r>
-              <a:rPr lang="pt-BR" altLang="pt-BR" sz="1400" dirty="0">
-                <a:solidFill>
-                  <a:schemeClr val="tx1">
-                    <a:lumMod val="65000"/>
-                    <a:lumOff val="35000"/>
-                  </a:schemeClr>
-                </a:solidFill>
-                <a:latin typeface="Gotham HTF Light" pitchFamily="50" charset="0"/>
-              </a:rPr>
-              <a:t>Os métodos sacar() e depositar() devem debitar e creditar, respectivamente, do saldo o valor que foi inserido como parâmetro. Leve em consideração que o saldo da poupança não pode ficar negativo. E que o saldo da conta corrente pode ficar negativo no mesmo valor do limite.</a:t>
-            </a:r>
-          </a:p>
-          <a:p>
-            <a:pPr marL="0" indent="8335">
-              <a:lnSpc>
-                <a:spcPct val="150000"/>
-              </a:lnSpc>
-              <a:spcBef>
-                <a:spcPts val="0"/>
-              </a:spcBef>
-              <a:buNone/>
-            </a:pPr>
-            <a:endParaRPr lang="pt-BR" altLang="pt-BR" sz="1400" dirty="0">
-              <a:solidFill>
-                <a:schemeClr val="tx1">
-                  <a:lumMod val="65000"/>
-                  <a:lumOff val="35000"/>
-                </a:schemeClr>
-              </a:solidFill>
-              <a:latin typeface="Gotham HTF Light" pitchFamily="50" charset="0"/>
-            </a:endParaRPr>
-          </a:p>
-          <a:p>
-            <a:pPr marL="0" indent="8335">
-              <a:lnSpc>
-                <a:spcPct val="150000"/>
-              </a:lnSpc>
-              <a:spcBef>
-                <a:spcPts val="0"/>
-              </a:spcBef>
-              <a:buNone/>
-            </a:pPr>
-            <a:r>
-              <a:rPr lang="pt-BR" altLang="pt-BR" sz="1400" dirty="0">
-                <a:solidFill>
-                  <a:schemeClr val="tx1">
-                    <a:lumMod val="65000"/>
-                    <a:lumOff val="35000"/>
-                  </a:schemeClr>
-                </a:solidFill>
-                <a:latin typeface="Gotham HTF Light" pitchFamily="50" charset="0"/>
-              </a:rPr>
-              <a:t>O método </a:t>
-            </a:r>
-            <a:r>
-              <a:rPr lang="pt-BR" altLang="pt-BR" sz="1400" dirty="0" err="1">
-                <a:solidFill>
-                  <a:schemeClr val="tx1">
-                    <a:lumMod val="65000"/>
-                    <a:lumOff val="35000"/>
-                  </a:schemeClr>
-                </a:solidFill>
-                <a:latin typeface="Gotham HTF Light" pitchFamily="50" charset="0"/>
-              </a:rPr>
-              <a:t>creditarRendimentos</a:t>
-            </a:r>
-            <a:r>
-              <a:rPr lang="pt-BR" altLang="pt-BR" sz="1400" dirty="0">
-                <a:solidFill>
-                  <a:schemeClr val="tx1">
-                    <a:lumMod val="65000"/>
-                    <a:lumOff val="35000"/>
-                  </a:schemeClr>
-                </a:solidFill>
-                <a:latin typeface="Gotham HTF Light" pitchFamily="50" charset="0"/>
-              </a:rPr>
-              <a:t>() deverá aplicar o rendimento (atributo) que está no formato de porcentagem sobre o saldo.</a:t>
-            </a:r>
-          </a:p>
-          <a:p>
-            <a:pPr marL="0" indent="8335">
-              <a:lnSpc>
-                <a:spcPct val="150000"/>
-              </a:lnSpc>
-              <a:spcBef>
-                <a:spcPts val="0"/>
-              </a:spcBef>
-              <a:buNone/>
-            </a:pPr>
-            <a:endParaRPr lang="pt-BR" altLang="pt-BR" sz="1400" dirty="0">
-              <a:solidFill>
-                <a:schemeClr val="tx1">
-                  <a:lumMod val="65000"/>
-                  <a:lumOff val="35000"/>
-                </a:schemeClr>
-              </a:solidFill>
-              <a:latin typeface="Gotham HTF Light" pitchFamily="50" charset="0"/>
-            </a:endParaRPr>
-          </a:p>
-          <a:p>
-            <a:pPr marL="0" indent="8335">
-              <a:lnSpc>
-                <a:spcPct val="150000"/>
-              </a:lnSpc>
-              <a:spcBef>
-                <a:spcPts val="0"/>
-              </a:spcBef>
-              <a:buNone/>
-            </a:pPr>
-            <a:endParaRPr lang="pt-BR" altLang="pt-BR" sz="1400" dirty="0">
-              <a:solidFill>
-                <a:schemeClr val="tx1">
-                  <a:lumMod val="65000"/>
-                  <a:lumOff val="35000"/>
-                </a:schemeClr>
-              </a:solidFill>
-              <a:latin typeface="Gotham HTF Light" pitchFamily="50" charset="0"/>
-            </a:endParaRPr>
-          </a:p>
-        </p:txBody>
-      </p:sp>
-      <p:sp>
-        <p:nvSpPr>
-          <p:cNvPr id="9" name="TextBox 59">
-            <a:extLst>
-              <a:ext uri="{FF2B5EF4-FFF2-40B4-BE49-F238E27FC236}">
-                <a16:creationId xmlns:a16="http://schemas.microsoft.com/office/drawing/2014/main" id="{9DB2C5FD-E606-4154-B5BC-5618151B583B}"/>
+        </p:txBody>
+      </p:sp>
+      <p:sp>
+        <p:nvSpPr>
+          <p:cNvPr id="8" name="TextBox 59">
+            <a:extLst>
+              <a:ext uri="{FF2B5EF4-FFF2-40B4-BE49-F238E27FC236}">
+                <a16:creationId xmlns:a16="http://schemas.microsoft.com/office/drawing/2014/main" id="{17E3FED9-ED32-4FCA-B18F-16046A2B890E}"/>
               </a:ext>
             </a:extLst>
           </p:cNvPr>
@@ -11056,8 +8489,8 @@
         </p:nvSpPr>
         <p:spPr>
           <a:xfrm>
-            <a:off x="939416" y="555259"/>
-            <a:ext cx="3822112" cy="369012"/>
+            <a:off x="939416" y="557641"/>
+            <a:ext cx="4030149" cy="369332"/>
           </a:xfrm>
           <a:prstGeom prst="rect">
             <a:avLst/>
@@ -11071,19 +8504,16 @@
           <a:lstStyle/>
           <a:p>
             <a:r>
-              <a:rPr lang="pt-BR" sz="1798" dirty="0">
-                <a:solidFill>
-                  <a:schemeClr val="tx1">
-                    <a:lumMod val="65000"/>
-                    <a:lumOff val="35000"/>
-                  </a:schemeClr>
-                </a:solidFill>
-                <a:latin typeface="Gotham HTF Light" pitchFamily="50" charset="0"/>
-                <a:cs typeface="Gotham HTF Light"/>
+              <a:rPr lang="pt-BR" dirty="0">
+                <a:solidFill>
+                  <a:srgbClr val="ED145B"/>
+                </a:solidFill>
+                <a:latin typeface="Gotham HTF" pitchFamily="50" charset="0"/>
+                <a:cs typeface="Gotham HTF Bold"/>
               </a:rPr>
-              <a:t>Atividade Prática</a:t>
-            </a:r>
-            <a:endParaRPr lang="pt-BR" sz="1798" dirty="0">
+              <a:t>POLIMORFISMO</a:t>
+            </a:r>
+            <a:endParaRPr lang="pt-BR" dirty="0">
               <a:solidFill>
                 <a:srgbClr val="ED145B"/>
               </a:solidFill>
@@ -11096,7 +8526,7 @@
     </p:spTree>
     <p:extLst>
       <p:ext uri="{BB962C8B-B14F-4D97-AF65-F5344CB8AC3E}">
-        <p14:creationId xmlns:p14="http://schemas.microsoft.com/office/powerpoint/2010/main" val="3669306865"/>
+        <p14:creationId xmlns:p14="http://schemas.microsoft.com/office/powerpoint/2010/main" val="4238985666"/>
       </p:ext>
     </p:extLst>
   </p:cSld>
@@ -11137,186 +8567,60 @@
       </p:grpSpPr>
       <p:sp>
         <p:nvSpPr>
-          <p:cNvPr id="10" name="Rectangle 3"/>
-          <p:cNvSpPr txBox="1">
-            <a:spLocks noChangeArrowheads="1"/>
-          </p:cNvSpPr>
+          <p:cNvPr id="7" name="TextBox 3">
+            <a:extLst>
+              <a:ext uri="{FF2B5EF4-FFF2-40B4-BE49-F238E27FC236}">
+                <a16:creationId xmlns:a16="http://schemas.microsoft.com/office/drawing/2014/main" id="{D78E269D-4E7A-43A5-AA80-F361297CA879}"/>
+              </a:ext>
+            </a:extLst>
+          </p:cNvPr>
+          <p:cNvSpPr txBox="1"/>
           <p:nvPr/>
         </p:nvSpPr>
         <p:spPr>
           <a:xfrm>
-            <a:off x="939416" y="1168044"/>
-            <a:ext cx="7197051" cy="1101249"/>
-          </a:xfrm>
-          <a:prstGeom prst="rect">
-            <a:avLst/>
-          </a:prstGeom>
-        </p:spPr>
-        <p:txBody>
-          <a:bodyPr vert="horz" lIns="68580" tIns="34290" rIns="68580" bIns="34290" rtlCol="0">
-            <a:noAutofit/>
+            <a:off x="939415" y="1107183"/>
+            <a:ext cx="7538837" cy="1985400"/>
+          </a:xfrm>
+          <a:prstGeom prst="rect">
+            <a:avLst/>
+          </a:prstGeom>
+          <a:noFill/>
+        </p:spPr>
+        <p:txBody>
+          <a:bodyPr wrap="square" tIns="35100" rtlCol="0">
+            <a:spAutoFit/>
           </a:bodyPr>
-          <a:lstStyle>
-            <a:lvl1pPr marL="342900" indent="-342900" algn="l" defTabSz="457200" rtl="0" eaLnBrk="1" latinLnBrk="0" hangingPunct="1">
-              <a:spcBef>
-                <a:spcPct val="20000"/>
-              </a:spcBef>
-              <a:buFont typeface="Arial"/>
-              <a:buChar char="•"/>
-              <a:defRPr sz="3200" kern="1200">
-                <a:solidFill>
-                  <a:schemeClr val="tx1"/>
-                </a:solidFill>
-                <a:latin typeface="+mn-lt"/>
-                <a:ea typeface="+mn-ea"/>
-                <a:cs typeface="+mn-cs"/>
-              </a:defRPr>
-            </a:lvl1pPr>
-            <a:lvl2pPr marL="742950" indent="-285750" algn="l" defTabSz="457200" rtl="0" eaLnBrk="1" latinLnBrk="0" hangingPunct="1">
-              <a:spcBef>
-                <a:spcPct val="20000"/>
-              </a:spcBef>
-              <a:buFont typeface="Arial"/>
-              <a:buChar char="–"/>
-              <a:defRPr sz="2800" kern="1200">
-                <a:solidFill>
-                  <a:schemeClr val="tx1"/>
-                </a:solidFill>
-                <a:latin typeface="+mn-lt"/>
-                <a:ea typeface="+mn-ea"/>
-                <a:cs typeface="+mn-cs"/>
-              </a:defRPr>
-            </a:lvl2pPr>
-            <a:lvl3pPr marL="1143000" indent="-228600" algn="l" defTabSz="457200" rtl="0" eaLnBrk="1" latinLnBrk="0" hangingPunct="1">
-              <a:spcBef>
-                <a:spcPct val="20000"/>
-              </a:spcBef>
-              <a:buFont typeface="Arial"/>
-              <a:buChar char="•"/>
-              <a:defRPr sz="2400" kern="1200">
-                <a:solidFill>
-                  <a:schemeClr val="tx1"/>
-                </a:solidFill>
-                <a:latin typeface="+mn-lt"/>
-                <a:ea typeface="+mn-ea"/>
-                <a:cs typeface="+mn-cs"/>
-              </a:defRPr>
-            </a:lvl3pPr>
-            <a:lvl4pPr marL="1600200" indent="-228600" algn="l" defTabSz="457200" rtl="0" eaLnBrk="1" latinLnBrk="0" hangingPunct="1">
-              <a:spcBef>
-                <a:spcPct val="20000"/>
-              </a:spcBef>
-              <a:buFont typeface="Arial"/>
-              <a:buChar char="–"/>
-              <a:defRPr sz="2000" kern="1200">
-                <a:solidFill>
-                  <a:schemeClr val="tx1"/>
-                </a:solidFill>
-                <a:latin typeface="+mn-lt"/>
-                <a:ea typeface="+mn-ea"/>
-                <a:cs typeface="+mn-cs"/>
-              </a:defRPr>
-            </a:lvl4pPr>
-            <a:lvl5pPr marL="2057400" indent="-228600" algn="l" defTabSz="457200" rtl="0" eaLnBrk="1" latinLnBrk="0" hangingPunct="1">
-              <a:spcBef>
-                <a:spcPct val="20000"/>
-              </a:spcBef>
-              <a:buFont typeface="Arial"/>
-              <a:buChar char="»"/>
-              <a:defRPr sz="2000" kern="1200">
-                <a:solidFill>
-                  <a:schemeClr val="tx1"/>
-                </a:solidFill>
-                <a:latin typeface="+mn-lt"/>
-                <a:ea typeface="+mn-ea"/>
-                <a:cs typeface="+mn-cs"/>
-              </a:defRPr>
-            </a:lvl5pPr>
-            <a:lvl6pPr marL="2514600" indent="-228600" algn="l" defTabSz="457200" rtl="0" eaLnBrk="1" latinLnBrk="0" hangingPunct="1">
-              <a:spcBef>
-                <a:spcPct val="20000"/>
-              </a:spcBef>
-              <a:buFont typeface="Arial"/>
-              <a:buChar char="•"/>
-              <a:defRPr sz="2000" kern="1200">
-                <a:solidFill>
-                  <a:schemeClr val="tx1"/>
-                </a:solidFill>
-                <a:latin typeface="+mn-lt"/>
-                <a:ea typeface="+mn-ea"/>
-                <a:cs typeface="+mn-cs"/>
-              </a:defRPr>
-            </a:lvl6pPr>
-            <a:lvl7pPr marL="2971800" indent="-228600" algn="l" defTabSz="457200" rtl="0" eaLnBrk="1" latinLnBrk="0" hangingPunct="1">
-              <a:spcBef>
-                <a:spcPct val="20000"/>
-              </a:spcBef>
-              <a:buFont typeface="Arial"/>
-              <a:buChar char="•"/>
-              <a:defRPr sz="2000" kern="1200">
-                <a:solidFill>
-                  <a:schemeClr val="tx1"/>
-                </a:solidFill>
-                <a:latin typeface="+mn-lt"/>
-                <a:ea typeface="+mn-ea"/>
-                <a:cs typeface="+mn-cs"/>
-              </a:defRPr>
-            </a:lvl7pPr>
-            <a:lvl8pPr marL="3429000" indent="-228600" algn="l" defTabSz="457200" rtl="0" eaLnBrk="1" latinLnBrk="0" hangingPunct="1">
-              <a:spcBef>
-                <a:spcPct val="20000"/>
-              </a:spcBef>
-              <a:buFont typeface="Arial"/>
-              <a:buChar char="•"/>
-              <a:defRPr sz="2000" kern="1200">
-                <a:solidFill>
-                  <a:schemeClr val="tx1"/>
-                </a:solidFill>
-                <a:latin typeface="+mn-lt"/>
-                <a:ea typeface="+mn-ea"/>
-                <a:cs typeface="+mn-cs"/>
-              </a:defRPr>
-            </a:lvl8pPr>
-            <a:lvl9pPr marL="3886200" indent="-228600" algn="l" defTabSz="457200" rtl="0" eaLnBrk="1" latinLnBrk="0" hangingPunct="1">
-              <a:spcBef>
-                <a:spcPct val="20000"/>
-              </a:spcBef>
-              <a:buFont typeface="Arial"/>
-              <a:buChar char="•"/>
-              <a:defRPr sz="2000" kern="1200">
-                <a:solidFill>
-                  <a:schemeClr val="tx1"/>
-                </a:solidFill>
-                <a:latin typeface="+mn-lt"/>
-                <a:ea typeface="+mn-ea"/>
-                <a:cs typeface="+mn-cs"/>
-              </a:defRPr>
-            </a:lvl9pPr>
-          </a:lstStyle>
-          <a:p>
-            <a:pPr marL="0" indent="8335">
+          <a:lstStyle/>
+          <a:p>
+            <a:pPr>
               <a:lnSpc>
                 <a:spcPct val="150000"/>
               </a:lnSpc>
-              <a:spcBef>
-                <a:spcPts val="0"/>
-              </a:spcBef>
-              <a:buNone/>
+              <a:defRPr/>
             </a:pPr>
             <a:r>
-              <a:rPr lang="pt-BR" altLang="pt-BR" sz="1400" dirty="0">
+              <a:rPr lang="pt-BR" sz="1050" dirty="0">
                 <a:solidFill>
                   <a:schemeClr val="tx1">
                     <a:lumMod val="65000"/>
                     <a:lumOff val="35000"/>
                   </a:schemeClr>
                 </a:solidFill>
-                <a:latin typeface="Gotham HTF Light" pitchFamily="50" charset="0"/>
+                <a:latin typeface="Gotham HTF Medium" pitchFamily="50" charset="0"/>
               </a:rPr>
-              <a:t>O método </a:t>
-            </a:r>
-            <a:r>
-              <a:rPr lang="pt-BR" altLang="pt-BR" sz="1400" dirty="0" err="1">
+              <a:t>Continuação:</a:t>
+            </a:r>
+          </a:p>
+          <a:p>
+            <a:pPr>
+              <a:lnSpc>
+                <a:spcPct val="150000"/>
+              </a:lnSpc>
+              <a:defRPr/>
+            </a:pPr>
+            <a:r>
+              <a:rPr lang="pt-BR" sz="1050" dirty="0">
                 <a:solidFill>
                   <a:schemeClr val="tx1">
                     <a:lumMod val="65000"/>
@@ -11325,10 +8629,33 @@
                 </a:solidFill>
                 <a:latin typeface="Gotham HTF Light" pitchFamily="50" charset="0"/>
               </a:rPr>
-              <a:t>debitarTaxa</a:t>
-            </a:r>
-            <a:r>
-              <a:rPr lang="pt-BR" altLang="pt-BR" sz="1400" dirty="0">
+              <a:t>Crie a classe de </a:t>
+            </a:r>
+            <a:r>
+              <a:rPr lang="pt-BR" sz="1050" dirty="0" err="1">
+                <a:solidFill>
+                  <a:srgbClr val="F0265D"/>
+                </a:solidFill>
+                <a:latin typeface="Gotham HTF Light" pitchFamily="50" charset="0"/>
+              </a:rPr>
+              <a:t>TesteFormacao</a:t>
+            </a:r>
+            <a:endParaRPr lang="pt-BR" sz="1050" dirty="0">
+              <a:solidFill>
+                <a:srgbClr val="F0265D"/>
+              </a:solidFill>
+              <a:latin typeface="Gotham HTF Light" pitchFamily="50" charset="0"/>
+            </a:endParaRPr>
+          </a:p>
+          <a:p>
+            <a:pPr>
+              <a:lnSpc>
+                <a:spcPct val="150000"/>
+              </a:lnSpc>
+              <a:defRPr/>
+            </a:pPr>
+            <a:r>
+              <a:rPr lang="pt-BR" sz="1050" dirty="0">
                 <a:solidFill>
                   <a:schemeClr val="tx1">
                     <a:lumMod val="65000"/>
@@ -11337,20 +8664,17 @@
                 </a:solidFill>
                 <a:latin typeface="Gotham HTF Light" pitchFamily="50" charset="0"/>
               </a:rPr>
-              <a:t>() deverá debitar o valor da taxa (atributo) que está no formato monetário, diretamente do saldo..</a:t>
-            </a:r>
-          </a:p>
-          <a:p>
-            <a:pPr marL="0" indent="8335">
+              <a:t>Programe para que seja realizada a pergunta ao usuário sobre qual formação deseja cadastrar. </a:t>
+            </a:r>
+          </a:p>
+          <a:p>
+            <a:pPr>
               <a:lnSpc>
                 <a:spcPct val="150000"/>
               </a:lnSpc>
-              <a:spcBef>
-                <a:spcPts val="0"/>
-              </a:spcBef>
-              <a:buNone/>
+              <a:defRPr/>
             </a:pPr>
-            <a:endParaRPr lang="pt-BR" altLang="pt-BR" sz="1400" dirty="0">
+            <a:endParaRPr lang="pt-BR" sz="1050" dirty="0">
               <a:solidFill>
                 <a:schemeClr val="tx1">
                   <a:lumMod val="65000"/>
@@ -11361,17 +8685,14 @@
             </a:endParaRPr>
           </a:p>
           <a:p>
-            <a:pPr marL="0" indent="8335">
+            <a:pPr>
               <a:lnSpc>
                 <a:spcPct val="150000"/>
               </a:lnSpc>
-              <a:spcBef>
-                <a:spcPts val="0"/>
-              </a:spcBef>
-              <a:buNone/>
+              <a:defRPr/>
             </a:pPr>
             <a:r>
-              <a:rPr lang="pt-BR" altLang="pt-BR" sz="1400" dirty="0">
+              <a:rPr lang="pt-BR" sz="1050" dirty="0">
                 <a:solidFill>
                   <a:schemeClr val="tx1">
                     <a:lumMod val="65000"/>
@@ -11380,10 +8701,28 @@
                 </a:solidFill>
                 <a:latin typeface="Gotham HTF Light" pitchFamily="50" charset="0"/>
               </a:rPr>
-              <a:t>O método </a:t>
-            </a:r>
-            <a:r>
-              <a:rPr lang="pt-BR" altLang="pt-BR" sz="1400" dirty="0" err="1">
+              <a:t>Então preencha o objeto devidamente (via construtor) e ao término utilize os métodos </a:t>
+            </a:r>
+            <a:r>
+              <a:rPr lang="pt-BR" sz="1050" dirty="0" err="1">
+                <a:solidFill>
+                  <a:srgbClr val="F0265D"/>
+                </a:solidFill>
+                <a:latin typeface="Gotham HTF Light" pitchFamily="50" charset="0"/>
+              </a:rPr>
+              <a:t>calcularMensalidade</a:t>
+            </a:r>
+            <a:r>
+              <a:rPr lang="pt-BR" sz="1050" dirty="0">
+                <a:solidFill>
+                  <a:srgbClr val="F0265D"/>
+                </a:solidFill>
+                <a:latin typeface="Gotham HTF Light" pitchFamily="50" charset="0"/>
+              </a:rPr>
+              <a:t>()</a:t>
+            </a:r>
+            <a:r>
+              <a:rPr lang="pt-BR" sz="1050" dirty="0">
                 <a:solidFill>
                   <a:schemeClr val="tx1">
                     <a:lumMod val="65000"/>
@@ -11392,10 +8731,28 @@
                 </a:solidFill>
                 <a:latin typeface="Gotham HTF Light" pitchFamily="50" charset="0"/>
               </a:rPr>
-              <a:t>aumentarLimite</a:t>
-            </a:r>
-            <a:r>
-              <a:rPr lang="pt-BR" altLang="pt-BR" sz="1400" dirty="0">
+              <a:t>, </a:t>
+            </a:r>
+            <a:r>
+              <a:rPr lang="pt-BR" sz="1050" dirty="0" err="1">
+                <a:solidFill>
+                  <a:srgbClr val="F0265D"/>
+                </a:solidFill>
+                <a:latin typeface="Gotham HTF Light" pitchFamily="50" charset="0"/>
+              </a:rPr>
+              <a:t>definirDuracao</a:t>
+            </a:r>
+            <a:r>
+              <a:rPr lang="pt-BR" sz="1050" dirty="0">
+                <a:solidFill>
+                  <a:srgbClr val="F0265D"/>
+                </a:solidFill>
+                <a:latin typeface="Gotham HTF Light" pitchFamily="50" charset="0"/>
+              </a:rPr>
+              <a:t>()</a:t>
+            </a:r>
+            <a:r>
+              <a:rPr lang="pt-BR" sz="1050" dirty="0">
                 <a:solidFill>
                   <a:schemeClr val="tx1">
                     <a:lumMod val="65000"/>
@@ -11404,169 +8761,81 @@
                 </a:solidFill>
                 <a:latin typeface="Gotham HTF Light" pitchFamily="50" charset="0"/>
               </a:rPr>
-              <a:t>() deverá aumentar o valor do limite de acordo com a porcentagem recebida no parâmetro..</a:t>
-            </a:r>
-          </a:p>
-          <a:p>
-            <a:pPr marL="0" indent="8335">
+              <a:t> e </a:t>
+            </a:r>
+            <a:r>
+              <a:rPr lang="pt-BR" sz="1050" dirty="0" err="1">
+                <a:solidFill>
+                  <a:srgbClr val="F0265D"/>
+                </a:solidFill>
+                <a:latin typeface="Gotham HTF Light" pitchFamily="50" charset="0"/>
+              </a:rPr>
+              <a:t>toString</a:t>
+            </a:r>
+            <a:r>
+              <a:rPr lang="pt-BR" sz="1050" dirty="0">
+                <a:solidFill>
+                  <a:srgbClr val="F0265D"/>
+                </a:solidFill>
+                <a:latin typeface="Gotham HTF Light" pitchFamily="50" charset="0"/>
+              </a:rPr>
+              <a:t>()</a:t>
+            </a:r>
+            <a:r>
+              <a:rPr lang="pt-BR" sz="1050" dirty="0">
+                <a:solidFill>
+                  <a:schemeClr val="tx1">
+                    <a:lumMod val="65000"/>
+                    <a:lumOff val="35000"/>
+                  </a:schemeClr>
+                </a:solidFill>
+                <a:latin typeface="Gotham HTF Light" pitchFamily="50" charset="0"/>
+              </a:rPr>
+              <a:t>,  a fim de verificar se a duração está sendo definida corretamente.</a:t>
+            </a:r>
+          </a:p>
+          <a:p>
+            <a:pPr>
               <a:lnSpc>
                 <a:spcPct val="150000"/>
               </a:lnSpc>
-              <a:spcBef>
-                <a:spcPts val="0"/>
-              </a:spcBef>
-              <a:buNone/>
+              <a:defRPr/>
             </a:pPr>
-            <a:endParaRPr lang="pt-BR" altLang="pt-BR" sz="1400" dirty="0">
+            <a:endParaRPr lang="pt-BR" sz="1050" dirty="0">
               <a:solidFill>
                 <a:schemeClr val="tx1">
                   <a:lumMod val="65000"/>
                   <a:lumOff val="35000"/>
                 </a:schemeClr>
               </a:solidFill>
-              <a:latin typeface="Gotham HTF Light" pitchFamily="50" charset="0"/>
+              <a:latin typeface="Gotham HTF Medium" pitchFamily="50" charset="0"/>
             </a:endParaRPr>
           </a:p>
           <a:p>
-            <a:pPr marL="0" indent="8335">
+            <a:pPr>
               <a:lnSpc>
                 <a:spcPct val="150000"/>
               </a:lnSpc>
-              <a:spcBef>
-                <a:spcPts val="0"/>
-              </a:spcBef>
-              <a:buNone/>
+              <a:defRPr/>
             </a:pPr>
-            <a:r>
-              <a:rPr lang="pt-BR" altLang="pt-BR" sz="1400" dirty="0">
-                <a:solidFill>
-                  <a:schemeClr val="tx1">
-                    <a:lumMod val="65000"/>
-                    <a:lumOff val="35000"/>
-                  </a:schemeClr>
-                </a:solidFill>
-                <a:latin typeface="Gotham HTF Light" pitchFamily="50" charset="0"/>
-              </a:rPr>
-              <a:t>O método </a:t>
-            </a:r>
-            <a:r>
-              <a:rPr lang="pt-BR" altLang="pt-BR" sz="1400" dirty="0" err="1">
-                <a:solidFill>
-                  <a:schemeClr val="tx1">
-                    <a:lumMod val="65000"/>
-                    <a:lumOff val="35000"/>
-                  </a:schemeClr>
-                </a:solidFill>
-                <a:latin typeface="Gotham HTF Light" pitchFamily="50" charset="0"/>
-              </a:rPr>
-              <a:t>verificarSaldo</a:t>
-            </a:r>
-            <a:r>
-              <a:rPr lang="pt-BR" altLang="pt-BR" sz="1400" dirty="0">
-                <a:solidFill>
-                  <a:schemeClr val="tx1">
-                    <a:lumMod val="65000"/>
-                    <a:lumOff val="35000"/>
-                  </a:schemeClr>
-                </a:solidFill>
-                <a:latin typeface="Gotham HTF Light" pitchFamily="50" charset="0"/>
-              </a:rPr>
-              <a:t>(), deverá verificar como o objeto está instanciado (use o </a:t>
-            </a:r>
-            <a:r>
-              <a:rPr lang="pt-BR" altLang="pt-BR" sz="1400" dirty="0" err="1">
-                <a:solidFill>
-                  <a:srgbClr val="ED145B"/>
-                </a:solidFill>
-                <a:latin typeface="Gotham HTF Light" pitchFamily="50" charset="0"/>
-              </a:rPr>
-              <a:t>instanceof</a:t>
-            </a:r>
-            <a:r>
-              <a:rPr lang="pt-BR" altLang="pt-BR" sz="1400" dirty="0">
-                <a:solidFill>
-                  <a:schemeClr val="tx1">
-                    <a:lumMod val="65000"/>
-                    <a:lumOff val="35000"/>
-                  </a:schemeClr>
-                </a:solidFill>
-                <a:latin typeface="Gotham HTF Light" pitchFamily="50" charset="0"/>
-              </a:rPr>
-              <a:t>), se for </a:t>
-            </a:r>
-            <a:r>
-              <a:rPr lang="pt-BR" altLang="pt-BR" sz="1400" dirty="0" err="1">
-                <a:solidFill>
-                  <a:schemeClr val="tx1">
-                    <a:lumMod val="65000"/>
-                    <a:lumOff val="35000"/>
-                  </a:schemeClr>
-                </a:solidFill>
-                <a:latin typeface="Gotham HTF Light" pitchFamily="50" charset="0"/>
-              </a:rPr>
-              <a:t>Poupanca</a:t>
-            </a:r>
-            <a:r>
-              <a:rPr lang="pt-BR" altLang="pt-BR" sz="1400" dirty="0">
-                <a:solidFill>
-                  <a:schemeClr val="tx1">
-                    <a:lumMod val="65000"/>
-                    <a:lumOff val="35000"/>
-                  </a:schemeClr>
-                </a:solidFill>
-                <a:latin typeface="Gotham HTF Light" pitchFamily="50" charset="0"/>
-              </a:rPr>
-              <a:t> irá somente retornar o saldo, se for Corrente irá exibir o saldo somado com o limite.</a:t>
-            </a:r>
-          </a:p>
-          <a:p>
-            <a:pPr marL="0" indent="8335">
-              <a:lnSpc>
-                <a:spcPct val="150000"/>
-              </a:lnSpc>
-              <a:spcBef>
-                <a:spcPts val="0"/>
-              </a:spcBef>
-              <a:buNone/>
-            </a:pPr>
-            <a:endParaRPr lang="pt-BR" altLang="pt-BR" sz="1400" dirty="0">
+            <a:endParaRPr lang="pt-BR" sz="1050" dirty="0">
               <a:solidFill>
                 <a:schemeClr val="tx1">
                   <a:lumMod val="65000"/>
                   <a:lumOff val="35000"/>
                 </a:schemeClr>
               </a:solidFill>
-              <a:latin typeface="Gotham HTF Light" pitchFamily="50" charset="0"/>
+              <a:latin typeface="Gotham HTF Medium" pitchFamily="50" charset="0"/>
             </a:endParaRPr>
           </a:p>
-          <a:p>
-            <a:pPr marL="0" indent="8335">
-              <a:lnSpc>
-                <a:spcPct val="150000"/>
-              </a:lnSpc>
-              <a:spcBef>
-                <a:spcPts val="0"/>
-              </a:spcBef>
-              <a:buNone/>
-            </a:pPr>
-            <a:endParaRPr lang="pt-BR" altLang="pt-BR" sz="1400" dirty="0">
-              <a:solidFill>
-                <a:schemeClr val="tx1">
-                  <a:lumMod val="65000"/>
-                  <a:lumOff val="35000"/>
-                </a:schemeClr>
-              </a:solidFill>
-              <a:latin typeface="Gotham HTF Light" pitchFamily="50" charset="0"/>
-            </a:endParaRPr>
-          </a:p>
-        </p:txBody>
-      </p:sp>
-      <p:sp>
-        <p:nvSpPr>
-          <p:cNvPr id="9" name="TextBox 59">
-            <a:extLst>
-              <a:ext uri="{FF2B5EF4-FFF2-40B4-BE49-F238E27FC236}">
-                <a16:creationId xmlns:a16="http://schemas.microsoft.com/office/drawing/2014/main" id="{9DB2C5FD-E606-4154-B5BC-5618151B583B}"/>
+        </p:txBody>
+      </p:sp>
+      <p:sp>
+        <p:nvSpPr>
+          <p:cNvPr id="8" name="TextBox 59">
+            <a:extLst>
+              <a:ext uri="{FF2B5EF4-FFF2-40B4-BE49-F238E27FC236}">
+                <a16:creationId xmlns:a16="http://schemas.microsoft.com/office/drawing/2014/main" id="{17E3FED9-ED32-4FCA-B18F-16046A2B890E}"/>
               </a:ext>
             </a:extLst>
           </p:cNvPr>
@@ -11575,8 +8844,8 @@
         </p:nvSpPr>
         <p:spPr>
           <a:xfrm>
-            <a:off x="939416" y="555259"/>
-            <a:ext cx="3822112" cy="369012"/>
+            <a:off x="939416" y="557641"/>
+            <a:ext cx="4030149" cy="369332"/>
           </a:xfrm>
           <a:prstGeom prst="rect">
             <a:avLst/>
@@ -11590,19 +8859,16 @@
           <a:lstStyle/>
           <a:p>
             <a:r>
-              <a:rPr lang="pt-BR" sz="1798" dirty="0">
-                <a:solidFill>
-                  <a:schemeClr val="tx1">
-                    <a:lumMod val="65000"/>
-                    <a:lumOff val="35000"/>
-                  </a:schemeClr>
-                </a:solidFill>
-                <a:latin typeface="Gotham HTF Light" pitchFamily="50" charset="0"/>
-                <a:cs typeface="Gotham HTF Light"/>
+              <a:rPr lang="pt-BR" dirty="0">
+                <a:solidFill>
+                  <a:srgbClr val="ED145B"/>
+                </a:solidFill>
+                <a:latin typeface="Gotham HTF" pitchFamily="50" charset="0"/>
+                <a:cs typeface="Gotham HTF Bold"/>
               </a:rPr>
-              <a:t>Atividade Prática</a:t>
-            </a:r>
-            <a:endParaRPr lang="pt-BR" sz="1798" dirty="0">
+              <a:t>POLIMORFISMO</a:t>
+            </a:r>
+            <a:endParaRPr lang="pt-BR" dirty="0">
               <a:solidFill>
                 <a:srgbClr val="ED145B"/>
               </a:solidFill>
@@ -11615,410 +8881,7 @@
     </p:spTree>
     <p:extLst>
       <p:ext uri="{BB962C8B-B14F-4D97-AF65-F5344CB8AC3E}">
-        <p14:creationId xmlns:p14="http://schemas.microsoft.com/office/powerpoint/2010/main" val="3270659087"/>
-      </p:ext>
-    </p:extLst>
-  </p:cSld>
-  <p:clrMapOvr>
-    <a:masterClrMapping/>
-  </p:clrMapOvr>
-  <mc:AlternateContent xmlns:mc="http://schemas.openxmlformats.org/markup-compatibility/2006" xmlns:p14="http://schemas.microsoft.com/office/powerpoint/2010/main">
-    <mc:Choice Requires="p14">
-      <p:transition spd="med" p14:dur="700">
-        <p:fade/>
-      </p:transition>
-    </mc:Choice>
-    <mc:Fallback xmlns="">
-      <p:transition spd="med">
-        <p:fade/>
-      </p:transition>
-    </mc:Fallback>
-  </mc:AlternateContent>
-</p:sld>
-</file>
-
-<file path=ppt/slides/slide4.xml><?xml version="1.0" encoding="utf-8"?>
-<p:sld xmlns:a="http://schemas.openxmlformats.org/drawingml/2006/main" xmlns:r="http://schemas.openxmlformats.org/officeDocument/2006/relationships" xmlns:p="http://schemas.openxmlformats.org/presentationml/2006/main">
-  <p:cSld>
-    <p:spTree>
-      <p:nvGrpSpPr>
-        <p:cNvPr id="1" name=""/>
-        <p:cNvGrpSpPr/>
-        <p:nvPr/>
-      </p:nvGrpSpPr>
-      <p:grpSpPr>
-        <a:xfrm>
-          <a:off x="0" y="0"/>
-          <a:ext cx="0" cy="0"/>
-          <a:chOff x="0" y="0"/>
-          <a:chExt cx="0" cy="0"/>
-        </a:xfrm>
-      </p:grpSpPr>
-      <p:sp>
-        <p:nvSpPr>
-          <p:cNvPr id="10" name="Rectangle 3"/>
-          <p:cNvSpPr txBox="1">
-            <a:spLocks noChangeArrowheads="1"/>
-          </p:cNvSpPr>
-          <p:nvPr/>
-        </p:nvSpPr>
-        <p:spPr>
-          <a:xfrm>
-            <a:off x="939416" y="1168044"/>
-            <a:ext cx="7197051" cy="1101249"/>
-          </a:xfrm>
-          <a:prstGeom prst="rect">
-            <a:avLst/>
-          </a:prstGeom>
-        </p:spPr>
-        <p:txBody>
-          <a:bodyPr vert="horz" lIns="68580" tIns="34290" rIns="68580" bIns="34290" rtlCol="0">
-            <a:noAutofit/>
-          </a:bodyPr>
-          <a:lstStyle>
-            <a:lvl1pPr marL="342900" indent="-342900" algn="l" defTabSz="457200" rtl="0" eaLnBrk="1" latinLnBrk="0" hangingPunct="1">
-              <a:spcBef>
-                <a:spcPct val="20000"/>
-              </a:spcBef>
-              <a:buFont typeface="Arial"/>
-              <a:buChar char="•"/>
-              <a:defRPr sz="3200" kern="1200">
-                <a:solidFill>
-                  <a:schemeClr val="tx1"/>
-                </a:solidFill>
-                <a:latin typeface="+mn-lt"/>
-                <a:ea typeface="+mn-ea"/>
-                <a:cs typeface="+mn-cs"/>
-              </a:defRPr>
-            </a:lvl1pPr>
-            <a:lvl2pPr marL="742950" indent="-285750" algn="l" defTabSz="457200" rtl="0" eaLnBrk="1" latinLnBrk="0" hangingPunct="1">
-              <a:spcBef>
-                <a:spcPct val="20000"/>
-              </a:spcBef>
-              <a:buFont typeface="Arial"/>
-              <a:buChar char="–"/>
-              <a:defRPr sz="2800" kern="1200">
-                <a:solidFill>
-                  <a:schemeClr val="tx1"/>
-                </a:solidFill>
-                <a:latin typeface="+mn-lt"/>
-                <a:ea typeface="+mn-ea"/>
-                <a:cs typeface="+mn-cs"/>
-              </a:defRPr>
-            </a:lvl2pPr>
-            <a:lvl3pPr marL="1143000" indent="-228600" algn="l" defTabSz="457200" rtl="0" eaLnBrk="1" latinLnBrk="0" hangingPunct="1">
-              <a:spcBef>
-                <a:spcPct val="20000"/>
-              </a:spcBef>
-              <a:buFont typeface="Arial"/>
-              <a:buChar char="•"/>
-              <a:defRPr sz="2400" kern="1200">
-                <a:solidFill>
-                  <a:schemeClr val="tx1"/>
-                </a:solidFill>
-                <a:latin typeface="+mn-lt"/>
-                <a:ea typeface="+mn-ea"/>
-                <a:cs typeface="+mn-cs"/>
-              </a:defRPr>
-            </a:lvl3pPr>
-            <a:lvl4pPr marL="1600200" indent="-228600" algn="l" defTabSz="457200" rtl="0" eaLnBrk="1" latinLnBrk="0" hangingPunct="1">
-              <a:spcBef>
-                <a:spcPct val="20000"/>
-              </a:spcBef>
-              <a:buFont typeface="Arial"/>
-              <a:buChar char="–"/>
-              <a:defRPr sz="2000" kern="1200">
-                <a:solidFill>
-                  <a:schemeClr val="tx1"/>
-                </a:solidFill>
-                <a:latin typeface="+mn-lt"/>
-                <a:ea typeface="+mn-ea"/>
-                <a:cs typeface="+mn-cs"/>
-              </a:defRPr>
-            </a:lvl4pPr>
-            <a:lvl5pPr marL="2057400" indent="-228600" algn="l" defTabSz="457200" rtl="0" eaLnBrk="1" latinLnBrk="0" hangingPunct="1">
-              <a:spcBef>
-                <a:spcPct val="20000"/>
-              </a:spcBef>
-              <a:buFont typeface="Arial"/>
-              <a:buChar char="»"/>
-              <a:defRPr sz="2000" kern="1200">
-                <a:solidFill>
-                  <a:schemeClr val="tx1"/>
-                </a:solidFill>
-                <a:latin typeface="+mn-lt"/>
-                <a:ea typeface="+mn-ea"/>
-                <a:cs typeface="+mn-cs"/>
-              </a:defRPr>
-            </a:lvl5pPr>
-            <a:lvl6pPr marL="2514600" indent="-228600" algn="l" defTabSz="457200" rtl="0" eaLnBrk="1" latinLnBrk="0" hangingPunct="1">
-              <a:spcBef>
-                <a:spcPct val="20000"/>
-              </a:spcBef>
-              <a:buFont typeface="Arial"/>
-              <a:buChar char="•"/>
-              <a:defRPr sz="2000" kern="1200">
-                <a:solidFill>
-                  <a:schemeClr val="tx1"/>
-                </a:solidFill>
-                <a:latin typeface="+mn-lt"/>
-                <a:ea typeface="+mn-ea"/>
-                <a:cs typeface="+mn-cs"/>
-              </a:defRPr>
-            </a:lvl6pPr>
-            <a:lvl7pPr marL="2971800" indent="-228600" algn="l" defTabSz="457200" rtl="0" eaLnBrk="1" latinLnBrk="0" hangingPunct="1">
-              <a:spcBef>
-                <a:spcPct val="20000"/>
-              </a:spcBef>
-              <a:buFont typeface="Arial"/>
-              <a:buChar char="•"/>
-              <a:defRPr sz="2000" kern="1200">
-                <a:solidFill>
-                  <a:schemeClr val="tx1"/>
-                </a:solidFill>
-                <a:latin typeface="+mn-lt"/>
-                <a:ea typeface="+mn-ea"/>
-                <a:cs typeface="+mn-cs"/>
-              </a:defRPr>
-            </a:lvl7pPr>
-            <a:lvl8pPr marL="3429000" indent="-228600" algn="l" defTabSz="457200" rtl="0" eaLnBrk="1" latinLnBrk="0" hangingPunct="1">
-              <a:spcBef>
-                <a:spcPct val="20000"/>
-              </a:spcBef>
-              <a:buFont typeface="Arial"/>
-              <a:buChar char="•"/>
-              <a:defRPr sz="2000" kern="1200">
-                <a:solidFill>
-                  <a:schemeClr val="tx1"/>
-                </a:solidFill>
-                <a:latin typeface="+mn-lt"/>
-                <a:ea typeface="+mn-ea"/>
-                <a:cs typeface="+mn-cs"/>
-              </a:defRPr>
-            </a:lvl8pPr>
-            <a:lvl9pPr marL="3886200" indent="-228600" algn="l" defTabSz="457200" rtl="0" eaLnBrk="1" latinLnBrk="0" hangingPunct="1">
-              <a:spcBef>
-                <a:spcPct val="20000"/>
-              </a:spcBef>
-              <a:buFont typeface="Arial"/>
-              <a:buChar char="•"/>
-              <a:defRPr sz="2000" kern="1200">
-                <a:solidFill>
-                  <a:schemeClr val="tx1"/>
-                </a:solidFill>
-                <a:latin typeface="+mn-lt"/>
-                <a:ea typeface="+mn-ea"/>
-                <a:cs typeface="+mn-cs"/>
-              </a:defRPr>
-            </a:lvl9pPr>
-          </a:lstStyle>
-          <a:p>
-            <a:pPr marL="0" indent="8335">
-              <a:lnSpc>
-                <a:spcPct val="150000"/>
-              </a:lnSpc>
-              <a:spcBef>
-                <a:spcPts val="0"/>
-              </a:spcBef>
-              <a:buNone/>
-            </a:pPr>
-            <a:r>
-              <a:rPr lang="pt-BR" altLang="pt-BR" sz="1400" dirty="0">
-                <a:solidFill>
-                  <a:schemeClr val="tx1">
-                    <a:lumMod val="65000"/>
-                    <a:lumOff val="35000"/>
-                  </a:schemeClr>
-                </a:solidFill>
-                <a:latin typeface="Gotham HTF Light" pitchFamily="50" charset="0"/>
-              </a:rPr>
-              <a:t>No pacote de implementação, crie a classe </a:t>
-            </a:r>
-            <a:r>
-              <a:rPr lang="pt-BR" altLang="pt-BR" sz="1400" dirty="0" err="1">
-                <a:solidFill>
-                  <a:schemeClr val="tx1">
-                    <a:lumMod val="65000"/>
-                    <a:lumOff val="35000"/>
-                  </a:schemeClr>
-                </a:solidFill>
-                <a:latin typeface="Gotham HTF Light" pitchFamily="50" charset="0"/>
-              </a:rPr>
-              <a:t>ImplementarConta</a:t>
-            </a:r>
-            <a:r>
-              <a:rPr lang="pt-BR" altLang="pt-BR" sz="1400" dirty="0">
-                <a:solidFill>
-                  <a:schemeClr val="tx1">
-                    <a:lumMod val="65000"/>
-                    <a:lumOff val="35000"/>
-                  </a:schemeClr>
-                </a:solidFill>
-                <a:latin typeface="Gotham HTF Light" pitchFamily="50" charset="0"/>
-              </a:rPr>
-              <a:t>.</a:t>
-            </a:r>
-          </a:p>
-          <a:p>
-            <a:pPr marL="0" indent="8335">
-              <a:lnSpc>
-                <a:spcPct val="150000"/>
-              </a:lnSpc>
-              <a:spcBef>
-                <a:spcPts val="0"/>
-              </a:spcBef>
-              <a:buNone/>
-            </a:pPr>
-            <a:endParaRPr lang="pt-BR" altLang="pt-BR" sz="1400" dirty="0">
-              <a:solidFill>
-                <a:schemeClr val="tx1">
-                  <a:lumMod val="65000"/>
-                  <a:lumOff val="35000"/>
-                </a:schemeClr>
-              </a:solidFill>
-              <a:latin typeface="Gotham HTF Light" pitchFamily="50" charset="0"/>
-            </a:endParaRPr>
-          </a:p>
-          <a:p>
-            <a:pPr marL="0" indent="8335">
-              <a:lnSpc>
-                <a:spcPct val="150000"/>
-              </a:lnSpc>
-              <a:spcBef>
-                <a:spcPts val="0"/>
-              </a:spcBef>
-              <a:buNone/>
-            </a:pPr>
-            <a:r>
-              <a:rPr lang="pt-BR" altLang="pt-BR" sz="1400" dirty="0">
-                <a:solidFill>
-                  <a:schemeClr val="tx1">
-                    <a:lumMod val="65000"/>
-                    <a:lumOff val="35000"/>
-                  </a:schemeClr>
-                </a:solidFill>
-                <a:latin typeface="Gotham HTF Light" pitchFamily="50" charset="0"/>
-              </a:rPr>
-              <a:t>Pergunte ao usuário o que ele deseja cadastrar (Corrente ou Poupança), e de acordo com a resposta, solicite os dados da conta e exiba em seguida. Quando terminar pergunte ao usuário se deseja cadastrar mais contas.</a:t>
-            </a:r>
-          </a:p>
-          <a:p>
-            <a:pPr marL="0" indent="8335">
-              <a:lnSpc>
-                <a:spcPct val="150000"/>
-              </a:lnSpc>
-              <a:spcBef>
-                <a:spcPts val="0"/>
-              </a:spcBef>
-              <a:buNone/>
-            </a:pPr>
-            <a:endParaRPr lang="pt-BR" altLang="pt-BR" sz="1400" dirty="0">
-              <a:solidFill>
-                <a:schemeClr val="tx1">
-                  <a:lumMod val="65000"/>
-                  <a:lumOff val="35000"/>
-                </a:schemeClr>
-              </a:solidFill>
-              <a:latin typeface="Gotham HTF Light" pitchFamily="50" charset="0"/>
-            </a:endParaRPr>
-          </a:p>
-          <a:p>
-            <a:pPr marL="0" indent="8335">
-              <a:lnSpc>
-                <a:spcPct val="150000"/>
-              </a:lnSpc>
-              <a:spcBef>
-                <a:spcPts val="0"/>
-              </a:spcBef>
-              <a:buNone/>
-            </a:pPr>
-            <a:endParaRPr lang="pt-BR" altLang="pt-BR" sz="1400" dirty="0">
-              <a:solidFill>
-                <a:schemeClr val="tx1">
-                  <a:lumMod val="65000"/>
-                  <a:lumOff val="35000"/>
-                </a:schemeClr>
-              </a:solidFill>
-              <a:latin typeface="Gotham HTF Light" pitchFamily="50" charset="0"/>
-            </a:endParaRPr>
-          </a:p>
-          <a:p>
-            <a:pPr marL="0" indent="8335">
-              <a:lnSpc>
-                <a:spcPct val="150000"/>
-              </a:lnSpc>
-              <a:spcBef>
-                <a:spcPts val="0"/>
-              </a:spcBef>
-              <a:buNone/>
-            </a:pPr>
-            <a:endParaRPr lang="pt-BR" altLang="pt-BR" sz="1400" dirty="0">
-              <a:solidFill>
-                <a:schemeClr val="tx1">
-                  <a:lumMod val="65000"/>
-                  <a:lumOff val="35000"/>
-                </a:schemeClr>
-              </a:solidFill>
-              <a:latin typeface="Gotham HTF Light" pitchFamily="50" charset="0"/>
-            </a:endParaRPr>
-          </a:p>
-        </p:txBody>
-      </p:sp>
-      <p:sp>
-        <p:nvSpPr>
-          <p:cNvPr id="9" name="TextBox 59">
-            <a:extLst>
-              <a:ext uri="{FF2B5EF4-FFF2-40B4-BE49-F238E27FC236}">
-                <a16:creationId xmlns:a16="http://schemas.microsoft.com/office/drawing/2014/main" id="{9DB2C5FD-E606-4154-B5BC-5618151B583B}"/>
-              </a:ext>
-            </a:extLst>
-          </p:cNvPr>
-          <p:cNvSpPr txBox="1"/>
-          <p:nvPr/>
-        </p:nvSpPr>
-        <p:spPr>
-          <a:xfrm>
-            <a:off x="939416" y="555259"/>
-            <a:ext cx="3822112" cy="369012"/>
-          </a:xfrm>
-          <a:prstGeom prst="rect">
-            <a:avLst/>
-          </a:prstGeom>
-          <a:noFill/>
-        </p:spPr>
-        <p:txBody>
-          <a:bodyPr wrap="square" rtlCol="0">
-            <a:spAutoFit/>
-          </a:bodyPr>
-          <a:lstStyle/>
-          <a:p>
-            <a:r>
-              <a:rPr lang="pt-BR" sz="1798" dirty="0">
-                <a:solidFill>
-                  <a:schemeClr val="tx1">
-                    <a:lumMod val="65000"/>
-                    <a:lumOff val="35000"/>
-                  </a:schemeClr>
-                </a:solidFill>
-                <a:latin typeface="Gotham HTF Light" pitchFamily="50" charset="0"/>
-                <a:cs typeface="Gotham HTF Light"/>
-              </a:rPr>
-              <a:t>Atividade Prática</a:t>
-            </a:r>
-            <a:endParaRPr lang="pt-BR" sz="1798" dirty="0">
-              <a:solidFill>
-                <a:srgbClr val="ED145B"/>
-              </a:solidFill>
-              <a:latin typeface="Gotham HTF" pitchFamily="50" charset="0"/>
-              <a:cs typeface="Gotham HTF Light"/>
-            </a:endParaRPr>
-          </a:p>
-        </p:txBody>
-      </p:sp>
-    </p:spTree>
-    <p:extLst>
-      <p:ext uri="{BB962C8B-B14F-4D97-AF65-F5344CB8AC3E}">
-        <p14:creationId xmlns:p14="http://schemas.microsoft.com/office/powerpoint/2010/main" val="693197304"/>
+        <p14:creationId xmlns:p14="http://schemas.microsoft.com/office/powerpoint/2010/main" val="1293848498"/>
       </p:ext>
     </p:extLst>
   </p:cSld>
@@ -12631,267 +9494,6 @@
 </file>
 
 <file path=ppt/theme/theme3.xml><?xml version="1.0" encoding="utf-8"?>
-<a:theme xmlns:a="http://schemas.openxmlformats.org/drawingml/2006/main" name="1_Titulo">
-  <a:themeElements>
-    <a:clrScheme name="Tema do Office">
-      <a:dk1>
-        <a:sysClr val="windowText" lastClr="000000"/>
-      </a:dk1>
-      <a:lt1>
-        <a:sysClr val="window" lastClr="FFFFFF"/>
-      </a:lt1>
-      <a:dk2>
-        <a:srgbClr val="44546A"/>
-      </a:dk2>
-      <a:lt2>
-        <a:srgbClr val="E7E6E6"/>
-      </a:lt2>
-      <a:accent1>
-        <a:srgbClr val="4472C4"/>
-      </a:accent1>
-      <a:accent2>
-        <a:srgbClr val="ED7D31"/>
-      </a:accent2>
-      <a:accent3>
-        <a:srgbClr val="A5A5A5"/>
-      </a:accent3>
-      <a:accent4>
-        <a:srgbClr val="FFC000"/>
-      </a:accent4>
-      <a:accent5>
-        <a:srgbClr val="5B9BD5"/>
-      </a:accent5>
-      <a:accent6>
-        <a:srgbClr val="70AD47"/>
-      </a:accent6>
-      <a:hlink>
-        <a:srgbClr val="0563C1"/>
-      </a:hlink>
-      <a:folHlink>
-        <a:srgbClr val="954F72"/>
-      </a:folHlink>
-    </a:clrScheme>
-    <a:fontScheme name="Tema do Office">
-      <a:majorFont>
-        <a:latin typeface="Calibri Light" panose="020F0302020204030204"/>
-        <a:ea typeface=""/>
-        <a:cs typeface=""/>
-        <a:font script="Jpan" typeface="游ゴシック Light"/>
-        <a:font script="Hang" typeface="맑은 고딕"/>
-        <a:font script="Hans" typeface="等线 Light"/>
-        <a:font script="Hant" typeface="新細明體"/>
-        <a:font script="Arab" typeface="Times New Roman"/>
-        <a:font script="Hebr" typeface="Times New Roman"/>
-        <a:font script="Thai" typeface="Angsana New"/>
-        <a:font script="Ethi" typeface="Nyala"/>
-        <a:font script="Beng" typeface="Vrinda"/>
-        <a:font script="Gujr" typeface="Shruti"/>
-        <a:font script="Khmr" typeface="MoolBoran"/>
-        <a:font script="Knda" typeface="Tunga"/>
-        <a:font script="Guru" typeface="Raavi"/>
-        <a:font script="Cans" typeface="Euphemia"/>
-        <a:font script="Cher" typeface="Plantagenet Cherokee"/>
-        <a:font script="Yiii" typeface="Microsoft Yi Baiti"/>
-        <a:font script="Tibt" typeface="Microsoft Himalaya"/>
-        <a:font script="Thaa" typeface="MV Boli"/>
-        <a:font script="Deva" typeface="Mangal"/>
-        <a:font script="Telu" typeface="Gautami"/>
-        <a:font script="Taml" typeface="Latha"/>
-        <a:font script="Syrc" typeface="Estrangelo Edessa"/>
-        <a:font script="Orya" typeface="Kalinga"/>
-        <a:font script="Mlym" typeface="Kartika"/>
-        <a:font script="Laoo" typeface="DokChampa"/>
-        <a:font script="Sinh" typeface="Iskoola Pota"/>
-        <a:font script="Mong" typeface="Mongolian Baiti"/>
-        <a:font script="Viet" typeface="Times New Roman"/>
-        <a:font script="Uigh" typeface="Microsoft Uighur"/>
-        <a:font script="Geor" typeface="Sylfaen"/>
-      </a:majorFont>
-      <a:minorFont>
-        <a:latin typeface="Calibri" panose="020F0502020204030204"/>
-        <a:ea typeface=""/>
-        <a:cs typeface=""/>
-        <a:font script="Jpan" typeface="游ゴシック"/>
-        <a:font script="Hang" typeface="맑은 고딕"/>
-        <a:font script="Hans" typeface="等线"/>
-        <a:font script="Hant" typeface="新細明體"/>
-        <a:font script="Arab" typeface="Arial"/>
-        <a:font script="Hebr" typeface="Arial"/>
-        <a:font script="Thai" typeface="Cordia New"/>
-        <a:font script="Ethi" typeface="Nyala"/>
-        <a:font script="Beng" typeface="Vrinda"/>
-        <a:font script="Gujr" typeface="Shruti"/>
-        <a:font script="Khmr" typeface="DaunPenh"/>
-        <a:font script="Knda" typeface="Tunga"/>
-        <a:font script="Guru" typeface="Raavi"/>
-        <a:font script="Cans" typeface="Euphemia"/>
-        <a:font script="Cher" typeface="Plantagenet Cherokee"/>
-        <a:font script="Yiii" typeface="Microsoft Yi Baiti"/>
-        <a:font script="Tibt" typeface="Microsoft Himalaya"/>
-        <a:font script="Thaa" typeface="MV Boli"/>
-        <a:font script="Deva" typeface="Mangal"/>
-        <a:font script="Telu" typeface="Gautami"/>
-        <a:font script="Taml" typeface="Latha"/>
-        <a:font script="Syrc" typeface="Estrangelo Edessa"/>
-        <a:font script="Orya" typeface="Kalinga"/>
-        <a:font script="Mlym" typeface="Kartika"/>
-        <a:font script="Laoo" typeface="DokChampa"/>
-        <a:font script="Sinh" typeface="Iskoola Pota"/>
-        <a:font script="Mong" typeface="Mongolian Baiti"/>
-        <a:font script="Viet" typeface="Arial"/>
-        <a:font script="Uigh" typeface="Microsoft Uighur"/>
-        <a:font script="Geor" typeface="Sylfaen"/>
-      </a:minorFont>
-    </a:fontScheme>
-    <a:fmtScheme name="Tema do Office">
-      <a:fillStyleLst>
-        <a:solidFill>
-          <a:schemeClr val="phClr"/>
-        </a:solidFill>
-        <a:gradFill rotWithShape="1">
-          <a:gsLst>
-            <a:gs pos="0">
-              <a:schemeClr val="phClr">
-                <a:lumMod val="110000"/>
-                <a:satMod val="105000"/>
-                <a:tint val="67000"/>
-              </a:schemeClr>
-            </a:gs>
-            <a:gs pos="50000">
-              <a:schemeClr val="phClr">
-                <a:lumMod val="105000"/>
-                <a:satMod val="103000"/>
-                <a:tint val="73000"/>
-              </a:schemeClr>
-            </a:gs>
-            <a:gs pos="100000">
-              <a:schemeClr val="phClr">
-                <a:lumMod val="105000"/>
-                <a:satMod val="109000"/>
-                <a:tint val="81000"/>
-              </a:schemeClr>
-            </a:gs>
-          </a:gsLst>
-          <a:lin ang="5400000" scaled="0"/>
-        </a:gradFill>
-        <a:gradFill rotWithShape="1">
-          <a:gsLst>
-            <a:gs pos="0">
-              <a:schemeClr val="phClr">
-                <a:satMod val="103000"/>
-                <a:lumMod val="102000"/>
-                <a:tint val="94000"/>
-              </a:schemeClr>
-            </a:gs>
-            <a:gs pos="50000">
-              <a:schemeClr val="phClr">
-                <a:satMod val="110000"/>
-                <a:lumMod val="100000"/>
-                <a:shade val="100000"/>
-              </a:schemeClr>
-            </a:gs>
-            <a:gs pos="100000">
-              <a:schemeClr val="phClr">
-                <a:lumMod val="99000"/>
-                <a:satMod val="120000"/>
-                <a:shade val="78000"/>
-              </a:schemeClr>
-            </a:gs>
-          </a:gsLst>
-          <a:lin ang="5400000" scaled="0"/>
-        </a:gradFill>
-      </a:fillStyleLst>
-      <a:lnStyleLst>
-        <a:ln w="6350" cap="flat" cmpd="sng" algn="ctr">
-          <a:solidFill>
-            <a:schemeClr val="phClr"/>
-          </a:solidFill>
-          <a:prstDash val="solid"/>
-          <a:miter lim="800000"/>
-        </a:ln>
-        <a:ln w="12700" cap="flat" cmpd="sng" algn="ctr">
-          <a:solidFill>
-            <a:schemeClr val="phClr"/>
-          </a:solidFill>
-          <a:prstDash val="solid"/>
-          <a:miter lim="800000"/>
-        </a:ln>
-        <a:ln w="19050" cap="flat" cmpd="sng" algn="ctr">
-          <a:solidFill>
-            <a:schemeClr val="phClr"/>
-          </a:solidFill>
-          <a:prstDash val="solid"/>
-          <a:miter lim="800000"/>
-        </a:ln>
-      </a:lnStyleLst>
-      <a:effectStyleLst>
-        <a:effectStyle>
-          <a:effectLst/>
-        </a:effectStyle>
-        <a:effectStyle>
-          <a:effectLst/>
-        </a:effectStyle>
-        <a:effectStyle>
-          <a:effectLst>
-            <a:outerShdw blurRad="57150" dist="19050" dir="5400000" algn="ctr" rotWithShape="0">
-              <a:srgbClr val="000000">
-                <a:alpha val="63000"/>
-              </a:srgbClr>
-            </a:outerShdw>
-          </a:effectLst>
-        </a:effectStyle>
-      </a:effectStyleLst>
-      <a:bgFillStyleLst>
-        <a:solidFill>
-          <a:schemeClr val="phClr"/>
-        </a:solidFill>
-        <a:solidFill>
-          <a:schemeClr val="phClr">
-            <a:tint val="95000"/>
-            <a:satMod val="170000"/>
-          </a:schemeClr>
-        </a:solidFill>
-        <a:gradFill rotWithShape="1">
-          <a:gsLst>
-            <a:gs pos="0">
-              <a:schemeClr val="phClr">
-                <a:tint val="93000"/>
-                <a:satMod val="150000"/>
-                <a:shade val="98000"/>
-                <a:lumMod val="102000"/>
-              </a:schemeClr>
-            </a:gs>
-            <a:gs pos="50000">
-              <a:schemeClr val="phClr">
-                <a:tint val="98000"/>
-                <a:satMod val="130000"/>
-                <a:shade val="90000"/>
-                <a:lumMod val="103000"/>
-              </a:schemeClr>
-            </a:gs>
-            <a:gs pos="100000">
-              <a:schemeClr val="phClr">
-                <a:shade val="63000"/>
-                <a:satMod val="120000"/>
-              </a:schemeClr>
-            </a:gs>
-          </a:gsLst>
-          <a:lin ang="5400000" scaled="0"/>
-        </a:gradFill>
-      </a:bgFillStyleLst>
-    </a:fmtScheme>
-  </a:themeElements>
-  <a:objectDefaults/>
-  <a:extraClrSchemeLst/>
-  <a:extLst>
-    <a:ext uri="{05A4C25C-085E-4340-85A3-A5531E510DB2}">
-      <thm15:themeFamily xmlns:thm15="http://schemas.microsoft.com/office/thememl/2012/main" name="Office Theme" id="{62F939B6-93AF-4DB8-9C6B-D6C7DFDC589F}" vid="{4A3C46E8-61CC-4603-A589-7422A47A8E4A}"/>
-    </a:ext>
-  </a:extLst>
-</a:theme>
-</file>
-
-<file path=ppt/theme/theme4.xml><?xml version="1.0" encoding="utf-8"?>
 <a:theme xmlns:a="http://schemas.openxmlformats.org/drawingml/2006/main" name="Office Theme">
   <a:themeElements>
     <a:clrScheme name="Office">
